--- a/students/eric_v/debris/Using_git.pptx
+++ b/students/eric_v/debris/Using_git.pptx
@@ -8,14 +8,17 @@
     <p:sldId id="257" r:id="rId2"/>
     <p:sldId id="260" r:id="rId3"/>
     <p:sldId id="262" r:id="rId4"/>
-    <p:sldId id="267" r:id="rId5"/>
-    <p:sldId id="263" r:id="rId6"/>
-    <p:sldId id="264" r:id="rId7"/>
-    <p:sldId id="265" r:id="rId8"/>
-    <p:sldId id="266" r:id="rId9"/>
+    <p:sldId id="263" r:id="rId5"/>
+    <p:sldId id="269" r:id="rId6"/>
+    <p:sldId id="268" r:id="rId7"/>
+    <p:sldId id="264" r:id="rId8"/>
+    <p:sldId id="265" r:id="rId9"/>
+    <p:sldId id="271" r:id="rId10"/>
+    <p:sldId id="266" r:id="rId11"/>
+    <p:sldId id="270" r:id="rId12"/>
   </p:sldIdLst>
   <p:sldSz cx="9144000" cy="6858000" type="screen4x3"/>
-  <p:notesSz cx="6858000" cy="9144000"/>
+  <p:notesSz cx="6934200" cy="9220200"/>
   <p:defaultTextStyle>
     <a:defPPr>
       <a:defRPr lang="en-US"/>
@@ -3464,6 +3467,1294 @@
 </p:sld>
 </file>
 
+<file path=ppt/slides/slide10.xml><?xml version="1.0" encoding="utf-8"?>
+<p:sld xmlns:a="http://schemas.openxmlformats.org/drawingml/2006/main" xmlns:r="http://schemas.openxmlformats.org/officeDocument/2006/relationships" xmlns:p="http://schemas.openxmlformats.org/presentationml/2006/main">
+  <p:cSld>
+    <p:spTree>
+      <p:nvGrpSpPr>
+        <p:cNvPr id="1" name=""/>
+        <p:cNvGrpSpPr/>
+        <p:nvPr/>
+      </p:nvGrpSpPr>
+      <p:grpSpPr>
+        <a:xfrm>
+          <a:off x="0" y="0"/>
+          <a:ext cx="0" cy="0"/>
+          <a:chOff x="0" y="0"/>
+          <a:chExt cx="0" cy="0"/>
+        </a:xfrm>
+      </p:grpSpPr>
+      <p:sp>
+        <p:nvSpPr>
+          <p:cNvPr id="4" name="Rectangle 3"/>
+          <p:cNvSpPr/>
+          <p:nvPr/>
+        </p:nvSpPr>
+        <p:spPr>
+          <a:xfrm>
+            <a:off x="1505482" y="914400"/>
+            <a:ext cx="1981200" cy="1143000"/>
+          </a:xfrm>
+          <a:prstGeom prst="rect">
+            <a:avLst/>
+          </a:prstGeom>
+        </p:spPr>
+        <p:style>
+          <a:lnRef idx="2">
+            <a:schemeClr val="accent1">
+              <a:shade val="50000"/>
+            </a:schemeClr>
+          </a:lnRef>
+          <a:fillRef idx="1">
+            <a:schemeClr val="accent1"/>
+          </a:fillRef>
+          <a:effectRef idx="0">
+            <a:schemeClr val="accent1"/>
+          </a:effectRef>
+          <a:fontRef idx="minor">
+            <a:schemeClr val="lt1"/>
+          </a:fontRef>
+        </p:style>
+        <p:txBody>
+          <a:bodyPr rtlCol="0" anchor="ctr"/>
+          <a:lstStyle/>
+          <a:p>
+            <a:pPr algn="ctr"/>
+            <a:r>
+              <a:rPr lang="en-US" dirty="0" smtClean="0"/>
+              <a:t>Origin</a:t>
+            </a:r>
+          </a:p>
+          <a:p>
+            <a:pPr algn="ctr"/>
+            <a:r>
+              <a:rPr lang="en-US" dirty="0" smtClean="0"/>
+              <a:t>(fork of upstream)</a:t>
+            </a:r>
+            <a:endParaRPr lang="en-US" dirty="0"/>
+          </a:p>
+        </p:txBody>
+      </p:sp>
+      <p:sp>
+        <p:nvSpPr>
+          <p:cNvPr id="5" name="Rectangle 4"/>
+          <p:cNvSpPr/>
+          <p:nvPr/>
+        </p:nvSpPr>
+        <p:spPr>
+          <a:xfrm>
+            <a:off x="4953000" y="914400"/>
+            <a:ext cx="1981200" cy="1143000"/>
+          </a:xfrm>
+          <a:prstGeom prst="rect">
+            <a:avLst/>
+          </a:prstGeom>
+        </p:spPr>
+        <p:style>
+          <a:lnRef idx="2">
+            <a:schemeClr val="accent1">
+              <a:shade val="50000"/>
+            </a:schemeClr>
+          </a:lnRef>
+          <a:fillRef idx="1">
+            <a:schemeClr val="accent1"/>
+          </a:fillRef>
+          <a:effectRef idx="0">
+            <a:schemeClr val="accent1"/>
+          </a:effectRef>
+          <a:fontRef idx="minor">
+            <a:schemeClr val="lt1"/>
+          </a:fontRef>
+        </p:style>
+        <p:txBody>
+          <a:bodyPr rtlCol="0" anchor="ctr"/>
+          <a:lstStyle/>
+          <a:p>
+            <a:pPr algn="ctr"/>
+            <a:r>
+              <a:rPr lang="en-US" dirty="0" smtClean="0"/>
+              <a:t>Upstream</a:t>
+            </a:r>
+            <a:endParaRPr lang="en-US" dirty="0"/>
+          </a:p>
+        </p:txBody>
+      </p:sp>
+      <p:sp>
+        <p:nvSpPr>
+          <p:cNvPr id="7" name="TextBox 6"/>
+          <p:cNvSpPr txBox="1"/>
+          <p:nvPr/>
+        </p:nvSpPr>
+        <p:spPr>
+          <a:xfrm>
+            <a:off x="4953000" y="2057400"/>
+            <a:ext cx="2931508" cy="307777"/>
+          </a:xfrm>
+          <a:prstGeom prst="rect">
+            <a:avLst/>
+          </a:prstGeom>
+          <a:noFill/>
+        </p:spPr>
+        <p:txBody>
+          <a:bodyPr wrap="none" rtlCol="0">
+            <a:spAutoFit/>
+          </a:bodyPr>
+          <a:lstStyle/>
+          <a:p>
+            <a:r>
+              <a:rPr lang="en-US" sz="1400" dirty="0" smtClean="0"/>
+              <a:t>UWPCE-</a:t>
+            </a:r>
+            <a:r>
+              <a:rPr lang="en-US" sz="1400" dirty="0" err="1" smtClean="0"/>
+              <a:t>PythonCert</a:t>
+            </a:r>
+            <a:r>
+              <a:rPr lang="en-US" sz="1400" dirty="0" smtClean="0"/>
+              <a:t>/IntroPython2015</a:t>
+            </a:r>
+          </a:p>
+        </p:txBody>
+      </p:sp>
+      <p:pic>
+        <p:nvPicPr>
+          <p:cNvPr id="1026" name="Picture 2" descr="C:\Users\vegorse\Desktop\AwsSim_Bits_n_Pieces\Windows_Icons\Additional pictures\eye_left.gif"/>
+          <p:cNvPicPr>
+            <a:picLocks noChangeAspect="1" noChangeArrowheads="1"/>
+          </p:cNvPicPr>
+          <p:nvPr/>
+        </p:nvPicPr>
+        <p:blipFill>
+          <a:blip r:embed="rId2" cstate="print"/>
+          <a:srcRect/>
+          <a:stretch>
+            <a:fillRect/>
+          </a:stretch>
+        </p:blipFill>
+        <p:spPr bwMode="auto">
+          <a:xfrm>
+            <a:off x="3505200" y="1600200"/>
+            <a:ext cx="545044" cy="609600"/>
+          </a:xfrm>
+          <a:prstGeom prst="rect">
+            <a:avLst/>
+          </a:prstGeom>
+          <a:noFill/>
+        </p:spPr>
+      </p:pic>
+      <p:sp>
+        <p:nvSpPr>
+          <p:cNvPr id="21" name="TextBox 20"/>
+          <p:cNvSpPr txBox="1"/>
+          <p:nvPr/>
+        </p:nvSpPr>
+        <p:spPr>
+          <a:xfrm>
+            <a:off x="1295400" y="83403"/>
+            <a:ext cx="5608971" cy="461665"/>
+          </a:xfrm>
+          <a:prstGeom prst="rect">
+            <a:avLst/>
+          </a:prstGeom>
+          <a:noFill/>
+        </p:spPr>
+        <p:txBody>
+          <a:bodyPr wrap="none" rtlCol="0">
+            <a:spAutoFit/>
+          </a:bodyPr>
+          <a:lstStyle/>
+          <a:p>
+            <a:r>
+              <a:rPr lang="en-US" sz="2400" dirty="0" smtClean="0"/>
+              <a:t>Update Upstream with changes from Origin</a:t>
+            </a:r>
+          </a:p>
+        </p:txBody>
+      </p:sp>
+      <p:cxnSp>
+        <p:nvCxnSpPr>
+          <p:cNvPr id="12" name="Straight Arrow Connector 11"/>
+          <p:cNvCxnSpPr>
+            <a:stCxn id="4" idx="3"/>
+            <a:endCxn id="5" idx="1"/>
+          </p:cNvCxnSpPr>
+          <p:nvPr/>
+        </p:nvCxnSpPr>
+        <p:spPr>
+          <a:xfrm>
+            <a:off x="3486682" y="1485900"/>
+            <a:ext cx="1466318" cy="0"/>
+          </a:xfrm>
+          <a:prstGeom prst="straightConnector1">
+            <a:avLst/>
+          </a:prstGeom>
+          <a:ln>
+            <a:tailEnd type="arrow"/>
+          </a:ln>
+        </p:spPr>
+        <p:style>
+          <a:lnRef idx="3">
+            <a:schemeClr val="accent1"/>
+          </a:lnRef>
+          <a:fillRef idx="0">
+            <a:schemeClr val="accent1"/>
+          </a:fillRef>
+          <a:effectRef idx="2">
+            <a:schemeClr val="accent1"/>
+          </a:effectRef>
+          <a:fontRef idx="minor">
+            <a:schemeClr val="tx1"/>
+          </a:fontRef>
+        </p:style>
+      </p:cxnSp>
+      <p:sp>
+        <p:nvSpPr>
+          <p:cNvPr id="13" name="Rectangle 12"/>
+          <p:cNvSpPr/>
+          <p:nvPr/>
+        </p:nvSpPr>
+        <p:spPr>
+          <a:xfrm>
+            <a:off x="1447800" y="2057400"/>
+            <a:ext cx="2124299" cy="307777"/>
+          </a:xfrm>
+          <a:prstGeom prst="rect">
+            <a:avLst/>
+          </a:prstGeom>
+        </p:spPr>
+        <p:txBody>
+          <a:bodyPr wrap="none">
+            <a:spAutoFit/>
+          </a:bodyPr>
+          <a:lstStyle/>
+          <a:p>
+            <a:r>
+              <a:rPr lang="en-US" sz="1400" dirty="0" err="1" smtClean="0"/>
+              <a:t>tycobass</a:t>
+            </a:r>
+            <a:r>
+              <a:rPr lang="en-US" sz="1400" dirty="0" smtClean="0"/>
+              <a:t>/IntroPython2015</a:t>
+            </a:r>
+            <a:endParaRPr lang="en-US" sz="1400" dirty="0"/>
+          </a:p>
+        </p:txBody>
+      </p:sp>
+      <p:sp>
+        <p:nvSpPr>
+          <p:cNvPr id="14" name="Rectangle 13"/>
+          <p:cNvSpPr/>
+          <p:nvPr/>
+        </p:nvSpPr>
+        <p:spPr>
+          <a:xfrm>
+            <a:off x="1295400" y="2743200"/>
+            <a:ext cx="1981200" cy="1143000"/>
+          </a:xfrm>
+          <a:prstGeom prst="rect">
+            <a:avLst/>
+          </a:prstGeom>
+        </p:spPr>
+        <p:style>
+          <a:lnRef idx="2">
+            <a:schemeClr val="accent1">
+              <a:shade val="50000"/>
+            </a:schemeClr>
+          </a:lnRef>
+          <a:fillRef idx="1">
+            <a:schemeClr val="accent1"/>
+          </a:fillRef>
+          <a:effectRef idx="0">
+            <a:schemeClr val="accent1"/>
+          </a:effectRef>
+          <a:fontRef idx="minor">
+            <a:schemeClr val="lt1"/>
+          </a:fontRef>
+        </p:style>
+        <p:txBody>
+          <a:bodyPr rtlCol="0" anchor="ctr"/>
+          <a:lstStyle/>
+          <a:p>
+            <a:pPr algn="ctr"/>
+            <a:r>
+              <a:rPr lang="en-US" dirty="0" smtClean="0"/>
+              <a:t>Clone1</a:t>
+            </a:r>
+          </a:p>
+        </p:txBody>
+      </p:sp>
+      <p:sp>
+        <p:nvSpPr>
+          <p:cNvPr id="15" name="Rectangle 14"/>
+          <p:cNvSpPr/>
+          <p:nvPr/>
+        </p:nvSpPr>
+        <p:spPr>
+          <a:xfrm>
+            <a:off x="1295400" y="3886200"/>
+            <a:ext cx="2530565" cy="307777"/>
+          </a:xfrm>
+          <a:prstGeom prst="rect">
+            <a:avLst/>
+          </a:prstGeom>
+        </p:spPr>
+        <p:txBody>
+          <a:bodyPr wrap="none">
+            <a:spAutoFit/>
+          </a:bodyPr>
+          <a:lstStyle/>
+          <a:p>
+            <a:r>
+              <a:rPr lang="en-US" sz="1400" dirty="0" smtClean="0"/>
+              <a:t>Local machine/IntroPython2015</a:t>
+            </a:r>
+            <a:endParaRPr lang="en-US" sz="1400" dirty="0"/>
+          </a:p>
+        </p:txBody>
+      </p:sp>
+      <p:sp>
+        <p:nvSpPr>
+          <p:cNvPr id="17" name="Rectangle 16"/>
+          <p:cNvSpPr/>
+          <p:nvPr/>
+        </p:nvSpPr>
+        <p:spPr>
+          <a:xfrm>
+            <a:off x="4636415" y="2743200"/>
+            <a:ext cx="1981200" cy="1143000"/>
+          </a:xfrm>
+          <a:prstGeom prst="rect">
+            <a:avLst/>
+          </a:prstGeom>
+        </p:spPr>
+        <p:style>
+          <a:lnRef idx="2">
+            <a:schemeClr val="accent1">
+              <a:shade val="50000"/>
+            </a:schemeClr>
+          </a:lnRef>
+          <a:fillRef idx="1">
+            <a:schemeClr val="accent1"/>
+          </a:fillRef>
+          <a:effectRef idx="0">
+            <a:schemeClr val="accent1"/>
+          </a:effectRef>
+          <a:fontRef idx="minor">
+            <a:schemeClr val="lt1"/>
+          </a:fontRef>
+        </p:style>
+        <p:txBody>
+          <a:bodyPr rtlCol="0" anchor="ctr"/>
+          <a:lstStyle/>
+          <a:p>
+            <a:pPr algn="ctr"/>
+            <a:r>
+              <a:rPr lang="en-US" dirty="0" smtClean="0"/>
+              <a:t>Clone2</a:t>
+            </a:r>
+          </a:p>
+        </p:txBody>
+      </p:sp>
+      <p:sp>
+        <p:nvSpPr>
+          <p:cNvPr id="18" name="Rectangle 17"/>
+          <p:cNvSpPr/>
+          <p:nvPr/>
+        </p:nvSpPr>
+        <p:spPr>
+          <a:xfrm>
+            <a:off x="4636415" y="3886200"/>
+            <a:ext cx="2754985" cy="307777"/>
+          </a:xfrm>
+          <a:prstGeom prst="rect">
+            <a:avLst/>
+          </a:prstGeom>
+        </p:spPr>
+        <p:txBody>
+          <a:bodyPr wrap="none">
+            <a:spAutoFit/>
+          </a:bodyPr>
+          <a:lstStyle/>
+          <a:p>
+            <a:r>
+              <a:rPr lang="en-US" sz="1400" dirty="0" err="1" smtClean="0"/>
+              <a:t>PythonAnywhere</a:t>
+            </a:r>
+            <a:r>
+              <a:rPr lang="en-US" sz="1400" dirty="0" smtClean="0"/>
+              <a:t>/IntroPython2015</a:t>
+            </a:r>
+            <a:endParaRPr lang="en-US" sz="1400" dirty="0"/>
+          </a:p>
+        </p:txBody>
+      </p:sp>
+      <p:sp>
+        <p:nvSpPr>
+          <p:cNvPr id="22" name="TextBox 21"/>
+          <p:cNvSpPr txBox="1"/>
+          <p:nvPr/>
+        </p:nvSpPr>
+        <p:spPr>
+          <a:xfrm>
+            <a:off x="3124200" y="4343400"/>
+            <a:ext cx="5867400" cy="1200329"/>
+          </a:xfrm>
+          <a:prstGeom prst="rect">
+            <a:avLst/>
+          </a:prstGeom>
+          <a:noFill/>
+        </p:spPr>
+        <p:txBody>
+          <a:bodyPr wrap="square" rtlCol="0">
+            <a:spAutoFit/>
+          </a:bodyPr>
+          <a:lstStyle/>
+          <a:p>
+            <a:r>
+              <a:rPr lang="en-US" dirty="0" smtClean="0"/>
+              <a:t>1) Initiate a Pull Request</a:t>
+            </a:r>
+          </a:p>
+          <a:p>
+            <a:pPr marL="342900" indent="-342900"/>
+            <a:r>
+              <a:rPr lang="en-US" dirty="0" smtClean="0"/>
+              <a:t>2) Follow </a:t>
+            </a:r>
+            <a:r>
+              <a:rPr lang="en-US" dirty="0" smtClean="0"/>
+              <a:t>instructions</a:t>
+            </a:r>
+          </a:p>
+          <a:p>
+            <a:pPr marL="342900" indent="-342900"/>
+            <a:r>
+              <a:rPr lang="en-US" dirty="0" smtClean="0"/>
+              <a:t>3) Triggers e-mail to Upstream owner</a:t>
+            </a:r>
+            <a:endParaRPr lang="en-US" dirty="0" smtClean="0"/>
+          </a:p>
+          <a:p>
+            <a:pPr marL="342900" indent="-342900"/>
+            <a:r>
+              <a:rPr lang="en-US" dirty="0" smtClean="0"/>
+              <a:t>3) The pull will be at the discretion of the upstream owner</a:t>
+            </a:r>
+          </a:p>
+        </p:txBody>
+      </p:sp>
+      <p:pic>
+        <p:nvPicPr>
+          <p:cNvPr id="3074" name="Picture 2"/>
+          <p:cNvPicPr>
+            <a:picLocks noChangeAspect="1" noChangeArrowheads="1"/>
+          </p:cNvPicPr>
+          <p:nvPr/>
+        </p:nvPicPr>
+        <p:blipFill>
+          <a:blip r:embed="rId3" cstate="print"/>
+          <a:srcRect/>
+          <a:stretch>
+            <a:fillRect/>
+          </a:stretch>
+        </p:blipFill>
+        <p:spPr bwMode="auto">
+          <a:xfrm>
+            <a:off x="609600" y="5486400"/>
+            <a:ext cx="3000375" cy="695325"/>
+          </a:xfrm>
+          <a:prstGeom prst="rect">
+            <a:avLst/>
+          </a:prstGeom>
+          <a:noFill/>
+          <a:ln w="9525">
+            <a:noFill/>
+            <a:miter lim="800000"/>
+            <a:headEnd/>
+            <a:tailEnd/>
+          </a:ln>
+        </p:spPr>
+      </p:pic>
+      <p:pic>
+        <p:nvPicPr>
+          <p:cNvPr id="3075" name="Picture 3"/>
+          <p:cNvPicPr>
+            <a:picLocks noChangeAspect="1" noChangeArrowheads="1"/>
+          </p:cNvPicPr>
+          <p:nvPr/>
+        </p:nvPicPr>
+        <p:blipFill>
+          <a:blip r:embed="rId4" cstate="print"/>
+          <a:srcRect/>
+          <a:stretch>
+            <a:fillRect/>
+          </a:stretch>
+        </p:blipFill>
+        <p:spPr bwMode="auto">
+          <a:xfrm>
+            <a:off x="609600" y="6096000"/>
+            <a:ext cx="7439025" cy="352425"/>
+          </a:xfrm>
+          <a:prstGeom prst="rect">
+            <a:avLst/>
+          </a:prstGeom>
+          <a:noFill/>
+          <a:ln w="9525">
+            <a:noFill/>
+            <a:miter lim="800000"/>
+            <a:headEnd/>
+            <a:tailEnd/>
+          </a:ln>
+        </p:spPr>
+      </p:pic>
+      <p:sp>
+        <p:nvSpPr>
+          <p:cNvPr id="23" name="Oval 22"/>
+          <p:cNvSpPr/>
+          <p:nvPr/>
+        </p:nvSpPr>
+        <p:spPr>
+          <a:xfrm>
+            <a:off x="6248400" y="6019800"/>
+            <a:ext cx="1066800" cy="533400"/>
+          </a:xfrm>
+          <a:prstGeom prst="ellipse">
+            <a:avLst/>
+          </a:prstGeom>
+          <a:noFill/>
+        </p:spPr>
+        <p:style>
+          <a:lnRef idx="2">
+            <a:schemeClr val="accent1">
+              <a:shade val="50000"/>
+            </a:schemeClr>
+          </a:lnRef>
+          <a:fillRef idx="1">
+            <a:schemeClr val="accent1"/>
+          </a:fillRef>
+          <a:effectRef idx="0">
+            <a:schemeClr val="accent1"/>
+          </a:effectRef>
+          <a:fontRef idx="minor">
+            <a:schemeClr val="lt1"/>
+          </a:fontRef>
+        </p:style>
+        <p:txBody>
+          <a:bodyPr rtlCol="0" anchor="ctr"/>
+          <a:lstStyle/>
+          <a:p>
+            <a:pPr algn="ctr"/>
+            <a:endParaRPr lang="en-US"/>
+          </a:p>
+        </p:txBody>
+      </p:sp>
+      <p:cxnSp>
+        <p:nvCxnSpPr>
+          <p:cNvPr id="24" name="Straight Arrow Connector 23"/>
+          <p:cNvCxnSpPr>
+            <a:endCxn id="23" idx="1"/>
+          </p:cNvCxnSpPr>
+          <p:nvPr/>
+        </p:nvCxnSpPr>
+        <p:spPr>
+          <a:xfrm>
+            <a:off x="5943600" y="5486400"/>
+            <a:ext cx="461029" cy="611515"/>
+          </a:xfrm>
+          <a:prstGeom prst="straightConnector1">
+            <a:avLst/>
+          </a:prstGeom>
+          <a:ln>
+            <a:tailEnd type="arrow"/>
+          </a:ln>
+        </p:spPr>
+        <p:style>
+          <a:lnRef idx="1">
+            <a:schemeClr val="accent1"/>
+          </a:lnRef>
+          <a:fillRef idx="0">
+            <a:schemeClr val="accent1"/>
+          </a:fillRef>
+          <a:effectRef idx="0">
+            <a:schemeClr val="accent1"/>
+          </a:effectRef>
+          <a:fontRef idx="minor">
+            <a:schemeClr val="tx1"/>
+          </a:fontRef>
+        </p:style>
+      </p:cxnSp>
+      <p:sp>
+        <p:nvSpPr>
+          <p:cNvPr id="26" name="Rectangle 25"/>
+          <p:cNvSpPr/>
+          <p:nvPr/>
+        </p:nvSpPr>
+        <p:spPr>
+          <a:xfrm>
+            <a:off x="3962400" y="685800"/>
+            <a:ext cx="505267" cy="923330"/>
+          </a:xfrm>
+          <a:prstGeom prst="rect">
+            <a:avLst/>
+          </a:prstGeom>
+          <a:noFill/>
+        </p:spPr>
+        <p:txBody>
+          <a:bodyPr wrap="none" lIns="91440" tIns="45720" rIns="91440" bIns="45720">
+            <a:spAutoFit/>
+          </a:bodyPr>
+          <a:lstStyle/>
+          <a:p>
+            <a:pPr algn="ctr"/>
+            <a:r>
+              <a:rPr lang="en-US" sz="5400" b="1" cap="none" spc="0" dirty="0" smtClean="0">
+                <a:ln w="10541" cmpd="sng">
+                  <a:solidFill>
+                    <a:srgbClr val="7D7D7D">
+                      <a:tint val="100000"/>
+                      <a:shade val="100000"/>
+                      <a:satMod val="110000"/>
+                    </a:srgbClr>
+                  </a:solidFill>
+                  <a:prstDash val="solid"/>
+                </a:ln>
+                <a:gradFill>
+                  <a:gsLst>
+                    <a:gs pos="0">
+                      <a:srgbClr val="FFFFFF">
+                        <a:tint val="40000"/>
+                        <a:satMod val="250000"/>
+                      </a:srgbClr>
+                    </a:gs>
+                    <a:gs pos="9000">
+                      <a:srgbClr val="FFFFFF">
+                        <a:tint val="52000"/>
+                        <a:satMod val="300000"/>
+                      </a:srgbClr>
+                    </a:gs>
+                    <a:gs pos="50000">
+                      <a:srgbClr val="FFFFFF">
+                        <a:shade val="20000"/>
+                        <a:satMod val="300000"/>
+                      </a:srgbClr>
+                    </a:gs>
+                    <a:gs pos="79000">
+                      <a:srgbClr val="FFFFFF">
+                        <a:tint val="52000"/>
+                        <a:satMod val="300000"/>
+                      </a:srgbClr>
+                    </a:gs>
+                    <a:gs pos="100000">
+                      <a:srgbClr val="FFFFFF">
+                        <a:tint val="40000"/>
+                        <a:satMod val="250000"/>
+                      </a:srgbClr>
+                    </a:gs>
+                  </a:gsLst>
+                  <a:lin ang="5400000"/>
+                </a:gradFill>
+                <a:effectLst/>
+              </a:rPr>
+              <a:t>?</a:t>
+            </a:r>
+            <a:endParaRPr lang="en-US" sz="5400" b="1" cap="none" spc="0" dirty="0">
+              <a:ln w="10541" cmpd="sng">
+                <a:solidFill>
+                  <a:srgbClr val="7D7D7D">
+                    <a:tint val="100000"/>
+                    <a:shade val="100000"/>
+                    <a:satMod val="110000"/>
+                  </a:srgbClr>
+                </a:solidFill>
+                <a:prstDash val="solid"/>
+              </a:ln>
+              <a:gradFill>
+                <a:gsLst>
+                  <a:gs pos="0">
+                    <a:srgbClr val="FFFFFF">
+                      <a:tint val="40000"/>
+                      <a:satMod val="250000"/>
+                    </a:srgbClr>
+                  </a:gs>
+                  <a:gs pos="9000">
+                    <a:srgbClr val="FFFFFF">
+                      <a:tint val="52000"/>
+                      <a:satMod val="300000"/>
+                    </a:srgbClr>
+                  </a:gs>
+                  <a:gs pos="50000">
+                    <a:srgbClr val="FFFFFF">
+                      <a:shade val="20000"/>
+                      <a:satMod val="300000"/>
+                    </a:srgbClr>
+                  </a:gs>
+                  <a:gs pos="79000">
+                    <a:srgbClr val="FFFFFF">
+                      <a:tint val="52000"/>
+                      <a:satMod val="300000"/>
+                    </a:srgbClr>
+                  </a:gs>
+                  <a:gs pos="100000">
+                    <a:srgbClr val="FFFFFF">
+                      <a:tint val="40000"/>
+                      <a:satMod val="250000"/>
+                    </a:srgbClr>
+                  </a:gs>
+                </a:gsLst>
+                <a:lin ang="5400000"/>
+              </a:gradFill>
+              <a:effectLst/>
+            </a:endParaRPr>
+          </a:p>
+        </p:txBody>
+      </p:sp>
+    </p:spTree>
+  </p:cSld>
+  <p:clrMapOvr>
+    <a:masterClrMapping/>
+  </p:clrMapOvr>
+</p:sld>
+</file>
+
+<file path=ppt/slides/slide11.xml><?xml version="1.0" encoding="utf-8"?>
+<p:sld xmlns:a="http://schemas.openxmlformats.org/drawingml/2006/main" xmlns:r="http://schemas.openxmlformats.org/officeDocument/2006/relationships" xmlns:p="http://schemas.openxmlformats.org/presentationml/2006/main">
+  <p:cSld>
+    <p:spTree>
+      <p:nvGrpSpPr>
+        <p:cNvPr id="1" name=""/>
+        <p:cNvGrpSpPr/>
+        <p:nvPr/>
+      </p:nvGrpSpPr>
+      <p:grpSpPr>
+        <a:xfrm>
+          <a:off x="0" y="0"/>
+          <a:ext cx="0" cy="0"/>
+          <a:chOff x="0" y="0"/>
+          <a:chExt cx="0" cy="0"/>
+        </a:xfrm>
+      </p:grpSpPr>
+      <p:sp>
+        <p:nvSpPr>
+          <p:cNvPr id="4" name="Rectangle 3"/>
+          <p:cNvSpPr/>
+          <p:nvPr/>
+        </p:nvSpPr>
+        <p:spPr>
+          <a:xfrm>
+            <a:off x="1505482" y="914400"/>
+            <a:ext cx="1981200" cy="1143000"/>
+          </a:xfrm>
+          <a:prstGeom prst="rect">
+            <a:avLst/>
+          </a:prstGeom>
+        </p:spPr>
+        <p:style>
+          <a:lnRef idx="2">
+            <a:schemeClr val="accent1">
+              <a:shade val="50000"/>
+            </a:schemeClr>
+          </a:lnRef>
+          <a:fillRef idx="1">
+            <a:schemeClr val="accent1"/>
+          </a:fillRef>
+          <a:effectRef idx="0">
+            <a:schemeClr val="accent1"/>
+          </a:effectRef>
+          <a:fontRef idx="minor">
+            <a:schemeClr val="lt1"/>
+          </a:fontRef>
+        </p:style>
+        <p:txBody>
+          <a:bodyPr rtlCol="0" anchor="ctr"/>
+          <a:lstStyle/>
+          <a:p>
+            <a:pPr algn="ctr"/>
+            <a:r>
+              <a:rPr lang="en-US" dirty="0" smtClean="0"/>
+              <a:t>Origin</a:t>
+            </a:r>
+          </a:p>
+          <a:p>
+            <a:pPr algn="ctr"/>
+            <a:r>
+              <a:rPr lang="en-US" dirty="0" smtClean="0"/>
+              <a:t>(fork of upstream)</a:t>
+            </a:r>
+            <a:endParaRPr lang="en-US" dirty="0"/>
+          </a:p>
+        </p:txBody>
+      </p:sp>
+      <p:sp>
+        <p:nvSpPr>
+          <p:cNvPr id="5" name="Rectangle 4"/>
+          <p:cNvSpPr/>
+          <p:nvPr/>
+        </p:nvSpPr>
+        <p:spPr>
+          <a:xfrm>
+            <a:off x="4953000" y="914400"/>
+            <a:ext cx="1981200" cy="1143000"/>
+          </a:xfrm>
+          <a:prstGeom prst="rect">
+            <a:avLst/>
+          </a:prstGeom>
+        </p:spPr>
+        <p:style>
+          <a:lnRef idx="2">
+            <a:schemeClr val="accent1">
+              <a:shade val="50000"/>
+            </a:schemeClr>
+          </a:lnRef>
+          <a:fillRef idx="1">
+            <a:schemeClr val="accent1"/>
+          </a:fillRef>
+          <a:effectRef idx="0">
+            <a:schemeClr val="accent1"/>
+          </a:effectRef>
+          <a:fontRef idx="minor">
+            <a:schemeClr val="lt1"/>
+          </a:fontRef>
+        </p:style>
+        <p:txBody>
+          <a:bodyPr rtlCol="0" anchor="ctr"/>
+          <a:lstStyle/>
+          <a:p>
+            <a:pPr algn="ctr"/>
+            <a:r>
+              <a:rPr lang="en-US" dirty="0" smtClean="0"/>
+              <a:t>Upstream</a:t>
+            </a:r>
+            <a:endParaRPr lang="en-US" dirty="0"/>
+          </a:p>
+        </p:txBody>
+      </p:sp>
+      <p:sp>
+        <p:nvSpPr>
+          <p:cNvPr id="7" name="TextBox 6"/>
+          <p:cNvSpPr txBox="1"/>
+          <p:nvPr/>
+        </p:nvSpPr>
+        <p:spPr>
+          <a:xfrm>
+            <a:off x="4953000" y="2057400"/>
+            <a:ext cx="2931508" cy="307777"/>
+          </a:xfrm>
+          <a:prstGeom prst="rect">
+            <a:avLst/>
+          </a:prstGeom>
+          <a:noFill/>
+        </p:spPr>
+        <p:txBody>
+          <a:bodyPr wrap="none" rtlCol="0">
+            <a:spAutoFit/>
+          </a:bodyPr>
+          <a:lstStyle/>
+          <a:p>
+            <a:r>
+              <a:rPr lang="en-US" sz="1400" dirty="0" smtClean="0"/>
+              <a:t>UWPCE-</a:t>
+            </a:r>
+            <a:r>
+              <a:rPr lang="en-US" sz="1400" dirty="0" err="1" smtClean="0"/>
+              <a:t>PythonCert</a:t>
+            </a:r>
+            <a:r>
+              <a:rPr lang="en-US" sz="1400" dirty="0" smtClean="0"/>
+              <a:t>/IntroPython2015</a:t>
+            </a:r>
+          </a:p>
+        </p:txBody>
+      </p:sp>
+      <p:pic>
+        <p:nvPicPr>
+          <p:cNvPr id="1026" name="Picture 2" descr="C:\Users\vegorse\Desktop\AwsSim_Bits_n_Pieces\Windows_Icons\Additional pictures\eye_left.gif"/>
+          <p:cNvPicPr>
+            <a:picLocks noChangeAspect="1" noChangeArrowheads="1"/>
+          </p:cNvPicPr>
+          <p:nvPr/>
+        </p:nvPicPr>
+        <p:blipFill>
+          <a:blip r:embed="rId2" cstate="print"/>
+          <a:srcRect/>
+          <a:stretch>
+            <a:fillRect/>
+          </a:stretch>
+        </p:blipFill>
+        <p:spPr bwMode="auto">
+          <a:xfrm>
+            <a:off x="6705600" y="3352800"/>
+            <a:ext cx="545044" cy="609600"/>
+          </a:xfrm>
+          <a:prstGeom prst="rect">
+            <a:avLst/>
+          </a:prstGeom>
+          <a:noFill/>
+        </p:spPr>
+      </p:pic>
+      <p:sp>
+        <p:nvSpPr>
+          <p:cNvPr id="21" name="TextBox 20"/>
+          <p:cNvSpPr txBox="1"/>
+          <p:nvPr/>
+        </p:nvSpPr>
+        <p:spPr>
+          <a:xfrm>
+            <a:off x="3581400" y="0"/>
+            <a:ext cx="1000210" cy="461665"/>
+          </a:xfrm>
+          <a:prstGeom prst="rect">
+            <a:avLst/>
+          </a:prstGeom>
+          <a:noFill/>
+        </p:spPr>
+        <p:txBody>
+          <a:bodyPr wrap="none" rtlCol="0">
+            <a:spAutoFit/>
+          </a:bodyPr>
+          <a:lstStyle/>
+          <a:p>
+            <a:r>
+              <a:rPr lang="en-US" sz="2400" dirty="0" smtClean="0"/>
+              <a:t>Merge</a:t>
+            </a:r>
+            <a:endParaRPr lang="en-US" sz="2400" dirty="0" smtClean="0"/>
+          </a:p>
+        </p:txBody>
+      </p:sp>
+      <p:cxnSp>
+        <p:nvCxnSpPr>
+          <p:cNvPr id="12" name="Straight Arrow Connector 11"/>
+          <p:cNvCxnSpPr>
+            <a:endCxn id="17" idx="0"/>
+          </p:cNvCxnSpPr>
+          <p:nvPr/>
+        </p:nvCxnSpPr>
+        <p:spPr>
+          <a:xfrm flipH="1">
+            <a:off x="5627015" y="2286000"/>
+            <a:ext cx="164185" cy="457200"/>
+          </a:xfrm>
+          <a:prstGeom prst="straightConnector1">
+            <a:avLst/>
+          </a:prstGeom>
+          <a:ln>
+            <a:tailEnd type="arrow"/>
+          </a:ln>
+        </p:spPr>
+        <p:style>
+          <a:lnRef idx="3">
+            <a:schemeClr val="accent1"/>
+          </a:lnRef>
+          <a:fillRef idx="0">
+            <a:schemeClr val="accent1"/>
+          </a:fillRef>
+          <a:effectRef idx="2">
+            <a:schemeClr val="accent1"/>
+          </a:effectRef>
+          <a:fontRef idx="minor">
+            <a:schemeClr val="tx1"/>
+          </a:fontRef>
+        </p:style>
+      </p:cxnSp>
+      <p:sp>
+        <p:nvSpPr>
+          <p:cNvPr id="13" name="Rectangle 12"/>
+          <p:cNvSpPr/>
+          <p:nvPr/>
+        </p:nvSpPr>
+        <p:spPr>
+          <a:xfrm>
+            <a:off x="1447800" y="2057400"/>
+            <a:ext cx="2124299" cy="307777"/>
+          </a:xfrm>
+          <a:prstGeom prst="rect">
+            <a:avLst/>
+          </a:prstGeom>
+        </p:spPr>
+        <p:txBody>
+          <a:bodyPr wrap="none">
+            <a:spAutoFit/>
+          </a:bodyPr>
+          <a:lstStyle/>
+          <a:p>
+            <a:r>
+              <a:rPr lang="en-US" sz="1400" dirty="0" err="1" smtClean="0"/>
+              <a:t>tycobass</a:t>
+            </a:r>
+            <a:r>
+              <a:rPr lang="en-US" sz="1400" dirty="0" smtClean="0"/>
+              <a:t>/IntroPython2015</a:t>
+            </a:r>
+            <a:endParaRPr lang="en-US" sz="1400" dirty="0"/>
+          </a:p>
+        </p:txBody>
+      </p:sp>
+      <p:sp>
+        <p:nvSpPr>
+          <p:cNvPr id="14" name="Rectangle 13"/>
+          <p:cNvSpPr/>
+          <p:nvPr/>
+        </p:nvSpPr>
+        <p:spPr>
+          <a:xfrm>
+            <a:off x="1295400" y="2743200"/>
+            <a:ext cx="1981200" cy="1143000"/>
+          </a:xfrm>
+          <a:prstGeom prst="rect">
+            <a:avLst/>
+          </a:prstGeom>
+        </p:spPr>
+        <p:style>
+          <a:lnRef idx="2">
+            <a:schemeClr val="accent1">
+              <a:shade val="50000"/>
+            </a:schemeClr>
+          </a:lnRef>
+          <a:fillRef idx="1">
+            <a:schemeClr val="accent1"/>
+          </a:fillRef>
+          <a:effectRef idx="0">
+            <a:schemeClr val="accent1"/>
+          </a:effectRef>
+          <a:fontRef idx="minor">
+            <a:schemeClr val="lt1"/>
+          </a:fontRef>
+        </p:style>
+        <p:txBody>
+          <a:bodyPr rtlCol="0" anchor="ctr"/>
+          <a:lstStyle/>
+          <a:p>
+            <a:pPr algn="ctr"/>
+            <a:r>
+              <a:rPr lang="en-US" dirty="0" smtClean="0"/>
+              <a:t>Clone1</a:t>
+            </a:r>
+          </a:p>
+        </p:txBody>
+      </p:sp>
+      <p:sp>
+        <p:nvSpPr>
+          <p:cNvPr id="15" name="Rectangle 14"/>
+          <p:cNvSpPr/>
+          <p:nvPr/>
+        </p:nvSpPr>
+        <p:spPr>
+          <a:xfrm>
+            <a:off x="1295400" y="3886200"/>
+            <a:ext cx="2530565" cy="307777"/>
+          </a:xfrm>
+          <a:prstGeom prst="rect">
+            <a:avLst/>
+          </a:prstGeom>
+        </p:spPr>
+        <p:txBody>
+          <a:bodyPr wrap="none">
+            <a:spAutoFit/>
+          </a:bodyPr>
+          <a:lstStyle/>
+          <a:p>
+            <a:r>
+              <a:rPr lang="en-US" sz="1400" dirty="0" smtClean="0"/>
+              <a:t>Local machine/IntroPython2015</a:t>
+            </a:r>
+            <a:endParaRPr lang="en-US" sz="1400" dirty="0"/>
+          </a:p>
+        </p:txBody>
+      </p:sp>
+      <p:sp>
+        <p:nvSpPr>
+          <p:cNvPr id="17" name="Rectangle 16"/>
+          <p:cNvSpPr/>
+          <p:nvPr/>
+        </p:nvSpPr>
+        <p:spPr>
+          <a:xfrm>
+            <a:off x="4636415" y="2743200"/>
+            <a:ext cx="1981200" cy="1143000"/>
+          </a:xfrm>
+          <a:prstGeom prst="rect">
+            <a:avLst/>
+          </a:prstGeom>
+        </p:spPr>
+        <p:style>
+          <a:lnRef idx="2">
+            <a:schemeClr val="accent1">
+              <a:shade val="50000"/>
+            </a:schemeClr>
+          </a:lnRef>
+          <a:fillRef idx="1">
+            <a:schemeClr val="accent1"/>
+          </a:fillRef>
+          <a:effectRef idx="0">
+            <a:schemeClr val="accent1"/>
+          </a:effectRef>
+          <a:fontRef idx="minor">
+            <a:schemeClr val="lt1"/>
+          </a:fontRef>
+        </p:style>
+        <p:txBody>
+          <a:bodyPr rtlCol="0" anchor="ctr"/>
+          <a:lstStyle/>
+          <a:p>
+            <a:pPr algn="ctr"/>
+            <a:r>
+              <a:rPr lang="en-US" dirty="0" smtClean="0"/>
+              <a:t>Clone2</a:t>
+            </a:r>
+          </a:p>
+        </p:txBody>
+      </p:sp>
+      <p:sp>
+        <p:nvSpPr>
+          <p:cNvPr id="18" name="Rectangle 17"/>
+          <p:cNvSpPr/>
+          <p:nvPr/>
+        </p:nvSpPr>
+        <p:spPr>
+          <a:xfrm>
+            <a:off x="4636415" y="3886200"/>
+            <a:ext cx="2754985" cy="307777"/>
+          </a:xfrm>
+          <a:prstGeom prst="rect">
+            <a:avLst/>
+          </a:prstGeom>
+        </p:spPr>
+        <p:txBody>
+          <a:bodyPr wrap="none">
+            <a:spAutoFit/>
+          </a:bodyPr>
+          <a:lstStyle/>
+          <a:p>
+            <a:r>
+              <a:rPr lang="en-US" sz="1400" dirty="0" err="1" smtClean="0"/>
+              <a:t>PythonAnywhere</a:t>
+            </a:r>
+            <a:r>
+              <a:rPr lang="en-US" sz="1400" dirty="0" smtClean="0"/>
+              <a:t>/IntroPython2015</a:t>
+            </a:r>
+            <a:endParaRPr lang="en-US" sz="1400" dirty="0"/>
+          </a:p>
+        </p:txBody>
+      </p:sp>
+      <p:sp>
+        <p:nvSpPr>
+          <p:cNvPr id="22" name="TextBox 21"/>
+          <p:cNvSpPr txBox="1"/>
+          <p:nvPr/>
+        </p:nvSpPr>
+        <p:spPr>
+          <a:xfrm>
+            <a:off x="2057400" y="4267200"/>
+            <a:ext cx="5867400" cy="923330"/>
+          </a:xfrm>
+          <a:prstGeom prst="rect">
+            <a:avLst/>
+          </a:prstGeom>
+          <a:noFill/>
+        </p:spPr>
+        <p:txBody>
+          <a:bodyPr wrap="square" rtlCol="0">
+            <a:spAutoFit/>
+          </a:bodyPr>
+          <a:lstStyle/>
+          <a:p>
+            <a:r>
+              <a:rPr lang="en-US" dirty="0" smtClean="0"/>
+              <a:t>&gt;&gt; </a:t>
+            </a:r>
+            <a:r>
+              <a:rPr lang="en-US" dirty="0" err="1" smtClean="0"/>
+              <a:t>git</a:t>
+            </a:r>
+            <a:r>
+              <a:rPr lang="en-US" dirty="0" smtClean="0"/>
+              <a:t> pull upstream master</a:t>
+            </a:r>
+            <a:endParaRPr lang="en-US" dirty="0" smtClean="0"/>
+          </a:p>
+          <a:p>
+            <a:r>
+              <a:rPr lang="en-US" dirty="0" smtClean="0"/>
+              <a:t>Changes that have occurred in Upstream must now be merged with existing files</a:t>
+            </a:r>
+            <a:endParaRPr lang="en-US" dirty="0" smtClean="0"/>
+          </a:p>
+        </p:txBody>
+      </p:sp>
+      <p:cxnSp>
+        <p:nvCxnSpPr>
+          <p:cNvPr id="24" name="Straight Arrow Connector 23"/>
+          <p:cNvCxnSpPr/>
+          <p:nvPr/>
+        </p:nvCxnSpPr>
+        <p:spPr>
+          <a:xfrm>
+            <a:off x="5943600" y="5486400"/>
+            <a:ext cx="461029" cy="611515"/>
+          </a:xfrm>
+          <a:prstGeom prst="straightConnector1">
+            <a:avLst/>
+          </a:prstGeom>
+          <a:ln>
+            <a:tailEnd type="arrow"/>
+          </a:ln>
+        </p:spPr>
+        <p:style>
+          <a:lnRef idx="1">
+            <a:schemeClr val="accent1"/>
+          </a:lnRef>
+          <a:fillRef idx="0">
+            <a:schemeClr val="accent1"/>
+          </a:fillRef>
+          <a:effectRef idx="0">
+            <a:schemeClr val="accent1"/>
+          </a:effectRef>
+          <a:fontRef idx="minor">
+            <a:schemeClr val="tx1"/>
+          </a:fontRef>
+        </p:style>
+      </p:cxnSp>
+      <p:pic>
+        <p:nvPicPr>
+          <p:cNvPr id="1027" name="Picture 3"/>
+          <p:cNvPicPr>
+            <a:picLocks noChangeAspect="1" noChangeArrowheads="1"/>
+          </p:cNvPicPr>
+          <p:nvPr/>
+        </p:nvPicPr>
+        <p:blipFill>
+          <a:blip r:embed="rId3" cstate="print"/>
+          <a:srcRect/>
+          <a:stretch>
+            <a:fillRect/>
+          </a:stretch>
+        </p:blipFill>
+        <p:spPr bwMode="auto">
+          <a:xfrm>
+            <a:off x="1066800" y="5410200"/>
+            <a:ext cx="7029450" cy="1304925"/>
+          </a:xfrm>
+          <a:prstGeom prst="rect">
+            <a:avLst/>
+          </a:prstGeom>
+          <a:noFill/>
+          <a:ln w="9525">
+            <a:noFill/>
+            <a:miter lim="800000"/>
+            <a:headEnd/>
+            <a:tailEnd/>
+          </a:ln>
+        </p:spPr>
+      </p:pic>
+    </p:spTree>
+  </p:cSld>
+  <p:clrMapOvr>
+    <a:masterClrMapping/>
+  </p:clrMapOvr>
+</p:sld>
+</file>
+
 <file path=ppt/slides/slide2.xml><?xml version="1.0" encoding="utf-8"?>
 <p:sld xmlns:a="http://schemas.openxmlformats.org/drawingml/2006/main" xmlns:r="http://schemas.openxmlformats.org/officeDocument/2006/relationships" xmlns:p="http://schemas.openxmlformats.org/presentationml/2006/main">
   <p:cSld>
@@ -3647,7 +4938,7 @@
         </p:nvSpPr>
         <p:spPr>
           <a:xfrm>
-            <a:off x="2895600" y="4800600"/>
+            <a:off x="5029200" y="4800600"/>
             <a:ext cx="3886200" cy="1215717"/>
           </a:xfrm>
           <a:prstGeom prst="rect">
@@ -3719,8 +5010,8 @@
         </p:nvSpPr>
         <p:spPr>
           <a:xfrm>
-            <a:off x="1295400" y="381000"/>
-            <a:ext cx="5934060" cy="461665"/>
+            <a:off x="609600" y="381000"/>
+            <a:ext cx="8113183" cy="461665"/>
           </a:xfrm>
           <a:prstGeom prst="rect">
             <a:avLst/>
@@ -3735,47 +5026,19 @@
           <a:p>
             <a:r>
               <a:rPr lang="en-US" sz="2400" dirty="0" smtClean="0"/>
-              <a:t>Configuration Buildup (create clone from fork)</a:t>
-            </a:r>
-          </a:p>
-        </p:txBody>
-      </p:sp>
-      <p:cxnSp>
-        <p:nvCxnSpPr>
-          <p:cNvPr id="12" name="Straight Arrow Connector 11"/>
-          <p:cNvCxnSpPr>
-            <a:stCxn id="5" idx="1"/>
-            <a:endCxn id="4" idx="3"/>
-          </p:cNvCxnSpPr>
-          <p:nvPr/>
-        </p:nvCxnSpPr>
-        <p:spPr>
-          <a:xfrm flipH="1">
-            <a:off x="3486682" y="1638300"/>
-            <a:ext cx="1466318" cy="0"/>
-          </a:xfrm>
-          <a:prstGeom prst="straightConnector1">
-            <a:avLst/>
-          </a:prstGeom>
-          <a:ln>
-            <a:tailEnd type="arrow"/>
-          </a:ln>
-        </p:spPr>
-        <p:style>
-          <a:lnRef idx="3">
-            <a:schemeClr val="accent1"/>
-          </a:lnRef>
-          <a:fillRef idx="0">
-            <a:schemeClr val="accent1"/>
-          </a:fillRef>
-          <a:effectRef idx="2">
-            <a:schemeClr val="accent1"/>
-          </a:effectRef>
-          <a:fontRef idx="minor">
-            <a:schemeClr val="tx1"/>
-          </a:fontRef>
-        </p:style>
-      </p:cxnSp>
+              <a:t>Configuration Buildup (create </a:t>
+            </a:r>
+            <a:r>
+              <a:rPr lang="en-US" sz="2400" dirty="0" smtClean="0"/>
+              <a:t>clone on local machine </a:t>
+            </a:r>
+            <a:r>
+              <a:rPr lang="en-US" sz="2400" dirty="0" smtClean="0"/>
+              <a:t>from fork)</a:t>
+            </a:r>
+          </a:p>
+        </p:txBody>
+      </p:sp>
       <p:cxnSp>
         <p:nvCxnSpPr>
           <p:cNvPr id="19" name="Straight Arrow Connector 18"/>
@@ -3784,7 +5047,7 @@
         </p:nvCxnSpPr>
         <p:spPr>
           <a:xfrm flipV="1">
-            <a:off x="4724400" y="4038600"/>
+            <a:off x="6858000" y="4038600"/>
             <a:ext cx="838200" cy="762000"/>
           </a:xfrm>
           <a:prstGeom prst="straightConnector1">
@@ -3859,7 +5122,7 @@
         </p:blipFill>
         <p:spPr bwMode="auto">
           <a:xfrm>
-            <a:off x="1219200" y="2895600"/>
+            <a:off x="3352800" y="2895600"/>
             <a:ext cx="2857500" cy="523875"/>
           </a:xfrm>
           <a:prstGeom prst="rect">
@@ -3891,7 +5154,7 @@
         </p:blipFill>
         <p:spPr bwMode="auto">
           <a:xfrm>
-            <a:off x="4114800" y="3352800"/>
+            <a:off x="6248400" y="3352800"/>
             <a:ext cx="1762125" cy="676275"/>
           </a:xfrm>
           <a:prstGeom prst="rect">
@@ -3914,7 +5177,7 @@
         </p:nvSpPr>
         <p:spPr>
           <a:xfrm>
-            <a:off x="5181600" y="3505200"/>
+            <a:off x="7315200" y="3505200"/>
             <a:ext cx="1066800" cy="533400"/>
           </a:xfrm>
           <a:prstGeom prst="ellipse">
@@ -3947,6 +5210,139 @@
           </a:p>
         </p:txBody>
       </p:sp>
+      <p:sp>
+        <p:nvSpPr>
+          <p:cNvPr id="14" name="Rectangle 13"/>
+          <p:cNvSpPr/>
+          <p:nvPr/>
+        </p:nvSpPr>
+        <p:spPr>
+          <a:xfrm>
+            <a:off x="228600" y="2743200"/>
+            <a:ext cx="1981200" cy="1143000"/>
+          </a:xfrm>
+          <a:prstGeom prst="rect">
+            <a:avLst/>
+          </a:prstGeom>
+        </p:spPr>
+        <p:style>
+          <a:lnRef idx="2">
+            <a:schemeClr val="accent1">
+              <a:shade val="50000"/>
+            </a:schemeClr>
+          </a:lnRef>
+          <a:fillRef idx="1">
+            <a:schemeClr val="accent1"/>
+          </a:fillRef>
+          <a:effectRef idx="0">
+            <a:schemeClr val="accent1"/>
+          </a:effectRef>
+          <a:fontRef idx="minor">
+            <a:schemeClr val="lt1"/>
+          </a:fontRef>
+        </p:style>
+        <p:txBody>
+          <a:bodyPr rtlCol="0" anchor="ctr"/>
+          <a:lstStyle/>
+          <a:p>
+            <a:pPr algn="ctr"/>
+            <a:r>
+              <a:rPr lang="en-US" dirty="0" smtClean="0"/>
+              <a:t>Clone</a:t>
+            </a:r>
+          </a:p>
+        </p:txBody>
+      </p:sp>
+      <p:sp>
+        <p:nvSpPr>
+          <p:cNvPr id="15" name="Rectangle 14"/>
+          <p:cNvSpPr/>
+          <p:nvPr/>
+        </p:nvSpPr>
+        <p:spPr>
+          <a:xfrm>
+            <a:off x="228600" y="3886200"/>
+            <a:ext cx="2530565" cy="307777"/>
+          </a:xfrm>
+          <a:prstGeom prst="rect">
+            <a:avLst/>
+          </a:prstGeom>
+        </p:spPr>
+        <p:txBody>
+          <a:bodyPr wrap="none">
+            <a:spAutoFit/>
+          </a:bodyPr>
+          <a:lstStyle/>
+          <a:p>
+            <a:r>
+              <a:rPr lang="en-US" sz="1400" dirty="0" smtClean="0"/>
+              <a:t>Local machine/IntroPython2015</a:t>
+            </a:r>
+            <a:endParaRPr lang="en-US" sz="1400" dirty="0"/>
+          </a:p>
+        </p:txBody>
+      </p:sp>
+      <p:cxnSp>
+        <p:nvCxnSpPr>
+          <p:cNvPr id="17" name="Straight Arrow Connector 16"/>
+          <p:cNvCxnSpPr>
+            <a:endCxn id="14" idx="0"/>
+          </p:cNvCxnSpPr>
+          <p:nvPr/>
+        </p:nvCxnSpPr>
+        <p:spPr>
+          <a:xfrm flipH="1">
+            <a:off x="1219200" y="2438400"/>
+            <a:ext cx="604950" cy="304800"/>
+          </a:xfrm>
+          <a:prstGeom prst="straightConnector1">
+            <a:avLst/>
+          </a:prstGeom>
+          <a:ln>
+            <a:tailEnd type="arrow"/>
+          </a:ln>
+        </p:spPr>
+        <p:style>
+          <a:lnRef idx="3">
+            <a:schemeClr val="accent1"/>
+          </a:lnRef>
+          <a:fillRef idx="0">
+            <a:schemeClr val="accent1"/>
+          </a:fillRef>
+          <a:effectRef idx="2">
+            <a:schemeClr val="accent1"/>
+          </a:effectRef>
+          <a:fontRef idx="minor">
+            <a:schemeClr val="tx1"/>
+          </a:fontRef>
+        </p:style>
+      </p:cxnSp>
+      <p:pic>
+        <p:nvPicPr>
+          <p:cNvPr id="18" name="Picture 2" descr="C:\Users\vegorse\Desktop\AwsSim_Bits_n_Pieces\Windows_Icons\Additional pictures\eye_left.gif"/>
+          <p:cNvPicPr>
+            <a:picLocks noChangeAspect="1" noChangeArrowheads="1"/>
+          </p:cNvPicPr>
+          <p:nvPr/>
+        </p:nvPicPr>
+        <p:blipFill>
+          <a:blip r:embed="rId2" cstate="print"/>
+          <a:srcRect/>
+          <a:stretch>
+            <a:fillRect/>
+          </a:stretch>
+        </p:blipFill>
+        <p:spPr bwMode="auto">
+          <a:xfrm>
+            <a:off x="2362200" y="3276600"/>
+            <a:ext cx="545044" cy="609600"/>
+          </a:xfrm>
+          <a:prstGeom prst="rect">
+            <a:avLst/>
+          </a:prstGeom>
+          <a:noFill/>
+        </p:spPr>
+      </p:pic>
     </p:spTree>
   </p:cSld>
   <p:clrMapOvr>
@@ -4121,7 +5517,7 @@
         </p:blipFill>
         <p:spPr bwMode="auto">
           <a:xfrm>
-            <a:off x="3505200" y="1676400"/>
+            <a:off x="3505200" y="1524000"/>
             <a:ext cx="545044" cy="609600"/>
           </a:xfrm>
           <a:prstGeom prst="rect">
@@ -4138,7 +5534,7 @@
         </p:nvSpPr>
         <p:spPr>
           <a:xfrm>
-            <a:off x="4800600" y="3124200"/>
+            <a:off x="3733800" y="4267200"/>
             <a:ext cx="3886200" cy="1215717"/>
           </a:xfrm>
           <a:prstGeom prst="rect">
@@ -4218,8 +5614,8 @@
         </p:nvSpPr>
         <p:spPr>
           <a:xfrm>
-            <a:off x="1295400" y="83403"/>
-            <a:ext cx="6302751" cy="830997"/>
+            <a:off x="553113" y="152400"/>
+            <a:ext cx="7981287" cy="400110"/>
           </a:xfrm>
           <a:prstGeom prst="rect">
             <a:avLst/>
@@ -4233,58 +5629,33 @@
           <a:lstStyle/>
           <a:p>
             <a:r>
-              <a:rPr lang="en-US" sz="2400" dirty="0" smtClean="0"/>
-              <a:t>Configuration Buildup (create clone from fork on </a:t>
-            </a:r>
-          </a:p>
-          <a:p>
-            <a:r>
-              <a:rPr lang="en-US" sz="2400" dirty="0" err="1" smtClean="0"/>
+              <a:rPr lang="en-US" sz="2000" dirty="0" smtClean="0"/>
+              <a:t>Configuration Buildup (create </a:t>
+            </a:r>
+            <a:r>
+              <a:rPr lang="en-US" sz="2000" dirty="0" smtClean="0"/>
+              <a:t>clone on </a:t>
+            </a:r>
+            <a:r>
+              <a:rPr lang="en-US" sz="2000" dirty="0" err="1" smtClean="0"/>
               <a:t>pythonanywhere</a:t>
             </a:r>
             <a:r>
-              <a:rPr lang="en-US" sz="2400" dirty="0" smtClean="0"/>
-              <a:t> system)</a:t>
-            </a:r>
-          </a:p>
-        </p:txBody>
-      </p:sp>
-      <p:cxnSp>
-        <p:nvCxnSpPr>
-          <p:cNvPr id="12" name="Straight Arrow Connector 11"/>
-          <p:cNvCxnSpPr>
-            <a:stCxn id="5" idx="1"/>
-            <a:endCxn id="4" idx="3"/>
-          </p:cNvCxnSpPr>
-          <p:nvPr/>
-        </p:nvCxnSpPr>
-        <p:spPr>
-          <a:xfrm flipH="1">
-            <a:off x="3486682" y="1638300"/>
-            <a:ext cx="1466318" cy="0"/>
-          </a:xfrm>
-          <a:prstGeom prst="straightConnector1">
-            <a:avLst/>
-          </a:prstGeom>
-          <a:ln>
-            <a:tailEnd type="arrow"/>
-          </a:ln>
-        </p:spPr>
-        <p:style>
-          <a:lnRef idx="3">
-            <a:schemeClr val="accent1"/>
-          </a:lnRef>
-          <a:fillRef idx="0">
-            <a:schemeClr val="accent1"/>
-          </a:fillRef>
-          <a:effectRef idx="2">
-            <a:schemeClr val="accent1"/>
-          </a:effectRef>
-          <a:fontRef idx="minor">
-            <a:schemeClr val="tx1"/>
-          </a:fontRef>
-        </p:style>
-      </p:cxnSp>
+              <a:rPr lang="en-US" sz="2000" dirty="0" smtClean="0"/>
+              <a:t> system </a:t>
+            </a:r>
+            <a:r>
+              <a:rPr lang="en-US" sz="2000" dirty="0" smtClean="0"/>
+              <a:t>from </a:t>
+            </a:r>
+            <a:r>
+              <a:rPr lang="en-US" sz="2000" dirty="0" smtClean="0"/>
+              <a:t>fork )</a:t>
+            </a:r>
+            <a:endParaRPr lang="en-US" sz="2000" dirty="0" smtClean="0"/>
+          </a:p>
+        </p:txBody>
+      </p:sp>
       <p:sp>
         <p:nvSpPr>
           <p:cNvPr id="13" name="Rectangle 12"/>
@@ -4335,7 +5706,7 @@
         </p:blipFill>
         <p:spPr bwMode="auto">
           <a:xfrm>
-            <a:off x="1295400" y="4419600"/>
+            <a:off x="228600" y="5562600"/>
             <a:ext cx="2857500" cy="523875"/>
           </a:xfrm>
           <a:prstGeom prst="rect">
@@ -4367,7 +5738,7 @@
         </p:blipFill>
         <p:spPr bwMode="auto">
           <a:xfrm>
-            <a:off x="3962400" y="4800600"/>
+            <a:off x="2895600" y="5943600"/>
             <a:ext cx="1762125" cy="676275"/>
           </a:xfrm>
           <a:prstGeom prst="rect">
@@ -4390,7 +5761,7 @@
         </p:nvSpPr>
         <p:spPr>
           <a:xfrm>
-            <a:off x="5029200" y="4953000"/>
+            <a:off x="3962400" y="6096000"/>
             <a:ext cx="1066800" cy="533400"/>
           </a:xfrm>
           <a:prstGeom prst="ellipse">
@@ -4503,7 +5874,7 @@
         </p:nvCxnSpPr>
         <p:spPr>
           <a:xfrm flipH="1">
-            <a:off x="5638800" y="4038600"/>
+            <a:off x="4572000" y="5181600"/>
             <a:ext cx="685800" cy="838200"/>
           </a:xfrm>
           <a:prstGeom prst="straightConnector1">
@@ -4528,18 +5899,94 @@
           </a:fontRef>
         </p:style>
       </p:cxnSp>
+      <p:sp>
+        <p:nvSpPr>
+          <p:cNvPr id="18" name="Rectangle 17"/>
+          <p:cNvSpPr/>
+          <p:nvPr/>
+        </p:nvSpPr>
+        <p:spPr>
+          <a:xfrm>
+            <a:off x="3569615" y="2743200"/>
+            <a:ext cx="1981200" cy="1143000"/>
+          </a:xfrm>
+          <a:prstGeom prst="rect">
+            <a:avLst/>
+          </a:prstGeom>
+        </p:spPr>
+        <p:style>
+          <a:lnRef idx="2">
+            <a:schemeClr val="accent1">
+              <a:shade val="50000"/>
+            </a:schemeClr>
+          </a:lnRef>
+          <a:fillRef idx="1">
+            <a:schemeClr val="accent1"/>
+          </a:fillRef>
+          <a:effectRef idx="0">
+            <a:schemeClr val="accent1"/>
+          </a:effectRef>
+          <a:fontRef idx="minor">
+            <a:schemeClr val="lt1"/>
+          </a:fontRef>
+        </p:style>
+        <p:txBody>
+          <a:bodyPr rtlCol="0" anchor="ctr"/>
+          <a:lstStyle/>
+          <a:p>
+            <a:pPr algn="ctr"/>
+            <a:r>
+              <a:rPr lang="en-US" dirty="0" smtClean="0"/>
+              <a:t>Clone2</a:t>
+            </a:r>
+          </a:p>
+        </p:txBody>
+      </p:sp>
+      <p:sp>
+        <p:nvSpPr>
+          <p:cNvPr id="20" name="Rectangle 19"/>
+          <p:cNvSpPr/>
+          <p:nvPr/>
+        </p:nvSpPr>
+        <p:spPr>
+          <a:xfrm>
+            <a:off x="3569615" y="3886200"/>
+            <a:ext cx="2754985" cy="307777"/>
+          </a:xfrm>
+          <a:prstGeom prst="rect">
+            <a:avLst/>
+          </a:prstGeom>
+        </p:spPr>
+        <p:txBody>
+          <a:bodyPr wrap="none">
+            <a:spAutoFit/>
+          </a:bodyPr>
+          <a:lstStyle/>
+          <a:p>
+            <a:r>
+              <a:rPr lang="en-US" sz="1400" dirty="0" err="1" smtClean="0"/>
+              <a:t>PythonAnywhere</a:t>
+            </a:r>
+            <a:r>
+              <a:rPr lang="en-US" sz="1400" dirty="0" smtClean="0"/>
+              <a:t>/IntroPython2015</a:t>
+            </a:r>
+            <a:endParaRPr lang="en-US" sz="1400" dirty="0"/>
+          </a:p>
+        </p:txBody>
+      </p:sp>
       <p:cxnSp>
         <p:nvCxnSpPr>
-          <p:cNvPr id="22" name="Straight Arrow Connector 21"/>
+          <p:cNvPr id="23" name="Straight Arrow Connector 22"/>
           <p:cNvCxnSpPr>
-            <a:endCxn id="14" idx="0"/>
+            <a:endCxn id="18" idx="0"/>
           </p:cNvCxnSpPr>
           <p:nvPr/>
         </p:nvCxnSpPr>
         <p:spPr>
-          <a:xfrm flipH="1">
-            <a:off x="1219200" y="2438400"/>
-            <a:ext cx="604950" cy="304800"/>
+          <a:xfrm>
+            <a:off x="3581400" y="2209800"/>
+            <a:ext cx="978815" cy="533400"/>
           </a:xfrm>
           <a:prstGeom prst="straightConnector1">
             <a:avLst/>
@@ -4563,81 +6010,32 @@
           </a:fontRef>
         </p:style>
       </p:cxnSp>
-      <p:sp>
-        <p:nvSpPr>
-          <p:cNvPr id="26" name="Rectangle 25"/>
-          <p:cNvSpPr/>
-          <p:nvPr/>
-        </p:nvSpPr>
-        <p:spPr>
-          <a:xfrm>
-            <a:off x="228600" y="5486400"/>
-            <a:ext cx="8153400" cy="646331"/>
-          </a:xfrm>
-          <a:prstGeom prst="rect">
-            <a:avLst/>
-          </a:prstGeom>
-        </p:spPr>
-        <p:txBody>
-          <a:bodyPr wrap="square">
-            <a:spAutoFit/>
-          </a:bodyPr>
-          <a:lstStyle/>
-          <a:p>
-            <a:r>
-              <a:rPr lang="en-US" dirty="0" smtClean="0"/>
-              <a:t>&gt;&gt; </a:t>
-            </a:r>
-            <a:r>
-              <a:rPr lang="en-US" dirty="0" err="1" smtClean="0"/>
-              <a:t>git</a:t>
-            </a:r>
-            <a:r>
-              <a:rPr lang="en-US" dirty="0" smtClean="0"/>
-              <a:t> </a:t>
-            </a:r>
-            <a:r>
-              <a:rPr lang="en-US" dirty="0" err="1" smtClean="0"/>
-              <a:t>config</a:t>
-            </a:r>
-            <a:r>
-              <a:rPr lang="en-US" dirty="0" smtClean="0"/>
-              <a:t> --global </a:t>
-            </a:r>
-            <a:r>
-              <a:rPr lang="en-US" dirty="0" err="1" smtClean="0"/>
-              <a:t>user.email</a:t>
-            </a:r>
-            <a:r>
-              <a:rPr lang="en-US" dirty="0" smtClean="0"/>
-              <a:t> "tycobass@gmail.com" </a:t>
-            </a:r>
-          </a:p>
-          <a:p>
-            <a:r>
-              <a:rPr lang="en-US" dirty="0" smtClean="0"/>
-              <a:t>&gt;&gt; </a:t>
-            </a:r>
-            <a:r>
-              <a:rPr lang="en-US" dirty="0" err="1" smtClean="0"/>
-              <a:t>git</a:t>
-            </a:r>
-            <a:r>
-              <a:rPr lang="en-US" dirty="0" smtClean="0"/>
-              <a:t> </a:t>
-            </a:r>
-            <a:r>
-              <a:rPr lang="en-US" dirty="0" err="1" smtClean="0"/>
-              <a:t>config</a:t>
-            </a:r>
-            <a:r>
-              <a:rPr lang="en-US" dirty="0" smtClean="0"/>
-              <a:t> --global user.name "Eric Vegors</a:t>
-            </a:r>
-            <a:endParaRPr lang="en-US" dirty="0"/>
-          </a:p>
-        </p:txBody>
-      </p:sp>
+      <p:pic>
+        <p:nvPicPr>
+          <p:cNvPr id="24" name="Picture 2" descr="C:\Users\vegorse\Desktop\AwsSim_Bits_n_Pieces\Windows_Icons\Additional pictures\eye_left.gif"/>
+          <p:cNvPicPr>
+            <a:picLocks noChangeAspect="1" noChangeArrowheads="1"/>
+          </p:cNvPicPr>
+          <p:nvPr/>
+        </p:nvPicPr>
+        <p:blipFill>
+          <a:blip r:embed="rId2" cstate="print"/>
+          <a:srcRect/>
+          <a:stretch>
+            <a:fillRect/>
+          </a:stretch>
+        </p:blipFill>
+        <p:spPr bwMode="auto">
+          <a:xfrm>
+            <a:off x="5638800" y="3352800"/>
+            <a:ext cx="545044" cy="609600"/>
+          </a:xfrm>
+          <a:prstGeom prst="rect">
+            <a:avLst/>
+          </a:prstGeom>
+          <a:noFill/>
+        </p:spPr>
+      </p:pic>
     </p:spTree>
   </p:cSld>
   <p:clrMapOvr>
@@ -4795,32 +6193,6 @@
           </a:p>
         </p:txBody>
       </p:sp>
-      <p:pic>
-        <p:nvPicPr>
-          <p:cNvPr id="1026" name="Picture 2" descr="C:\Users\vegorse\Desktop\AwsSim_Bits_n_Pieces\Windows_Icons\Additional pictures\eye_left.gif"/>
-          <p:cNvPicPr>
-            <a:picLocks noChangeAspect="1" noChangeArrowheads="1"/>
-          </p:cNvPicPr>
-          <p:nvPr/>
-        </p:nvPicPr>
-        <p:blipFill>
-          <a:blip r:embed="rId2" cstate="print"/>
-          <a:srcRect/>
-          <a:stretch>
-            <a:fillRect/>
-          </a:stretch>
-        </p:blipFill>
-        <p:spPr bwMode="auto">
-          <a:xfrm>
-            <a:off x="3505200" y="1676400"/>
-            <a:ext cx="545044" cy="609600"/>
-          </a:xfrm>
-          <a:prstGeom prst="rect">
-            <a:avLst/>
-          </a:prstGeom>
-          <a:noFill/>
-        </p:spPr>
-      </p:pic>
       <p:sp>
         <p:nvSpPr>
           <p:cNvPr id="21" name="TextBox 20"/>
@@ -4830,7 +6202,7 @@
         <p:spPr>
           <a:xfrm>
             <a:off x="1295400" y="83403"/>
-            <a:ext cx="6302751" cy="830997"/>
+            <a:ext cx="6923306" cy="461665"/>
           </a:xfrm>
           <a:prstGeom prst="rect">
             <a:avLst/>
@@ -4845,87 +6217,8 @@
           <a:p>
             <a:r>
               <a:rPr lang="en-US" sz="2400" dirty="0" smtClean="0"/>
-              <a:t>Configuration Buildup (create clone from fork on </a:t>
-            </a:r>
-          </a:p>
-          <a:p>
-            <a:r>
-              <a:rPr lang="en-US" sz="2400" dirty="0" err="1" smtClean="0"/>
-              <a:t>pythonanywhere</a:t>
-            </a:r>
-            <a:r>
-              <a:rPr lang="en-US" sz="2400" dirty="0" smtClean="0"/>
-              <a:t> system – follow on setup)</a:t>
-            </a:r>
-          </a:p>
-        </p:txBody>
-      </p:sp>
-      <p:cxnSp>
-        <p:nvCxnSpPr>
-          <p:cNvPr id="12" name="Straight Arrow Connector 11"/>
-          <p:cNvCxnSpPr>
-            <a:stCxn id="5" idx="1"/>
-            <a:endCxn id="4" idx="3"/>
-          </p:cNvCxnSpPr>
-          <p:nvPr/>
-        </p:nvCxnSpPr>
-        <p:spPr>
-          <a:xfrm flipH="1">
-            <a:off x="3486682" y="1638300"/>
-            <a:ext cx="1466318" cy="0"/>
-          </a:xfrm>
-          <a:prstGeom prst="straightConnector1">
-            <a:avLst/>
-          </a:prstGeom>
-          <a:ln>
-            <a:tailEnd type="arrow"/>
-          </a:ln>
-        </p:spPr>
-        <p:style>
-          <a:lnRef idx="3">
-            <a:schemeClr val="accent1"/>
-          </a:lnRef>
-          <a:fillRef idx="0">
-            <a:schemeClr val="accent1"/>
-          </a:fillRef>
-          <a:effectRef idx="2">
-            <a:schemeClr val="accent1"/>
-          </a:effectRef>
-          <a:fontRef idx="minor">
-            <a:schemeClr val="tx1"/>
-          </a:fontRef>
-        </p:style>
-      </p:cxnSp>
-      <p:sp>
-        <p:nvSpPr>
-          <p:cNvPr id="13" name="Rectangle 12"/>
-          <p:cNvSpPr/>
-          <p:nvPr/>
-        </p:nvSpPr>
-        <p:spPr>
-          <a:xfrm>
-            <a:off x="1447800" y="2209800"/>
-            <a:ext cx="2124299" cy="307777"/>
-          </a:xfrm>
-          <a:prstGeom prst="rect">
-            <a:avLst/>
-          </a:prstGeom>
-        </p:spPr>
-        <p:txBody>
-          <a:bodyPr wrap="none">
-            <a:spAutoFit/>
-          </a:bodyPr>
-          <a:lstStyle/>
-          <a:p>
-            <a:r>
-              <a:rPr lang="en-US" sz="1400" dirty="0" err="1" smtClean="0"/>
-              <a:t>tycobass</a:t>
-            </a:r>
-            <a:r>
-              <a:rPr lang="en-US" sz="1400" dirty="0" smtClean="0"/>
-              <a:t>/IntroPython2015</a:t>
-            </a:r>
-            <a:endParaRPr lang="en-US" sz="1400" dirty="0"/>
+              <a:t>Final Configuration (Upstream, origin, and two clones)</a:t>
+            </a:r>
           </a:p>
         </p:txBody>
       </p:sp>
@@ -4937,7 +6230,7 @@
         </p:nvSpPr>
         <p:spPr>
           <a:xfrm>
-            <a:off x="228600" y="2743200"/>
+            <a:off x="685800" y="3045023"/>
             <a:ext cx="1981200" cy="1143000"/>
           </a:xfrm>
           <a:prstGeom prst="rect">
@@ -4967,7 +6260,7 @@
             <a:pPr algn="ctr"/>
             <a:r>
               <a:rPr lang="en-US" dirty="0" smtClean="0"/>
-              <a:t>Clone</a:t>
+              <a:t>Clone1</a:t>
             </a:r>
           </a:p>
         </p:txBody>
@@ -4980,7 +6273,7 @@
         </p:nvSpPr>
         <p:spPr>
           <a:xfrm>
-            <a:off x="228600" y="3886200"/>
+            <a:off x="685800" y="4188023"/>
             <a:ext cx="2530565" cy="307777"/>
           </a:xfrm>
           <a:prstGeom prst="rect">
@@ -5001,137 +6294,113 @@
           </a:p>
         </p:txBody>
       </p:sp>
-      <p:cxnSp>
-        <p:nvCxnSpPr>
-          <p:cNvPr id="22" name="Straight Arrow Connector 21"/>
-          <p:cNvCxnSpPr>
-            <a:endCxn id="14" idx="0"/>
-          </p:cNvCxnSpPr>
-          <p:nvPr/>
-        </p:nvCxnSpPr>
-        <p:spPr>
-          <a:xfrm flipH="1">
-            <a:off x="1219200" y="2438400"/>
-            <a:ext cx="604950" cy="304800"/>
-          </a:xfrm>
-          <a:prstGeom prst="straightConnector1">
-            <a:avLst/>
-          </a:prstGeom>
-          <a:ln>
-            <a:tailEnd type="arrow"/>
-          </a:ln>
+      <p:sp>
+        <p:nvSpPr>
+          <p:cNvPr id="17" name="Rectangle 16"/>
+          <p:cNvSpPr/>
+          <p:nvPr/>
+        </p:nvSpPr>
+        <p:spPr>
+          <a:xfrm>
+            <a:off x="4026815" y="3045023"/>
+            <a:ext cx="1981200" cy="1143000"/>
+          </a:xfrm>
+          <a:prstGeom prst="rect">
+            <a:avLst/>
+          </a:prstGeom>
         </p:spPr>
         <p:style>
-          <a:lnRef idx="3">
-            <a:schemeClr val="accent1"/>
+          <a:lnRef idx="2">
+            <a:schemeClr val="accent1">
+              <a:shade val="50000"/>
+            </a:schemeClr>
           </a:lnRef>
-          <a:fillRef idx="0">
+          <a:fillRef idx="1">
             <a:schemeClr val="accent1"/>
           </a:fillRef>
-          <a:effectRef idx="2">
+          <a:effectRef idx="0">
             <a:schemeClr val="accent1"/>
           </a:effectRef>
           <a:fontRef idx="minor">
-            <a:schemeClr val="tx1"/>
+            <a:schemeClr val="lt1"/>
           </a:fontRef>
         </p:style>
-      </p:cxnSp>
-      <p:sp>
-        <p:nvSpPr>
-          <p:cNvPr id="26" name="Rectangle 25"/>
+        <p:txBody>
+          <a:bodyPr rtlCol="0" anchor="ctr"/>
+          <a:lstStyle/>
+          <a:p>
+            <a:pPr algn="ctr"/>
+            <a:r>
+              <a:rPr lang="en-US" dirty="0" smtClean="0"/>
+              <a:t>Clone2</a:t>
+            </a:r>
+          </a:p>
+        </p:txBody>
+      </p:sp>
+      <p:sp>
+        <p:nvSpPr>
+          <p:cNvPr id="18" name="Rectangle 17"/>
           <p:cNvSpPr/>
           <p:nvPr/>
         </p:nvSpPr>
         <p:spPr>
           <a:xfrm>
-            <a:off x="3352800" y="2895600"/>
-            <a:ext cx="5181600" cy="1384995"/>
-          </a:xfrm>
-          <a:prstGeom prst="rect">
-            <a:avLst/>
-          </a:prstGeom>
-        </p:spPr>
-        <p:txBody>
-          <a:bodyPr wrap="square">
+            <a:off x="4026815" y="4188023"/>
+            <a:ext cx="2754985" cy="307777"/>
+          </a:xfrm>
+          <a:prstGeom prst="rect">
+            <a:avLst/>
+          </a:prstGeom>
+        </p:spPr>
+        <p:txBody>
+          <a:bodyPr wrap="none">
             <a:spAutoFit/>
           </a:bodyPr>
           <a:lstStyle/>
           <a:p>
             <a:r>
+              <a:rPr lang="en-US" sz="1400" dirty="0" err="1" smtClean="0"/>
+              <a:t>PythonAnywhere</a:t>
+            </a:r>
+            <a:r>
               <a:rPr lang="en-US" sz="1400" dirty="0" smtClean="0"/>
-              <a:t>Identify clone user</a:t>
-            </a:r>
-          </a:p>
-          <a:p>
+              <a:t>/IntroPython2015</a:t>
+            </a:r>
+            <a:endParaRPr lang="en-US" sz="1400" dirty="0"/>
+          </a:p>
+        </p:txBody>
+      </p:sp>
+      <p:sp>
+        <p:nvSpPr>
+          <p:cNvPr id="13" name="Rectangle 12"/>
+          <p:cNvSpPr/>
+          <p:nvPr/>
+        </p:nvSpPr>
+        <p:spPr>
+          <a:xfrm>
+            <a:off x="1447800" y="2209800"/>
+            <a:ext cx="2124299" cy="307777"/>
+          </a:xfrm>
+          <a:prstGeom prst="rect">
+            <a:avLst/>
+          </a:prstGeom>
+          <a:solidFill>
+            <a:schemeClr val="bg1"/>
+          </a:solidFill>
+        </p:spPr>
+        <p:txBody>
+          <a:bodyPr wrap="none">
+            <a:spAutoFit/>
+          </a:bodyPr>
+          <a:lstStyle/>
+          <a:p>
+            <a:r>
+              <a:rPr lang="en-US" sz="1400" dirty="0" err="1" smtClean="0"/>
+              <a:t>tycobass</a:t>
+            </a:r>
             <a:r>
               <a:rPr lang="en-US" sz="1400" dirty="0" smtClean="0"/>
-              <a:t>&gt;&gt; </a:t>
-            </a:r>
-            <a:r>
-              <a:rPr lang="en-US" sz="1400" dirty="0" err="1" smtClean="0"/>
-              <a:t>git</a:t>
-            </a:r>
-            <a:r>
-              <a:rPr lang="en-US" sz="1400" dirty="0" smtClean="0"/>
-              <a:t> </a:t>
-            </a:r>
-            <a:r>
-              <a:rPr lang="en-US" sz="1400" dirty="0" err="1" smtClean="0"/>
-              <a:t>config</a:t>
-            </a:r>
-            <a:r>
-              <a:rPr lang="en-US" sz="1400" dirty="0" smtClean="0"/>
-              <a:t> --global </a:t>
-            </a:r>
-            <a:r>
-              <a:rPr lang="en-US" sz="1400" dirty="0" err="1" smtClean="0"/>
-              <a:t>user.email</a:t>
-            </a:r>
-            <a:r>
-              <a:rPr lang="en-US" sz="1400" dirty="0" smtClean="0"/>
-              <a:t> "tycobass@gmail.com" </a:t>
-            </a:r>
-          </a:p>
-          <a:p>
-            <a:r>
-              <a:rPr lang="en-US" sz="1400" dirty="0" smtClean="0"/>
-              <a:t>&gt;&gt; </a:t>
-            </a:r>
-            <a:r>
-              <a:rPr lang="en-US" sz="1400" dirty="0" err="1" smtClean="0"/>
-              <a:t>git</a:t>
-            </a:r>
-            <a:r>
-              <a:rPr lang="en-US" sz="1400" dirty="0" smtClean="0"/>
-              <a:t> </a:t>
-            </a:r>
-            <a:r>
-              <a:rPr lang="en-US" sz="1400" dirty="0" err="1" smtClean="0"/>
-              <a:t>config</a:t>
-            </a:r>
-            <a:r>
-              <a:rPr lang="en-US" sz="1400" dirty="0" smtClean="0"/>
-              <a:t> --global user.name "Eric Vegors</a:t>
-            </a:r>
-          </a:p>
-          <a:p>
-            <a:r>
-              <a:rPr lang="en-US" sz="1400" dirty="0" smtClean="0"/>
-              <a:t>Add upstream remote</a:t>
-            </a:r>
-          </a:p>
-          <a:p>
-            <a:r>
-              <a:rPr lang="en-US" sz="1400" dirty="0" smtClean="0"/>
-              <a:t>&gt;&gt; </a:t>
-            </a:r>
-            <a:r>
-              <a:rPr lang="en-US" sz="1400" dirty="0" err="1" smtClean="0"/>
-              <a:t>git</a:t>
-            </a:r>
-            <a:r>
-              <a:rPr lang="en-US" sz="1400" dirty="0" smtClean="0"/>
-              <a:t> remote add upstream https://github.com/UWPCE-PythonCert/IntroPython2015.git</a:t>
+              <a:t>/IntroPython2015</a:t>
             </a:r>
             <a:endParaRPr lang="en-US" sz="1400" dirty="0"/>
           </a:p>
@@ -5294,6 +6563,32 @@
           </a:p>
         </p:txBody>
       </p:sp>
+      <p:pic>
+        <p:nvPicPr>
+          <p:cNvPr id="1026" name="Picture 2" descr="C:\Users\vegorse\Desktop\AwsSim_Bits_n_Pieces\Windows_Icons\Additional pictures\eye_left.gif"/>
+          <p:cNvPicPr>
+            <a:picLocks noChangeAspect="1" noChangeArrowheads="1"/>
+          </p:cNvPicPr>
+          <p:nvPr/>
+        </p:nvPicPr>
+        <p:blipFill>
+          <a:blip r:embed="rId2" cstate="print"/>
+          <a:srcRect/>
+          <a:stretch>
+            <a:fillRect/>
+          </a:stretch>
+        </p:blipFill>
+        <p:spPr bwMode="auto">
+          <a:xfrm>
+            <a:off x="2895600" y="3426023"/>
+            <a:ext cx="545044" cy="609600"/>
+          </a:xfrm>
+          <a:prstGeom prst="rect">
+            <a:avLst/>
+          </a:prstGeom>
+          <a:noFill/>
+        </p:spPr>
+      </p:pic>
       <p:sp>
         <p:nvSpPr>
           <p:cNvPr id="21" name="TextBox 20"/>
@@ -5302,8 +6597,8 @@
         </p:nvSpPr>
         <p:spPr>
           <a:xfrm>
-            <a:off x="1295400" y="83403"/>
-            <a:ext cx="6923306" cy="461665"/>
+            <a:off x="762000" y="83403"/>
+            <a:ext cx="7443256" cy="461665"/>
           </a:xfrm>
           <a:prstGeom prst="rect">
             <a:avLst/>
@@ -5318,47 +6613,16 @@
           <a:p>
             <a:r>
               <a:rPr lang="en-US" sz="2400" dirty="0" smtClean="0"/>
-              <a:t>Final Configuration (Upstream, origin, and two clones)</a:t>
-            </a:r>
-          </a:p>
-        </p:txBody>
-      </p:sp>
-      <p:cxnSp>
-        <p:nvCxnSpPr>
-          <p:cNvPr id="12" name="Straight Arrow Connector 11"/>
-          <p:cNvCxnSpPr>
-            <a:stCxn id="5" idx="1"/>
-            <a:endCxn id="4" idx="3"/>
-          </p:cNvCxnSpPr>
-          <p:nvPr/>
-        </p:nvCxnSpPr>
-        <p:spPr>
-          <a:xfrm flipH="1">
-            <a:off x="3486682" y="1638300"/>
-            <a:ext cx="1466318" cy="0"/>
-          </a:xfrm>
-          <a:prstGeom prst="straightConnector1">
-            <a:avLst/>
-          </a:prstGeom>
-          <a:ln>
-            <a:tailEnd type="arrow"/>
-          </a:ln>
-        </p:spPr>
-        <p:style>
-          <a:lnRef idx="3">
-            <a:schemeClr val="accent1"/>
-          </a:lnRef>
-          <a:fillRef idx="0">
-            <a:schemeClr val="accent1"/>
-          </a:fillRef>
-          <a:effectRef idx="2">
-            <a:schemeClr val="accent1"/>
-          </a:effectRef>
-          <a:fontRef idx="minor">
-            <a:schemeClr val="tx1"/>
-          </a:fontRef>
-        </p:style>
-      </p:cxnSp>
+              <a:t>Configuration </a:t>
+            </a:r>
+            <a:r>
+              <a:rPr lang="en-US" sz="2400" dirty="0" smtClean="0"/>
+              <a:t>Buildup continued (define user information)</a:t>
+            </a:r>
+            <a:endParaRPr lang="en-US" sz="2400" dirty="0" smtClean="0"/>
+          </a:p>
+        </p:txBody>
+      </p:sp>
       <p:sp>
         <p:nvSpPr>
           <p:cNvPr id="13" name="Rectangle 12"/>
@@ -5400,7 +6664,7 @@
         </p:nvSpPr>
         <p:spPr>
           <a:xfrm>
-            <a:off x="228600" y="2743200"/>
+            <a:off x="838200" y="2968823"/>
             <a:ext cx="1981200" cy="1143000"/>
           </a:xfrm>
           <a:prstGeom prst="rect">
@@ -5430,7 +6694,7 @@
             <a:pPr algn="ctr"/>
             <a:r>
               <a:rPr lang="en-US" dirty="0" smtClean="0"/>
-              <a:t>Clone1</a:t>
+              <a:t>Clone</a:t>
             </a:r>
           </a:p>
         </p:txBody>
@@ -5443,7 +6707,7 @@
         </p:nvSpPr>
         <p:spPr>
           <a:xfrm>
-            <a:off x="228600" y="3886200"/>
+            <a:off x="838200" y="4111823"/>
             <a:ext cx="2530565" cy="307777"/>
           </a:xfrm>
           <a:prstGeom prst="rect">
@@ -5466,13 +6730,13 @@
       </p:sp>
       <p:sp>
         <p:nvSpPr>
-          <p:cNvPr id="17" name="Rectangle 16"/>
+          <p:cNvPr id="18" name="Rectangle 17"/>
           <p:cNvSpPr/>
           <p:nvPr/>
         </p:nvSpPr>
         <p:spPr>
           <a:xfrm>
-            <a:off x="3569615" y="2743200"/>
+            <a:off x="4179215" y="2968823"/>
             <a:ext cx="1981200" cy="1143000"/>
           </a:xfrm>
           <a:prstGeom prst="rect">
@@ -5509,13 +6773,13 @@
       </p:sp>
       <p:sp>
         <p:nvSpPr>
-          <p:cNvPr id="18" name="Rectangle 17"/>
+          <p:cNvPr id="20" name="Rectangle 19"/>
           <p:cNvSpPr/>
           <p:nvPr/>
         </p:nvSpPr>
         <p:spPr>
           <a:xfrm>
-            <a:off x="3569615" y="3886200"/>
+            <a:off x="4179215" y="4111823"/>
             <a:ext cx="2754985" cy="307777"/>
           </a:xfrm>
           <a:prstGeom prst="rect">
@@ -5540,74 +6804,170 @@
           </a:p>
         </p:txBody>
       </p:sp>
-      <p:cxnSp>
-        <p:nvCxnSpPr>
-          <p:cNvPr id="20" name="Straight Arrow Connector 19"/>
-          <p:cNvCxnSpPr/>
-          <p:nvPr/>
-        </p:nvCxnSpPr>
-        <p:spPr>
-          <a:xfrm flipH="1">
-            <a:off x="1219200" y="2438400"/>
-            <a:ext cx="604950" cy="304800"/>
-          </a:xfrm>
-          <a:prstGeom prst="straightConnector1">
-            <a:avLst/>
-          </a:prstGeom>
-          <a:ln>
-            <a:tailEnd type="arrow"/>
-          </a:ln>
-        </p:spPr>
-        <p:style>
-          <a:lnRef idx="3">
-            <a:schemeClr val="accent1"/>
-          </a:lnRef>
-          <a:fillRef idx="0">
-            <a:schemeClr val="accent1"/>
-          </a:fillRef>
-          <a:effectRef idx="2">
-            <a:schemeClr val="accent1"/>
-          </a:effectRef>
-          <a:fontRef idx="minor">
-            <a:schemeClr val="tx1"/>
-          </a:fontRef>
-        </p:style>
-      </p:cxnSp>
-      <p:cxnSp>
-        <p:nvCxnSpPr>
-          <p:cNvPr id="22" name="Straight Arrow Connector 21"/>
-          <p:cNvCxnSpPr>
-            <a:stCxn id="13" idx="3"/>
-          </p:cNvCxnSpPr>
-          <p:nvPr/>
-        </p:nvCxnSpPr>
-        <p:spPr>
-          <a:xfrm>
-            <a:off x="3572099" y="2363689"/>
-            <a:ext cx="771301" cy="379511"/>
-          </a:xfrm>
-          <a:prstGeom prst="straightConnector1">
-            <a:avLst/>
-          </a:prstGeom>
-          <a:ln>
-            <a:tailEnd type="arrow"/>
-          </a:ln>
-        </p:spPr>
-        <p:style>
-          <a:lnRef idx="3">
-            <a:schemeClr val="accent1"/>
-          </a:lnRef>
-          <a:fillRef idx="0">
-            <a:schemeClr val="accent1"/>
-          </a:fillRef>
-          <a:effectRef idx="2">
-            <a:schemeClr val="accent1"/>
-          </a:effectRef>
-          <a:fontRef idx="minor">
-            <a:schemeClr val="tx1"/>
-          </a:fontRef>
-        </p:style>
-      </p:cxnSp>
+      <p:pic>
+        <p:nvPicPr>
+          <p:cNvPr id="23" name="Picture 2" descr="C:\Users\vegorse\Desktop\AwsSim_Bits_n_Pieces\Windows_Icons\Additional pictures\eye_left.gif"/>
+          <p:cNvPicPr>
+            <a:picLocks noChangeAspect="1" noChangeArrowheads="1"/>
+          </p:cNvPicPr>
+          <p:nvPr/>
+        </p:nvPicPr>
+        <p:blipFill>
+          <a:blip r:embed="rId2" cstate="print"/>
+          <a:srcRect/>
+          <a:stretch>
+            <a:fillRect/>
+          </a:stretch>
+        </p:blipFill>
+        <p:spPr bwMode="auto">
+          <a:xfrm>
+            <a:off x="6248400" y="3426023"/>
+            <a:ext cx="545044" cy="609600"/>
+          </a:xfrm>
+          <a:prstGeom prst="rect">
+            <a:avLst/>
+          </a:prstGeom>
+          <a:noFill/>
+        </p:spPr>
+      </p:pic>
+      <p:sp>
+        <p:nvSpPr>
+          <p:cNvPr id="24" name="Rectangle 23"/>
+          <p:cNvSpPr/>
+          <p:nvPr/>
+        </p:nvSpPr>
+        <p:spPr>
+          <a:xfrm>
+            <a:off x="609600" y="4724400"/>
+            <a:ext cx="7848600" cy="1323439"/>
+          </a:xfrm>
+          <a:prstGeom prst="rect">
+            <a:avLst/>
+          </a:prstGeom>
+        </p:spPr>
+        <p:txBody>
+          <a:bodyPr wrap="square">
+            <a:spAutoFit/>
+          </a:bodyPr>
+          <a:lstStyle/>
+          <a:p>
+            <a:r>
+              <a:rPr lang="en-US" sz="1600" dirty="0" smtClean="0"/>
+              <a:t>Identify clone user</a:t>
+            </a:r>
+          </a:p>
+          <a:p>
+            <a:r>
+              <a:rPr lang="en-US" sz="1600" dirty="0" smtClean="0"/>
+              <a:t>&gt;&gt; </a:t>
+            </a:r>
+            <a:r>
+              <a:rPr lang="en-US" sz="1600" dirty="0" err="1" smtClean="0"/>
+              <a:t>git</a:t>
+            </a:r>
+            <a:r>
+              <a:rPr lang="en-US" sz="1600" dirty="0" smtClean="0"/>
+              <a:t> </a:t>
+            </a:r>
+            <a:r>
+              <a:rPr lang="en-US" sz="1600" dirty="0" err="1" smtClean="0"/>
+              <a:t>config</a:t>
+            </a:r>
+            <a:r>
+              <a:rPr lang="en-US" sz="1600" dirty="0" smtClean="0"/>
+              <a:t> --global </a:t>
+            </a:r>
+            <a:r>
+              <a:rPr lang="en-US" sz="1600" dirty="0" err="1" smtClean="0"/>
+              <a:t>user.email</a:t>
+            </a:r>
+            <a:r>
+              <a:rPr lang="en-US" sz="1600" dirty="0" smtClean="0"/>
+              <a:t> </a:t>
+            </a:r>
+            <a:r>
+              <a:rPr lang="en-US" sz="1600" dirty="0" smtClean="0"/>
+              <a:t>“</a:t>
+            </a:r>
+            <a:r>
+              <a:rPr lang="en-US" sz="1600" dirty="0" smtClean="0"/>
+              <a:t>&lt;</a:t>
+            </a:r>
+            <a:r>
+              <a:rPr lang="en-US" sz="1600" dirty="0" err="1" smtClean="0"/>
+              <a:t>myname</a:t>
+            </a:r>
+            <a:r>
+              <a:rPr lang="en-US" sz="1600" dirty="0" smtClean="0"/>
+              <a:t>&gt;</a:t>
+            </a:r>
+            <a:r>
+              <a:rPr lang="en-US" sz="1600" dirty="0" smtClean="0"/>
+              <a:t>@</a:t>
+            </a:r>
+            <a:r>
+              <a:rPr lang="en-US" sz="1600" dirty="0" err="1" smtClean="0"/>
+              <a:t>gmail.com</a:t>
+            </a:r>
+            <a:r>
+              <a:rPr lang="en-US" sz="1600" dirty="0" smtClean="0"/>
+              <a:t>" </a:t>
+            </a:r>
+          </a:p>
+          <a:p>
+            <a:r>
+              <a:rPr lang="en-US" sz="1600" dirty="0" smtClean="0"/>
+              <a:t>&gt;&gt; </a:t>
+            </a:r>
+            <a:r>
+              <a:rPr lang="en-US" sz="1600" dirty="0" err="1" smtClean="0"/>
+              <a:t>git</a:t>
+            </a:r>
+            <a:r>
+              <a:rPr lang="en-US" sz="1600" dirty="0" smtClean="0"/>
+              <a:t> </a:t>
+            </a:r>
+            <a:r>
+              <a:rPr lang="en-US" sz="1600" dirty="0" err="1" smtClean="0"/>
+              <a:t>config</a:t>
+            </a:r>
+            <a:r>
+              <a:rPr lang="en-US" sz="1600" dirty="0" smtClean="0"/>
+              <a:t> --global user.name </a:t>
+            </a:r>
+            <a:r>
+              <a:rPr lang="en-US" sz="1600" dirty="0" smtClean="0"/>
+              <a:t>“</a:t>
+            </a:r>
+            <a:r>
+              <a:rPr lang="en-US" sz="1600" dirty="0" smtClean="0"/>
+              <a:t>students name”</a:t>
+            </a:r>
+            <a:endParaRPr lang="en-US" sz="1600" dirty="0" smtClean="0"/>
+          </a:p>
+          <a:p>
+            <a:r>
+              <a:rPr lang="en-US" sz="1600" dirty="0" smtClean="0"/>
+              <a:t>Add upstream remote</a:t>
+            </a:r>
+          </a:p>
+          <a:p>
+            <a:r>
+              <a:rPr lang="en-US" sz="1600" dirty="0" smtClean="0"/>
+              <a:t>&gt;&gt; </a:t>
+            </a:r>
+            <a:r>
+              <a:rPr lang="en-US" sz="1600" dirty="0" err="1" smtClean="0"/>
+              <a:t>git</a:t>
+            </a:r>
+            <a:r>
+              <a:rPr lang="en-US" sz="1600" dirty="0" smtClean="0"/>
+              <a:t> remote add upstream https://github.com/UWPCE-PythonCert/IntroPython2015.git</a:t>
+            </a:r>
+            <a:endParaRPr lang="en-US" sz="1600" dirty="0"/>
+          </a:p>
+        </p:txBody>
+      </p:sp>
     </p:spTree>
   </p:cSld>
   <p:clrMapOvr>
@@ -5765,32 +7125,6 @@
           </a:p>
         </p:txBody>
       </p:sp>
-      <p:pic>
-        <p:nvPicPr>
-          <p:cNvPr id="1026" name="Picture 2" descr="C:\Users\vegorse\Desktop\AwsSim_Bits_n_Pieces\Windows_Icons\Additional pictures\eye_left.gif"/>
-          <p:cNvPicPr>
-            <a:picLocks noChangeAspect="1" noChangeArrowheads="1"/>
-          </p:cNvPicPr>
-          <p:nvPr/>
-        </p:nvPicPr>
-        <p:blipFill>
-          <a:blip r:embed="rId2" cstate="print"/>
-          <a:srcRect/>
-          <a:stretch>
-            <a:fillRect/>
-          </a:stretch>
-        </p:blipFill>
-        <p:spPr bwMode="auto">
-          <a:xfrm>
-            <a:off x="5562600" y="3276600"/>
-            <a:ext cx="545044" cy="609600"/>
-          </a:xfrm>
-          <a:prstGeom prst="rect">
-            <a:avLst/>
-          </a:prstGeom>
-          <a:noFill/>
-        </p:spPr>
-      </p:pic>
       <p:sp>
         <p:nvSpPr>
           <p:cNvPr id="21" name="TextBox 20"/>
@@ -5799,8 +7133,8 @@
         </p:nvSpPr>
         <p:spPr>
           <a:xfrm>
-            <a:off x="1295400" y="83403"/>
-            <a:ext cx="5717976" cy="461665"/>
+            <a:off x="2514600" y="0"/>
+            <a:ext cx="3406445" cy="461665"/>
           </a:xfrm>
           <a:prstGeom prst="rect">
             <a:avLst/>
@@ -5815,8 +7149,9 @@
           <a:p>
             <a:r>
               <a:rPr lang="en-US" sz="2400" dirty="0" smtClean="0"/>
-              <a:t>Update Clone2 with changes from Upstream</a:t>
-            </a:r>
+              <a:t>Communication Pathways</a:t>
+            </a:r>
+            <a:endParaRPr lang="en-US" sz="2400" dirty="0" smtClean="0"/>
           </a:p>
         </p:txBody>
       </p:sp>
@@ -5824,15 +7159,15 @@
         <p:nvCxnSpPr>
           <p:cNvPr id="12" name="Straight Arrow Connector 11"/>
           <p:cNvCxnSpPr>
-            <a:stCxn id="5" idx="1"/>
-            <a:endCxn id="17" idx="0"/>
+            <a:stCxn id="4" idx="3"/>
+            <a:endCxn id="5" idx="1"/>
           </p:cNvCxnSpPr>
           <p:nvPr/>
         </p:nvCxnSpPr>
         <p:spPr>
-          <a:xfrm flipH="1">
-            <a:off x="4560215" y="1638300"/>
-            <a:ext cx="392785" cy="1104900"/>
+          <a:xfrm>
+            <a:off x="3486682" y="1638300"/>
+            <a:ext cx="1466318" cy="0"/>
           </a:xfrm>
           <a:prstGeom prst="straightConnector1">
             <a:avLst/>
@@ -5858,46 +7193,13 @@
       </p:cxnSp>
       <p:sp>
         <p:nvSpPr>
-          <p:cNvPr id="13" name="Rectangle 12"/>
-          <p:cNvSpPr/>
-          <p:nvPr/>
-        </p:nvSpPr>
-        <p:spPr>
-          <a:xfrm>
-            <a:off x="1447800" y="2209800"/>
-            <a:ext cx="2124299" cy="307777"/>
-          </a:xfrm>
-          <a:prstGeom prst="rect">
-            <a:avLst/>
-          </a:prstGeom>
-        </p:spPr>
-        <p:txBody>
-          <a:bodyPr wrap="none">
-            <a:spAutoFit/>
-          </a:bodyPr>
-          <a:lstStyle/>
-          <a:p>
-            <a:r>
-              <a:rPr lang="en-US" sz="1400" dirty="0" err="1" smtClean="0"/>
-              <a:t>tycobass</a:t>
-            </a:r>
-            <a:r>
-              <a:rPr lang="en-US" sz="1400" dirty="0" smtClean="0"/>
-              <a:t>/IntroPython2015</a:t>
-            </a:r>
-            <a:endParaRPr lang="en-US" sz="1400" dirty="0"/>
-          </a:p>
-        </p:txBody>
-      </p:sp>
-      <p:sp>
-        <p:nvSpPr>
           <p:cNvPr id="14" name="Rectangle 13"/>
           <p:cNvSpPr/>
           <p:nvPr/>
         </p:nvSpPr>
         <p:spPr>
           <a:xfrm>
-            <a:off x="228600" y="2743200"/>
+            <a:off x="457200" y="3429000"/>
             <a:ext cx="1981200" cy="1143000"/>
           </a:xfrm>
           <a:prstGeom prst="rect">
@@ -5940,7 +7242,7 @@
         </p:nvSpPr>
         <p:spPr>
           <a:xfrm>
-            <a:off x="228600" y="3886200"/>
+            <a:off x="457200" y="4572000"/>
             <a:ext cx="2530565" cy="307777"/>
           </a:xfrm>
           <a:prstGeom prst="rect">
@@ -5969,7 +7271,7 @@
         </p:nvSpPr>
         <p:spPr>
           <a:xfrm>
-            <a:off x="3569615" y="2743200"/>
+            <a:off x="5638800" y="3352800"/>
             <a:ext cx="1981200" cy="1143000"/>
           </a:xfrm>
           <a:prstGeom prst="rect">
@@ -6012,7 +7314,7 @@
         </p:nvSpPr>
         <p:spPr>
           <a:xfrm>
-            <a:off x="3569615" y="3886200"/>
+            <a:off x="5638800" y="4495800"/>
             <a:ext cx="2754985" cy="307777"/>
           </a:xfrm>
           <a:prstGeom prst="rect">
@@ -6037,20 +7339,89 @@
           </a:p>
         </p:txBody>
       </p:sp>
-      <p:sp>
-        <p:nvSpPr>
-          <p:cNvPr id="19" name="Rectangle 18"/>
+      <p:cxnSp>
+        <p:nvCxnSpPr>
+          <p:cNvPr id="20" name="Straight Arrow Connector 19"/>
+          <p:cNvCxnSpPr/>
+          <p:nvPr/>
+        </p:nvCxnSpPr>
+        <p:spPr>
+          <a:xfrm flipH="1">
+            <a:off x="1295400" y="2362200"/>
+            <a:ext cx="452550" cy="990600"/>
+          </a:xfrm>
+          <a:prstGeom prst="straightConnector1">
+            <a:avLst/>
+          </a:prstGeom>
+          <a:ln>
+            <a:tailEnd type="arrow"/>
+          </a:ln>
+        </p:spPr>
+        <p:style>
+          <a:lnRef idx="3">
+            <a:schemeClr val="accent1"/>
+          </a:lnRef>
+          <a:fillRef idx="0">
+            <a:schemeClr val="accent1"/>
+          </a:fillRef>
+          <a:effectRef idx="2">
+            <a:schemeClr val="accent1"/>
+          </a:effectRef>
+          <a:fontRef idx="minor">
+            <a:schemeClr val="tx1"/>
+          </a:fontRef>
+        </p:style>
+      </p:cxnSp>
+      <p:cxnSp>
+        <p:nvCxnSpPr>
+          <p:cNvPr id="22" name="Straight Arrow Connector 21"/>
+          <p:cNvCxnSpPr/>
+          <p:nvPr/>
+        </p:nvCxnSpPr>
+        <p:spPr>
+          <a:xfrm>
+            <a:off x="3581400" y="2133600"/>
+            <a:ext cx="2057400" cy="1371600"/>
+          </a:xfrm>
+          <a:prstGeom prst="straightConnector1">
+            <a:avLst/>
+          </a:prstGeom>
+          <a:ln>
+            <a:tailEnd type="arrow"/>
+          </a:ln>
+        </p:spPr>
+        <p:style>
+          <a:lnRef idx="3">
+            <a:schemeClr val="accent1"/>
+          </a:lnRef>
+          <a:fillRef idx="0">
+            <a:schemeClr val="accent1"/>
+          </a:fillRef>
+          <a:effectRef idx="2">
+            <a:schemeClr val="accent1"/>
+          </a:effectRef>
+          <a:fontRef idx="minor">
+            <a:schemeClr val="tx1"/>
+          </a:fontRef>
+        </p:style>
+      </p:cxnSp>
+      <p:sp>
+        <p:nvSpPr>
+          <p:cNvPr id="13" name="Rectangle 12"/>
           <p:cNvSpPr/>
           <p:nvPr/>
         </p:nvSpPr>
         <p:spPr>
           <a:xfrm>
-            <a:off x="4114800" y="4572000"/>
-            <a:ext cx="3802708" cy="646331"/>
-          </a:xfrm>
-          <a:prstGeom prst="rect">
-            <a:avLst/>
-          </a:prstGeom>
+            <a:off x="1447800" y="2209800"/>
+            <a:ext cx="2124299" cy="307777"/>
+          </a:xfrm>
+          <a:prstGeom prst="rect">
+            <a:avLst/>
+          </a:prstGeom>
+          <a:solidFill>
+            <a:schemeClr val="bg1"/>
+          </a:solidFill>
         </p:spPr>
         <p:txBody>
           <a:bodyPr wrap="none">
@@ -6059,31 +7430,274 @@
           <a:lstStyle/>
           <a:p>
             <a:r>
-              <a:rPr lang="en-US" dirty="0" smtClean="0"/>
-              <a:t>Update Clone2 with upstream updates</a:t>
-            </a:r>
-          </a:p>
-          <a:p>
-            <a:r>
-              <a:rPr lang="en-US" dirty="0" smtClean="0"/>
-              <a:t>&gt;&gt; </a:t>
-            </a:r>
-            <a:r>
-              <a:rPr lang="en-US" dirty="0" err="1" smtClean="0"/>
-              <a:t>git</a:t>
-            </a:r>
-            <a:r>
-              <a:rPr lang="en-US" dirty="0" smtClean="0"/>
-              <a:t> </a:t>
-            </a:r>
-            <a:r>
-              <a:rPr lang="en-US" dirty="0" smtClean="0"/>
-              <a:t>pull upstream master</a:t>
-            </a:r>
-            <a:endParaRPr lang="en-US" dirty="0"/>
-          </a:p>
-        </p:txBody>
-      </p:sp>
+              <a:rPr lang="en-US" sz="1400" dirty="0" err="1" smtClean="0"/>
+              <a:t>tycobass</a:t>
+            </a:r>
+            <a:r>
+              <a:rPr lang="en-US" sz="1400" dirty="0" smtClean="0"/>
+              <a:t>/IntroPython2015</a:t>
+            </a:r>
+            <a:endParaRPr lang="en-US" sz="1400" dirty="0"/>
+          </a:p>
+        </p:txBody>
+      </p:sp>
+      <p:sp>
+        <p:nvSpPr>
+          <p:cNvPr id="25" name="Rectangle 24"/>
+          <p:cNvSpPr/>
+          <p:nvPr/>
+        </p:nvSpPr>
+        <p:spPr>
+          <a:xfrm>
+            <a:off x="3962400" y="838200"/>
+            <a:ext cx="505267" cy="923330"/>
+          </a:xfrm>
+          <a:prstGeom prst="rect">
+            <a:avLst/>
+          </a:prstGeom>
+          <a:noFill/>
+        </p:spPr>
+        <p:txBody>
+          <a:bodyPr wrap="none" lIns="91440" tIns="45720" rIns="91440" bIns="45720">
+            <a:spAutoFit/>
+          </a:bodyPr>
+          <a:lstStyle/>
+          <a:p>
+            <a:pPr algn="ctr"/>
+            <a:r>
+              <a:rPr lang="en-US" sz="5400" b="1" cap="none" spc="0" dirty="0" smtClean="0">
+                <a:ln w="10541" cmpd="sng">
+                  <a:solidFill>
+                    <a:srgbClr val="7D7D7D">
+                      <a:tint val="100000"/>
+                      <a:shade val="100000"/>
+                      <a:satMod val="110000"/>
+                    </a:srgbClr>
+                  </a:solidFill>
+                  <a:prstDash val="solid"/>
+                </a:ln>
+                <a:gradFill>
+                  <a:gsLst>
+                    <a:gs pos="0">
+                      <a:srgbClr val="FFFFFF">
+                        <a:tint val="40000"/>
+                        <a:satMod val="250000"/>
+                      </a:srgbClr>
+                    </a:gs>
+                    <a:gs pos="9000">
+                      <a:srgbClr val="FFFFFF">
+                        <a:tint val="52000"/>
+                        <a:satMod val="300000"/>
+                      </a:srgbClr>
+                    </a:gs>
+                    <a:gs pos="50000">
+                      <a:srgbClr val="FFFFFF">
+                        <a:shade val="20000"/>
+                        <a:satMod val="300000"/>
+                      </a:srgbClr>
+                    </a:gs>
+                    <a:gs pos="79000">
+                      <a:srgbClr val="FFFFFF">
+                        <a:tint val="52000"/>
+                        <a:satMod val="300000"/>
+                      </a:srgbClr>
+                    </a:gs>
+                    <a:gs pos="100000">
+                      <a:srgbClr val="FFFFFF">
+                        <a:tint val="40000"/>
+                        <a:satMod val="250000"/>
+                      </a:srgbClr>
+                    </a:gs>
+                  </a:gsLst>
+                  <a:lin ang="5400000"/>
+                </a:gradFill>
+                <a:effectLst/>
+              </a:rPr>
+              <a:t>?</a:t>
+            </a:r>
+            <a:endParaRPr lang="en-US" sz="5400" b="1" cap="none" spc="0" dirty="0">
+              <a:ln w="10541" cmpd="sng">
+                <a:solidFill>
+                  <a:srgbClr val="7D7D7D">
+                    <a:tint val="100000"/>
+                    <a:shade val="100000"/>
+                    <a:satMod val="110000"/>
+                  </a:srgbClr>
+                </a:solidFill>
+                <a:prstDash val="solid"/>
+              </a:ln>
+              <a:gradFill>
+                <a:gsLst>
+                  <a:gs pos="0">
+                    <a:srgbClr val="FFFFFF">
+                      <a:tint val="40000"/>
+                      <a:satMod val="250000"/>
+                    </a:srgbClr>
+                  </a:gs>
+                  <a:gs pos="9000">
+                    <a:srgbClr val="FFFFFF">
+                      <a:tint val="52000"/>
+                      <a:satMod val="300000"/>
+                    </a:srgbClr>
+                  </a:gs>
+                  <a:gs pos="50000">
+                    <a:srgbClr val="FFFFFF">
+                      <a:shade val="20000"/>
+                      <a:satMod val="300000"/>
+                    </a:srgbClr>
+                  </a:gs>
+                  <a:gs pos="79000">
+                    <a:srgbClr val="FFFFFF">
+                      <a:tint val="52000"/>
+                      <a:satMod val="300000"/>
+                    </a:srgbClr>
+                  </a:gs>
+                  <a:gs pos="100000">
+                    <a:srgbClr val="FFFFFF">
+                      <a:tint val="40000"/>
+                      <a:satMod val="250000"/>
+                    </a:srgbClr>
+                  </a:gs>
+                </a:gsLst>
+                <a:lin ang="5400000"/>
+              </a:gradFill>
+              <a:effectLst/>
+            </a:endParaRPr>
+          </a:p>
+        </p:txBody>
+      </p:sp>
+      <p:cxnSp>
+        <p:nvCxnSpPr>
+          <p:cNvPr id="30" name="Straight Arrow Connector 29"/>
+          <p:cNvCxnSpPr/>
+          <p:nvPr/>
+        </p:nvCxnSpPr>
+        <p:spPr>
+          <a:xfrm>
+            <a:off x="5867400" y="2514600"/>
+            <a:ext cx="304800" cy="762000"/>
+          </a:xfrm>
+          <a:prstGeom prst="straightConnector1">
+            <a:avLst/>
+          </a:prstGeom>
+          <a:ln>
+            <a:tailEnd type="arrow"/>
+          </a:ln>
+        </p:spPr>
+        <p:style>
+          <a:lnRef idx="3">
+            <a:schemeClr val="accent1"/>
+          </a:lnRef>
+          <a:fillRef idx="0">
+            <a:schemeClr val="accent1"/>
+          </a:fillRef>
+          <a:effectRef idx="2">
+            <a:schemeClr val="accent1"/>
+          </a:effectRef>
+          <a:fontRef idx="minor">
+            <a:schemeClr val="tx1"/>
+          </a:fontRef>
+        </p:style>
+      </p:cxnSp>
+      <p:cxnSp>
+        <p:nvCxnSpPr>
+          <p:cNvPr id="32" name="Straight Arrow Connector 31"/>
+          <p:cNvCxnSpPr/>
+          <p:nvPr/>
+        </p:nvCxnSpPr>
+        <p:spPr>
+          <a:xfrm flipH="1">
+            <a:off x="2438400" y="2514600"/>
+            <a:ext cx="3429000" cy="1371600"/>
+          </a:xfrm>
+          <a:prstGeom prst="straightConnector1">
+            <a:avLst/>
+          </a:prstGeom>
+          <a:ln>
+            <a:tailEnd type="arrow"/>
+          </a:ln>
+        </p:spPr>
+        <p:style>
+          <a:lnRef idx="3">
+            <a:schemeClr val="accent1"/>
+          </a:lnRef>
+          <a:fillRef idx="0">
+            <a:schemeClr val="accent1"/>
+          </a:fillRef>
+          <a:effectRef idx="2">
+            <a:schemeClr val="accent1"/>
+          </a:effectRef>
+          <a:fontRef idx="minor">
+            <a:schemeClr val="tx1"/>
+          </a:fontRef>
+        </p:style>
+      </p:cxnSp>
+      <p:cxnSp>
+        <p:nvCxnSpPr>
+          <p:cNvPr id="35" name="Straight Arrow Connector 34"/>
+          <p:cNvCxnSpPr/>
+          <p:nvPr/>
+        </p:nvCxnSpPr>
+        <p:spPr>
+          <a:xfrm flipH="1" flipV="1">
+            <a:off x="3429000" y="2209800"/>
+            <a:ext cx="2133602" cy="1371602"/>
+          </a:xfrm>
+          <a:prstGeom prst="straightConnector1">
+            <a:avLst/>
+          </a:prstGeom>
+          <a:ln>
+            <a:tailEnd type="arrow"/>
+          </a:ln>
+        </p:spPr>
+        <p:style>
+          <a:lnRef idx="3">
+            <a:schemeClr val="accent1"/>
+          </a:lnRef>
+          <a:fillRef idx="0">
+            <a:schemeClr val="accent1"/>
+          </a:fillRef>
+          <a:effectRef idx="2">
+            <a:schemeClr val="accent1"/>
+          </a:effectRef>
+          <a:fontRef idx="minor">
+            <a:schemeClr val="tx1"/>
+          </a:fontRef>
+        </p:style>
+      </p:cxnSp>
+      <p:cxnSp>
+        <p:nvCxnSpPr>
+          <p:cNvPr id="46" name="Straight Arrow Connector 45"/>
+          <p:cNvCxnSpPr/>
+          <p:nvPr/>
+        </p:nvCxnSpPr>
+        <p:spPr>
+          <a:xfrm flipV="1">
+            <a:off x="1524000" y="2514600"/>
+            <a:ext cx="381000" cy="838200"/>
+          </a:xfrm>
+          <a:prstGeom prst="straightConnector1">
+            <a:avLst/>
+          </a:prstGeom>
+          <a:ln>
+            <a:tailEnd type="arrow"/>
+          </a:ln>
+        </p:spPr>
+        <p:style>
+          <a:lnRef idx="3">
+            <a:schemeClr val="accent1"/>
+          </a:lnRef>
+          <a:fillRef idx="0">
+            <a:schemeClr val="accent1"/>
+          </a:fillRef>
+          <a:effectRef idx="2">
+            <a:schemeClr val="accent1"/>
+          </a:effectRef>
+          <a:fontRef idx="minor">
+            <a:schemeClr val="tx1"/>
+          </a:fontRef>
+        </p:style>
+      </p:cxnSp>
     </p:spTree>
   </p:cSld>
   <p:clrMapOvr>
@@ -6258,7 +7872,7 @@
         </p:blipFill>
         <p:spPr bwMode="auto">
           <a:xfrm>
-            <a:off x="5562600" y="3276600"/>
+            <a:off x="6781800" y="3578423"/>
             <a:ext cx="545044" cy="609600"/>
           </a:xfrm>
           <a:prstGeom prst="rect">
@@ -6276,7 +7890,7 @@
         <p:spPr>
           <a:xfrm>
             <a:off x="1295400" y="83403"/>
-            <a:ext cx="5249258" cy="461665"/>
+            <a:ext cx="5717976" cy="461665"/>
           </a:xfrm>
           <a:prstGeom prst="rect">
             <a:avLst/>
@@ -6291,7 +7905,7 @@
           <a:p>
             <a:r>
               <a:rPr lang="en-US" sz="2400" dirty="0" smtClean="0"/>
-              <a:t>Update Origin with changes from Clone2</a:t>
+              <a:t>Update Clone2 with changes from Upstream</a:t>
             </a:r>
           </a:p>
         </p:txBody>
@@ -6300,15 +7914,14 @@
         <p:nvCxnSpPr>
           <p:cNvPr id="12" name="Straight Arrow Connector 11"/>
           <p:cNvCxnSpPr>
-            <a:stCxn id="17" idx="0"/>
-            <a:endCxn id="4" idx="3"/>
+            <a:endCxn id="17" idx="0"/>
           </p:cNvCxnSpPr>
           <p:nvPr/>
         </p:nvCxnSpPr>
         <p:spPr>
-          <a:xfrm flipH="1" flipV="1">
-            <a:off x="3486682" y="1638300"/>
-            <a:ext cx="1073533" cy="1104900"/>
+          <a:xfrm>
+            <a:off x="5638800" y="2514600"/>
+            <a:ext cx="140615" cy="530423"/>
           </a:xfrm>
           <a:prstGeom prst="straightConnector1">
             <a:avLst/>
@@ -6373,7 +7986,7 @@
         </p:nvSpPr>
         <p:spPr>
           <a:xfrm>
-            <a:off x="228600" y="2743200"/>
+            <a:off x="1447800" y="3045023"/>
             <a:ext cx="1981200" cy="1143000"/>
           </a:xfrm>
           <a:prstGeom prst="rect">
@@ -6416,7 +8029,7 @@
         </p:nvSpPr>
         <p:spPr>
           <a:xfrm>
-            <a:off x="228600" y="3886200"/>
+            <a:off x="1447800" y="4188023"/>
             <a:ext cx="2530565" cy="307777"/>
           </a:xfrm>
           <a:prstGeom prst="rect">
@@ -6445,7 +8058,7 @@
         </p:nvSpPr>
         <p:spPr>
           <a:xfrm>
-            <a:off x="3569615" y="2743200"/>
+            <a:off x="4788815" y="3045023"/>
             <a:ext cx="1981200" cy="1143000"/>
           </a:xfrm>
           <a:prstGeom prst="rect">
@@ -6488,7 +8101,7 @@
         </p:nvSpPr>
         <p:spPr>
           <a:xfrm>
-            <a:off x="3569615" y="3886200"/>
+            <a:off x="4788815" y="4188023"/>
             <a:ext cx="2754985" cy="307777"/>
           </a:xfrm>
           <a:prstGeom prst="rect">
@@ -6515,14 +8128,14 @@
       </p:sp>
       <p:sp>
         <p:nvSpPr>
-          <p:cNvPr id="23" name="Rectangle 22"/>
+          <p:cNvPr id="19" name="Rectangle 18"/>
           <p:cNvSpPr/>
           <p:nvPr/>
         </p:nvSpPr>
         <p:spPr>
           <a:xfrm>
-            <a:off x="3276600" y="4572000"/>
-            <a:ext cx="5509650" cy="1200329"/>
+            <a:off x="2590800" y="5334000"/>
+            <a:ext cx="3813416" cy="646331"/>
           </a:xfrm>
           <a:prstGeom prst="rect">
             <a:avLst/>
@@ -6535,86 +8148,29 @@
           <a:lstStyle/>
           <a:p>
             <a:r>
-              <a:rPr lang="en-US" sz="1200" u="sng" dirty="0" smtClean="0"/>
-              <a:t>Commit/add  changes to get them into the cm </a:t>
-            </a:r>
-            <a:r>
-              <a:rPr lang="en-US" sz="1200" u="sng" dirty="0" smtClean="0"/>
-              <a:t>system</a:t>
-            </a:r>
-          </a:p>
-          <a:p>
-            <a:r>
-              <a:rPr lang="en-US" sz="1200" dirty="0" smtClean="0"/>
+              <a:rPr lang="en-US" dirty="0" smtClean="0"/>
+              <a:t>Update Clone2 with upstream </a:t>
+            </a:r>
+            <a:r>
+              <a:rPr lang="en-US" dirty="0" smtClean="0"/>
+              <a:t>changes</a:t>
+            </a:r>
+            <a:endParaRPr lang="en-US" dirty="0" smtClean="0"/>
+          </a:p>
+          <a:p>
+            <a:r>
+              <a:rPr lang="en-US" dirty="0" smtClean="0"/>
               <a:t>&gt;&gt; </a:t>
             </a:r>
             <a:r>
-              <a:rPr lang="en-US" sz="1200" dirty="0" err="1" smtClean="0"/>
+              <a:rPr lang="en-US" dirty="0" err="1" smtClean="0"/>
               <a:t>git</a:t>
             </a:r>
             <a:r>
-              <a:rPr lang="en-US" sz="1200" dirty="0" smtClean="0"/>
-              <a:t> add &lt;filename&gt;                                  ## adds file into CM system</a:t>
-            </a:r>
-            <a:endParaRPr lang="en-US" sz="1200" dirty="0" smtClean="0"/>
-          </a:p>
-          <a:p>
-            <a:r>
-              <a:rPr lang="en-US" sz="1200" dirty="0" smtClean="0"/>
-              <a:t>&gt;&gt; </a:t>
-            </a:r>
-            <a:r>
-              <a:rPr lang="en-US" sz="1200" dirty="0" err="1" smtClean="0"/>
-              <a:t>git</a:t>
-            </a:r>
-            <a:r>
-              <a:rPr lang="en-US" sz="1200" dirty="0" smtClean="0"/>
-              <a:t> commit -m 'added a readme </a:t>
-            </a:r>
-            <a:r>
-              <a:rPr lang="en-US" sz="1200" dirty="0" smtClean="0"/>
-              <a:t>file‘    ## load </a:t>
-            </a:r>
-            <a:r>
-              <a:rPr lang="en-US" sz="1200" dirty="0" smtClean="0"/>
-              <a:t>modifications </a:t>
-            </a:r>
-            <a:r>
-              <a:rPr lang="en-US" sz="1200" dirty="0" smtClean="0"/>
-              <a:t>to files into CM system</a:t>
-            </a:r>
-          </a:p>
-          <a:p>
-            <a:endParaRPr lang="en-US" sz="1200" dirty="0" smtClean="0"/>
-          </a:p>
-          <a:p>
-            <a:r>
-              <a:rPr lang="en-US" sz="1200" u="sng" dirty="0" smtClean="0"/>
-              <a:t>Push </a:t>
-            </a:r>
-            <a:r>
-              <a:rPr lang="en-US" sz="1200" u="sng" dirty="0" smtClean="0"/>
-              <a:t>the changes</a:t>
-            </a:r>
-          </a:p>
-          <a:p>
-            <a:r>
-              <a:rPr lang="en-US" sz="1200" dirty="0" smtClean="0"/>
-              <a:t>&gt;&gt; </a:t>
-            </a:r>
-            <a:r>
-              <a:rPr lang="en-US" sz="1200" dirty="0" err="1" smtClean="0"/>
-              <a:t>git</a:t>
-            </a:r>
-            <a:r>
-              <a:rPr lang="en-US" sz="1200" dirty="0" smtClean="0"/>
-              <a:t> push origin </a:t>
-            </a:r>
-            <a:r>
-              <a:rPr lang="en-US" sz="1200" dirty="0" smtClean="0"/>
-              <a:t>master </a:t>
-            </a:r>
-            <a:endParaRPr lang="en-US" sz="1200" dirty="0"/>
+              <a:rPr lang="en-US" dirty="0" smtClean="0"/>
+              <a:t> pull upstream master</a:t>
+            </a:r>
+            <a:endParaRPr lang="en-US" dirty="0"/>
           </a:p>
         </p:txBody>
       </p:sp>
@@ -6792,8 +8348,8 @@
         </p:blipFill>
         <p:spPr bwMode="auto">
           <a:xfrm>
-            <a:off x="3505200" y="1752600"/>
-            <a:ext cx="545044" cy="609600"/>
+            <a:off x="6934200" y="3503811"/>
+            <a:ext cx="545044" cy="608012"/>
           </a:xfrm>
           <a:prstGeom prst="rect">
             <a:avLst/>
@@ -6810,7 +8366,7 @@
         <p:spPr>
           <a:xfrm>
             <a:off x="1295400" y="83403"/>
-            <a:ext cx="5608971" cy="461665"/>
+            <a:ext cx="5249258" cy="461665"/>
           </a:xfrm>
           <a:prstGeom prst="rect">
             <a:avLst/>
@@ -6825,7 +8381,7 @@
           <a:p>
             <a:r>
               <a:rPr lang="en-US" sz="2400" dirty="0" smtClean="0"/>
-              <a:t>Update Upstream with changes from Origin</a:t>
+              <a:t>Update Origin with changes from Clone2</a:t>
             </a:r>
           </a:p>
         </p:txBody>
@@ -6833,16 +8389,13 @@
       <p:cxnSp>
         <p:nvCxnSpPr>
           <p:cNvPr id="12" name="Straight Arrow Connector 11"/>
-          <p:cNvCxnSpPr>
-            <a:stCxn id="4" idx="3"/>
-            <a:endCxn id="5" idx="1"/>
-          </p:cNvCxnSpPr>
+          <p:cNvCxnSpPr/>
           <p:nvPr/>
         </p:nvCxnSpPr>
         <p:spPr>
-          <a:xfrm>
-            <a:off x="3486682" y="1638300"/>
-            <a:ext cx="1466318" cy="0"/>
+          <a:xfrm flipH="1" flipV="1">
+            <a:off x="3505200" y="1905000"/>
+            <a:ext cx="1524000" cy="1143000"/>
           </a:xfrm>
           <a:prstGeom prst="straightConnector1">
             <a:avLst/>
@@ -6907,8 +8460,8 @@
         </p:nvSpPr>
         <p:spPr>
           <a:xfrm>
-            <a:off x="228600" y="2743200"/>
-            <a:ext cx="1981200" cy="1143000"/>
+            <a:off x="1600200" y="2971799"/>
+            <a:ext cx="1981200" cy="1140023"/>
           </a:xfrm>
           <a:prstGeom prst="rect">
             <a:avLst/>
@@ -6950,15 +8503,15 @@
         </p:nvSpPr>
         <p:spPr>
           <a:xfrm>
-            <a:off x="228600" y="3886200"/>
-            <a:ext cx="2530565" cy="307777"/>
-          </a:xfrm>
-          <a:prstGeom prst="rect">
-            <a:avLst/>
-          </a:prstGeom>
-        </p:spPr>
-        <p:txBody>
-          <a:bodyPr wrap="none">
+            <a:off x="1600200" y="4112625"/>
+            <a:ext cx="2530565" cy="306975"/>
+          </a:xfrm>
+          <a:prstGeom prst="rect">
+            <a:avLst/>
+          </a:prstGeom>
+        </p:spPr>
+        <p:txBody>
+          <a:bodyPr wrap="square">
             <a:spAutoFit/>
           </a:bodyPr>
           <a:lstStyle/>
@@ -6979,8 +8532,8 @@
         </p:nvSpPr>
         <p:spPr>
           <a:xfrm>
-            <a:off x="3569615" y="2743200"/>
-            <a:ext cx="1981200" cy="1143000"/>
+            <a:off x="4941215" y="2971799"/>
+            <a:ext cx="1981200" cy="1140023"/>
           </a:xfrm>
           <a:prstGeom prst="rect">
             <a:avLst/>
@@ -7022,8 +8575,41 @@
         </p:nvSpPr>
         <p:spPr>
           <a:xfrm>
-            <a:off x="3569615" y="3886200"/>
-            <a:ext cx="2754985" cy="307777"/>
+            <a:off x="4941215" y="4112625"/>
+            <a:ext cx="2754985" cy="306975"/>
+          </a:xfrm>
+          <a:prstGeom prst="rect">
+            <a:avLst/>
+          </a:prstGeom>
+        </p:spPr>
+        <p:txBody>
+          <a:bodyPr wrap="square">
+            <a:spAutoFit/>
+          </a:bodyPr>
+          <a:lstStyle/>
+          <a:p>
+            <a:r>
+              <a:rPr lang="en-US" sz="1400" dirty="0" err="1" smtClean="0"/>
+              <a:t>PythonAnywhere</a:t>
+            </a:r>
+            <a:r>
+              <a:rPr lang="en-US" sz="1400" dirty="0" smtClean="0"/>
+              <a:t>/IntroPython2015</a:t>
+            </a:r>
+            <a:endParaRPr lang="en-US" sz="1400" dirty="0"/>
+          </a:p>
+        </p:txBody>
+      </p:sp>
+      <p:sp>
+        <p:nvSpPr>
+          <p:cNvPr id="23" name="Rectangle 22"/>
+          <p:cNvSpPr/>
+          <p:nvPr/>
+        </p:nvSpPr>
+        <p:spPr>
+          <a:xfrm>
+            <a:off x="762000" y="4724400"/>
+            <a:ext cx="8230010" cy="1754326"/>
           </a:xfrm>
           <a:prstGeom prst="rect">
             <a:avLst/>
@@ -7036,144 +8622,103 @@
           <a:lstStyle/>
           <a:p>
             <a:r>
-              <a:rPr lang="en-US" sz="1400" dirty="0" err="1" smtClean="0"/>
-              <a:t>PythonAnywhere</a:t>
-            </a:r>
-            <a:r>
-              <a:rPr lang="en-US" sz="1400" dirty="0" smtClean="0"/>
-              <a:t>/IntroPython2015</a:t>
-            </a:r>
-            <a:endParaRPr lang="en-US" sz="1400" dirty="0"/>
-          </a:p>
-        </p:txBody>
-      </p:sp>
-      <p:sp>
-        <p:nvSpPr>
-          <p:cNvPr id="22" name="TextBox 21"/>
-          <p:cNvSpPr txBox="1"/>
-          <p:nvPr/>
-        </p:nvSpPr>
-        <p:spPr>
-          <a:xfrm>
-            <a:off x="6248400" y="4191000"/>
-            <a:ext cx="2743200" cy="830997"/>
-          </a:xfrm>
-          <a:prstGeom prst="rect">
-            <a:avLst/>
-          </a:prstGeom>
-          <a:noFill/>
-        </p:spPr>
-        <p:txBody>
-          <a:bodyPr wrap="square" rtlCol="0">
-            <a:spAutoFit/>
-          </a:bodyPr>
-          <a:lstStyle/>
-          <a:p>
-            <a:r>
-              <a:rPr lang="en-US" sz="1200" dirty="0" smtClean="0"/>
-              <a:t>1) Initiate a Pull Request</a:t>
-            </a:r>
-          </a:p>
-          <a:p>
-            <a:pPr marL="342900" indent="-342900"/>
-            <a:r>
-              <a:rPr lang="en-US" sz="1200" dirty="0" smtClean="0"/>
-              <a:t>2) Follow </a:t>
-            </a:r>
-            <a:r>
-              <a:rPr lang="en-US" sz="1200" dirty="0" smtClean="0"/>
-              <a:t>instructions</a:t>
-            </a:r>
-            <a:endParaRPr lang="en-US" sz="1200" dirty="0" smtClean="0"/>
-          </a:p>
-          <a:p>
-            <a:pPr marL="342900" indent="-342900"/>
-            <a:r>
-              <a:rPr lang="en-US" sz="1200" dirty="0" smtClean="0"/>
-              <a:t>3) The pull will be at the discretion of the upstream owner</a:t>
-            </a:r>
-          </a:p>
-        </p:txBody>
-      </p:sp>
-      <p:pic>
-        <p:nvPicPr>
-          <p:cNvPr id="3074" name="Picture 2"/>
-          <p:cNvPicPr>
-            <a:picLocks noChangeAspect="1" noChangeArrowheads="1"/>
-          </p:cNvPicPr>
-          <p:nvPr/>
-        </p:nvPicPr>
-        <p:blipFill>
-          <a:blip r:embed="rId3" cstate="print"/>
-          <a:srcRect/>
-          <a:stretch>
-            <a:fillRect/>
-          </a:stretch>
-        </p:blipFill>
-        <p:spPr bwMode="auto">
-          <a:xfrm>
-            <a:off x="609600" y="5181600"/>
-            <a:ext cx="3000375" cy="695325"/>
-          </a:xfrm>
-          <a:prstGeom prst="rect">
-            <a:avLst/>
-          </a:prstGeom>
-          <a:noFill/>
-          <a:ln w="9525">
-            <a:noFill/>
-            <a:miter lim="800000"/>
-            <a:headEnd/>
-            <a:tailEnd/>
-          </a:ln>
-        </p:spPr>
-      </p:pic>
-      <p:pic>
-        <p:nvPicPr>
-          <p:cNvPr id="3075" name="Picture 3"/>
-          <p:cNvPicPr>
-            <a:picLocks noChangeAspect="1" noChangeArrowheads="1"/>
-          </p:cNvPicPr>
-          <p:nvPr/>
-        </p:nvPicPr>
-        <p:blipFill>
-          <a:blip r:embed="rId4" cstate="print"/>
-          <a:srcRect/>
-          <a:stretch>
-            <a:fillRect/>
-          </a:stretch>
-        </p:blipFill>
-        <p:spPr bwMode="auto">
-          <a:xfrm>
-            <a:off x="609600" y="5791200"/>
-            <a:ext cx="7439025" cy="352425"/>
-          </a:xfrm>
-          <a:prstGeom prst="rect">
-            <a:avLst/>
-          </a:prstGeom>
-          <a:noFill/>
-          <a:ln w="9525">
-            <a:noFill/>
-            <a:miter lim="800000"/>
-            <a:headEnd/>
-            <a:tailEnd/>
-          </a:ln>
-        </p:spPr>
-      </p:pic>
-      <p:sp>
-        <p:nvSpPr>
-          <p:cNvPr id="23" name="Oval 22"/>
+              <a:rPr lang="en-US" u="sng" dirty="0" smtClean="0"/>
+              <a:t>Commit/add  changes to get them into the cm system</a:t>
+            </a:r>
+          </a:p>
+          <a:p>
+            <a:r>
+              <a:rPr lang="en-US" dirty="0" smtClean="0"/>
+              <a:t>&gt;&gt; </a:t>
+            </a:r>
+            <a:r>
+              <a:rPr lang="en-US" dirty="0" err="1" smtClean="0"/>
+              <a:t>git</a:t>
+            </a:r>
+            <a:r>
+              <a:rPr lang="en-US" dirty="0" smtClean="0"/>
+              <a:t> add &lt;filename&gt;                                  ## adds file into CM system</a:t>
+            </a:r>
+          </a:p>
+          <a:p>
+            <a:r>
+              <a:rPr lang="en-US" dirty="0" smtClean="0"/>
+              <a:t>&gt;&gt; </a:t>
+            </a:r>
+            <a:r>
+              <a:rPr lang="en-US" dirty="0" err="1" smtClean="0"/>
+              <a:t>git</a:t>
+            </a:r>
+            <a:r>
+              <a:rPr lang="en-US" dirty="0" smtClean="0"/>
+              <a:t> commit -m 'added a readme file‘    ## load modifications to files into CM system</a:t>
+            </a:r>
+          </a:p>
+          <a:p>
+            <a:endParaRPr lang="en-US" dirty="0" smtClean="0"/>
+          </a:p>
+          <a:p>
+            <a:r>
+              <a:rPr lang="en-US" u="sng" dirty="0" smtClean="0"/>
+              <a:t>Push the changes</a:t>
+            </a:r>
+          </a:p>
+          <a:p>
+            <a:r>
+              <a:rPr lang="en-US" dirty="0" smtClean="0"/>
+              <a:t>&gt;&gt; </a:t>
+            </a:r>
+            <a:r>
+              <a:rPr lang="en-US" dirty="0" err="1" smtClean="0"/>
+              <a:t>git</a:t>
+            </a:r>
+            <a:r>
+              <a:rPr lang="en-US" dirty="0" smtClean="0"/>
+              <a:t> push origin master </a:t>
+            </a:r>
+            <a:endParaRPr lang="en-US" dirty="0"/>
+          </a:p>
+        </p:txBody>
+      </p:sp>
+    </p:spTree>
+  </p:cSld>
+  <p:clrMapOvr>
+    <a:masterClrMapping/>
+  </p:clrMapOvr>
+</p:sld>
+</file>
+
+<file path=ppt/slides/slide9.xml><?xml version="1.0" encoding="utf-8"?>
+<p:sld xmlns:a="http://schemas.openxmlformats.org/drawingml/2006/main" xmlns:r="http://schemas.openxmlformats.org/officeDocument/2006/relationships" xmlns:p="http://schemas.openxmlformats.org/presentationml/2006/main">
+  <p:cSld>
+    <p:spTree>
+      <p:nvGrpSpPr>
+        <p:cNvPr id="1" name=""/>
+        <p:cNvGrpSpPr/>
+        <p:nvPr/>
+      </p:nvGrpSpPr>
+      <p:grpSpPr>
+        <a:xfrm>
+          <a:off x="0" y="0"/>
+          <a:ext cx="0" cy="0"/>
+          <a:chOff x="0" y="0"/>
+          <a:chExt cx="0" cy="0"/>
+        </a:xfrm>
+      </p:grpSpPr>
+      <p:sp>
+        <p:nvSpPr>
+          <p:cNvPr id="4" name="Rectangle 3"/>
           <p:cNvSpPr/>
           <p:nvPr/>
         </p:nvSpPr>
         <p:spPr>
           <a:xfrm>
-            <a:off x="6248400" y="5715000"/>
-            <a:ext cx="1066800" cy="533400"/>
-          </a:xfrm>
-          <a:prstGeom prst="ellipse">
-            <a:avLst/>
-          </a:prstGeom>
-          <a:noFill/>
+            <a:off x="1505482" y="1066800"/>
+            <a:ext cx="1981200" cy="1143000"/>
+          </a:xfrm>
+          <a:prstGeom prst="rect">
+            <a:avLst/>
+          </a:prstGeom>
         </p:spPr>
         <p:style>
           <a:lnRef idx="2">
@@ -7196,20 +8741,180 @@
           <a:lstStyle/>
           <a:p>
             <a:pPr algn="ctr"/>
-            <a:endParaRPr lang="en-US"/>
+            <a:r>
+              <a:rPr lang="en-US" dirty="0" smtClean="0"/>
+              <a:t>Origin</a:t>
+            </a:r>
+          </a:p>
+          <a:p>
+            <a:pPr algn="ctr"/>
+            <a:r>
+              <a:rPr lang="en-US" dirty="0" smtClean="0"/>
+              <a:t>(fork of upstream)</a:t>
+            </a:r>
+            <a:endParaRPr lang="en-US" dirty="0"/>
+          </a:p>
+        </p:txBody>
+      </p:sp>
+      <p:sp>
+        <p:nvSpPr>
+          <p:cNvPr id="5" name="Rectangle 4"/>
+          <p:cNvSpPr/>
+          <p:nvPr/>
+        </p:nvSpPr>
+        <p:spPr>
+          <a:xfrm>
+            <a:off x="4953000" y="1066800"/>
+            <a:ext cx="1981200" cy="1143000"/>
+          </a:xfrm>
+          <a:prstGeom prst="rect">
+            <a:avLst/>
+          </a:prstGeom>
+        </p:spPr>
+        <p:style>
+          <a:lnRef idx="2">
+            <a:schemeClr val="accent1">
+              <a:shade val="50000"/>
+            </a:schemeClr>
+          </a:lnRef>
+          <a:fillRef idx="1">
+            <a:schemeClr val="accent1"/>
+          </a:fillRef>
+          <a:effectRef idx="0">
+            <a:schemeClr val="accent1"/>
+          </a:effectRef>
+          <a:fontRef idx="minor">
+            <a:schemeClr val="lt1"/>
+          </a:fontRef>
+        </p:style>
+        <p:txBody>
+          <a:bodyPr rtlCol="0" anchor="ctr"/>
+          <a:lstStyle/>
+          <a:p>
+            <a:pPr algn="ctr"/>
+            <a:r>
+              <a:rPr lang="en-US" dirty="0" smtClean="0"/>
+              <a:t>Upstream</a:t>
+            </a:r>
+            <a:endParaRPr lang="en-US" dirty="0"/>
+          </a:p>
+        </p:txBody>
+      </p:sp>
+      <p:sp>
+        <p:nvSpPr>
+          <p:cNvPr id="7" name="TextBox 6"/>
+          <p:cNvSpPr txBox="1"/>
+          <p:nvPr/>
+        </p:nvSpPr>
+        <p:spPr>
+          <a:xfrm>
+            <a:off x="4953000" y="2209800"/>
+            <a:ext cx="2931508" cy="307777"/>
+          </a:xfrm>
+          <a:prstGeom prst="rect">
+            <a:avLst/>
+          </a:prstGeom>
+          <a:noFill/>
+        </p:spPr>
+        <p:txBody>
+          <a:bodyPr wrap="none" rtlCol="0">
+            <a:spAutoFit/>
+          </a:bodyPr>
+          <a:lstStyle/>
+          <a:p>
+            <a:r>
+              <a:rPr lang="en-US" sz="1400" dirty="0" smtClean="0"/>
+              <a:t>UWPCE-</a:t>
+            </a:r>
+            <a:r>
+              <a:rPr lang="en-US" sz="1400" dirty="0" err="1" smtClean="0"/>
+              <a:t>PythonCert</a:t>
+            </a:r>
+            <a:r>
+              <a:rPr lang="en-US" sz="1400" dirty="0" smtClean="0"/>
+              <a:t>/IntroPython2015</a:t>
+            </a:r>
+          </a:p>
+        </p:txBody>
+      </p:sp>
+      <p:pic>
+        <p:nvPicPr>
+          <p:cNvPr id="1026" name="Picture 2" descr="C:\Users\vegorse\Desktop\AwsSim_Bits_n_Pieces\Windows_Icons\Additional pictures\eye_left.gif"/>
+          <p:cNvPicPr>
+            <a:picLocks noChangeAspect="1" noChangeArrowheads="1"/>
+          </p:cNvPicPr>
+          <p:nvPr/>
+        </p:nvPicPr>
+        <p:blipFill>
+          <a:blip r:embed="rId2" cstate="print"/>
+          <a:srcRect/>
+          <a:stretch>
+            <a:fillRect/>
+          </a:stretch>
+        </p:blipFill>
+        <p:spPr bwMode="auto">
+          <a:xfrm>
+            <a:off x="6934200" y="3503811"/>
+            <a:ext cx="545044" cy="608012"/>
+          </a:xfrm>
+          <a:prstGeom prst="rect">
+            <a:avLst/>
+          </a:prstGeom>
+          <a:noFill/>
+        </p:spPr>
+      </p:pic>
+      <p:sp>
+        <p:nvSpPr>
+          <p:cNvPr id="21" name="TextBox 20"/>
+          <p:cNvSpPr txBox="1"/>
+          <p:nvPr/>
+        </p:nvSpPr>
+        <p:spPr>
+          <a:xfrm>
+            <a:off x="1676400" y="0"/>
+            <a:ext cx="5249258" cy="461665"/>
+          </a:xfrm>
+          <a:prstGeom prst="rect">
+            <a:avLst/>
+          </a:prstGeom>
+          <a:noFill/>
+        </p:spPr>
+        <p:txBody>
+          <a:bodyPr wrap="none" rtlCol="0">
+            <a:spAutoFit/>
+          </a:bodyPr>
+          <a:lstStyle/>
+          <a:p>
+            <a:r>
+              <a:rPr lang="en-US" sz="2400" dirty="0" smtClean="0"/>
+              <a:t>Update </a:t>
+            </a:r>
+            <a:r>
+              <a:rPr lang="en-US" sz="2400" dirty="0" smtClean="0"/>
+              <a:t>Clone2 </a:t>
+            </a:r>
+            <a:r>
+              <a:rPr lang="en-US" sz="2400" dirty="0" smtClean="0"/>
+              <a:t>with changes from </a:t>
+            </a:r>
+            <a:r>
+              <a:rPr lang="en-US" sz="2400" dirty="0" smtClean="0"/>
+              <a:t>Origin</a:t>
+            </a:r>
+            <a:endParaRPr lang="en-US" sz="2400" dirty="0" smtClean="0"/>
           </a:p>
         </p:txBody>
       </p:sp>
       <p:cxnSp>
         <p:nvCxnSpPr>
-          <p:cNvPr id="24" name="Straight Arrow Connector 23"/>
+          <p:cNvPr id="12" name="Straight Arrow Connector 11"/>
           <p:cNvCxnSpPr/>
           <p:nvPr/>
         </p:nvCxnSpPr>
         <p:spPr>
-          <a:xfrm flipH="1">
-            <a:off x="6858000" y="5105400"/>
-            <a:ext cx="304800" cy="533400"/>
+          <a:xfrm>
+            <a:off x="3505200" y="1905000"/>
+            <a:ext cx="1447800" cy="1066800"/>
           </a:xfrm>
           <a:prstGeom prst="straightConnector1">
             <a:avLst/>
@@ -7219,13 +8924,13 @@
           </a:ln>
         </p:spPr>
         <p:style>
-          <a:lnRef idx="1">
+          <a:lnRef idx="3">
             <a:schemeClr val="accent1"/>
           </a:lnRef>
           <a:fillRef idx="0">
             <a:schemeClr val="accent1"/>
           </a:fillRef>
-          <a:effectRef idx="0">
+          <a:effectRef idx="2">
             <a:schemeClr val="accent1"/>
           </a:effectRef>
           <a:fontRef idx="minor">
@@ -7233,6 +8938,242 @@
           </a:fontRef>
         </p:style>
       </p:cxnSp>
+      <p:sp>
+        <p:nvSpPr>
+          <p:cNvPr id="13" name="Rectangle 12"/>
+          <p:cNvSpPr/>
+          <p:nvPr/>
+        </p:nvSpPr>
+        <p:spPr>
+          <a:xfrm>
+            <a:off x="1447800" y="2209800"/>
+            <a:ext cx="2124299" cy="307777"/>
+          </a:xfrm>
+          <a:prstGeom prst="rect">
+            <a:avLst/>
+          </a:prstGeom>
+        </p:spPr>
+        <p:txBody>
+          <a:bodyPr wrap="none">
+            <a:spAutoFit/>
+          </a:bodyPr>
+          <a:lstStyle/>
+          <a:p>
+            <a:r>
+              <a:rPr lang="en-US" sz="1400" dirty="0" err="1" smtClean="0"/>
+              <a:t>tycobass</a:t>
+            </a:r>
+            <a:r>
+              <a:rPr lang="en-US" sz="1400" dirty="0" smtClean="0"/>
+              <a:t>/IntroPython2015</a:t>
+            </a:r>
+            <a:endParaRPr lang="en-US" sz="1400" dirty="0"/>
+          </a:p>
+        </p:txBody>
+      </p:sp>
+      <p:sp>
+        <p:nvSpPr>
+          <p:cNvPr id="14" name="Rectangle 13"/>
+          <p:cNvSpPr/>
+          <p:nvPr/>
+        </p:nvSpPr>
+        <p:spPr>
+          <a:xfrm>
+            <a:off x="1600200" y="2971799"/>
+            <a:ext cx="1981200" cy="1140023"/>
+          </a:xfrm>
+          <a:prstGeom prst="rect">
+            <a:avLst/>
+          </a:prstGeom>
+        </p:spPr>
+        <p:style>
+          <a:lnRef idx="2">
+            <a:schemeClr val="accent1">
+              <a:shade val="50000"/>
+            </a:schemeClr>
+          </a:lnRef>
+          <a:fillRef idx="1">
+            <a:schemeClr val="accent1"/>
+          </a:fillRef>
+          <a:effectRef idx="0">
+            <a:schemeClr val="accent1"/>
+          </a:effectRef>
+          <a:fontRef idx="minor">
+            <a:schemeClr val="lt1"/>
+          </a:fontRef>
+        </p:style>
+        <p:txBody>
+          <a:bodyPr rtlCol="0" anchor="ctr"/>
+          <a:lstStyle/>
+          <a:p>
+            <a:pPr algn="ctr"/>
+            <a:r>
+              <a:rPr lang="en-US" dirty="0" smtClean="0"/>
+              <a:t>Clone1</a:t>
+            </a:r>
+          </a:p>
+        </p:txBody>
+      </p:sp>
+      <p:sp>
+        <p:nvSpPr>
+          <p:cNvPr id="15" name="Rectangle 14"/>
+          <p:cNvSpPr/>
+          <p:nvPr/>
+        </p:nvSpPr>
+        <p:spPr>
+          <a:xfrm>
+            <a:off x="1600200" y="4112625"/>
+            <a:ext cx="2530565" cy="306975"/>
+          </a:xfrm>
+          <a:prstGeom prst="rect">
+            <a:avLst/>
+          </a:prstGeom>
+        </p:spPr>
+        <p:txBody>
+          <a:bodyPr wrap="square">
+            <a:spAutoFit/>
+          </a:bodyPr>
+          <a:lstStyle/>
+          <a:p>
+            <a:r>
+              <a:rPr lang="en-US" sz="1400" dirty="0" smtClean="0"/>
+              <a:t>Local machine/IntroPython2015</a:t>
+            </a:r>
+            <a:endParaRPr lang="en-US" sz="1400" dirty="0"/>
+          </a:p>
+        </p:txBody>
+      </p:sp>
+      <p:sp>
+        <p:nvSpPr>
+          <p:cNvPr id="17" name="Rectangle 16"/>
+          <p:cNvSpPr/>
+          <p:nvPr/>
+        </p:nvSpPr>
+        <p:spPr>
+          <a:xfrm>
+            <a:off x="4941215" y="2971799"/>
+            <a:ext cx="1981200" cy="1140023"/>
+          </a:xfrm>
+          <a:prstGeom prst="rect">
+            <a:avLst/>
+          </a:prstGeom>
+        </p:spPr>
+        <p:style>
+          <a:lnRef idx="2">
+            <a:schemeClr val="accent1">
+              <a:shade val="50000"/>
+            </a:schemeClr>
+          </a:lnRef>
+          <a:fillRef idx="1">
+            <a:schemeClr val="accent1"/>
+          </a:fillRef>
+          <a:effectRef idx="0">
+            <a:schemeClr val="accent1"/>
+          </a:effectRef>
+          <a:fontRef idx="minor">
+            <a:schemeClr val="lt1"/>
+          </a:fontRef>
+        </p:style>
+        <p:txBody>
+          <a:bodyPr rtlCol="0" anchor="ctr"/>
+          <a:lstStyle/>
+          <a:p>
+            <a:pPr algn="ctr"/>
+            <a:r>
+              <a:rPr lang="en-US" dirty="0" smtClean="0"/>
+              <a:t>Clone2</a:t>
+            </a:r>
+          </a:p>
+        </p:txBody>
+      </p:sp>
+      <p:sp>
+        <p:nvSpPr>
+          <p:cNvPr id="18" name="Rectangle 17"/>
+          <p:cNvSpPr/>
+          <p:nvPr/>
+        </p:nvSpPr>
+        <p:spPr>
+          <a:xfrm>
+            <a:off x="4941215" y="4112625"/>
+            <a:ext cx="2754985" cy="306975"/>
+          </a:xfrm>
+          <a:prstGeom prst="rect">
+            <a:avLst/>
+          </a:prstGeom>
+        </p:spPr>
+        <p:txBody>
+          <a:bodyPr wrap="square">
+            <a:spAutoFit/>
+          </a:bodyPr>
+          <a:lstStyle/>
+          <a:p>
+            <a:r>
+              <a:rPr lang="en-US" sz="1400" dirty="0" err="1" smtClean="0"/>
+              <a:t>PythonAnywhere</a:t>
+            </a:r>
+            <a:r>
+              <a:rPr lang="en-US" sz="1400" dirty="0" smtClean="0"/>
+              <a:t>/IntroPython2015</a:t>
+            </a:r>
+            <a:endParaRPr lang="en-US" sz="1400" dirty="0"/>
+          </a:p>
+        </p:txBody>
+      </p:sp>
+      <p:sp>
+        <p:nvSpPr>
+          <p:cNvPr id="23" name="Rectangle 22"/>
+          <p:cNvSpPr/>
+          <p:nvPr/>
+        </p:nvSpPr>
+        <p:spPr>
+          <a:xfrm>
+            <a:off x="1371600" y="5029200"/>
+            <a:ext cx="2459071" cy="646331"/>
+          </a:xfrm>
+          <a:prstGeom prst="rect">
+            <a:avLst/>
+          </a:prstGeom>
+        </p:spPr>
+        <p:txBody>
+          <a:bodyPr wrap="none">
+            <a:spAutoFit/>
+          </a:bodyPr>
+          <a:lstStyle/>
+          <a:p>
+            <a:r>
+              <a:rPr lang="en-US" u="sng" dirty="0" smtClean="0"/>
+              <a:t>Pull </a:t>
+            </a:r>
+            <a:r>
+              <a:rPr lang="en-US" u="sng" dirty="0" smtClean="0"/>
+              <a:t>the changes</a:t>
+            </a:r>
+          </a:p>
+          <a:p>
+            <a:r>
+              <a:rPr lang="en-US" dirty="0" smtClean="0"/>
+              <a:t>&gt;&gt; </a:t>
+            </a:r>
+            <a:r>
+              <a:rPr lang="en-US" dirty="0" err="1" smtClean="0"/>
+              <a:t>git</a:t>
+            </a:r>
+            <a:r>
+              <a:rPr lang="en-US" dirty="0" smtClean="0"/>
+              <a:t> </a:t>
+            </a:r>
+            <a:r>
+              <a:rPr lang="en-US" dirty="0" smtClean="0"/>
+              <a:t>pull </a:t>
+            </a:r>
+            <a:r>
+              <a:rPr lang="en-US" dirty="0" smtClean="0"/>
+              <a:t>origin master </a:t>
+            </a:r>
+            <a:endParaRPr lang="en-US" dirty="0"/>
+          </a:p>
+        </p:txBody>
+      </p:sp>
     </p:spTree>
   </p:cSld>
   <p:clrMapOvr>

--- a/students/eric_v/debris/Using_git.pptx
+++ b/students/eric_v/debris/Using_git.pptx
@@ -16,6 +16,8 @@
     <p:sldId id="271" r:id="rId10"/>
     <p:sldId id="266" r:id="rId11"/>
     <p:sldId id="270" r:id="rId12"/>
+    <p:sldId id="272" r:id="rId13"/>
+    <p:sldId id="273" r:id="rId14"/>
   </p:sldIdLst>
   <p:sldSz cx="9144000" cy="6858000" type="screen4x3"/>
   <p:notesSz cx="6934200" cy="9220200"/>
@@ -4241,7 +4243,7 @@
         </p:nvSpPr>
         <p:spPr>
           <a:xfrm>
-            <a:off x="1505482" y="914400"/>
+            <a:off x="1505482" y="609600"/>
             <a:ext cx="1981200" cy="1143000"/>
           </a:xfrm>
           <a:prstGeom prst="rect">
@@ -4292,7 +4294,7 @@
         </p:nvSpPr>
         <p:spPr>
           <a:xfrm>
-            <a:off x="4953000" y="914400"/>
+            <a:off x="4953000" y="609600"/>
             <a:ext cx="1981200" cy="1143000"/>
           </a:xfrm>
           <a:prstGeom prst="rect">
@@ -4336,7 +4338,7 @@
         </p:nvSpPr>
         <p:spPr>
           <a:xfrm>
-            <a:off x="4953000" y="2057400"/>
+            <a:off x="4953000" y="1752600"/>
             <a:ext cx="2931508" cy="307777"/>
           </a:xfrm>
           <a:prstGeom prst="rect">
@@ -4382,7 +4384,7 @@
         </p:blipFill>
         <p:spPr bwMode="auto">
           <a:xfrm>
-            <a:off x="6705600" y="3352800"/>
+            <a:off x="6705600" y="3048000"/>
             <a:ext cx="545044" cy="609600"/>
           </a:xfrm>
           <a:prstGeom prst="rect">
@@ -4431,7 +4433,7 @@
         </p:nvCxnSpPr>
         <p:spPr>
           <a:xfrm flipH="1">
-            <a:off x="5627015" y="2286000"/>
+            <a:off x="5627015" y="1981200"/>
             <a:ext cx="164185" cy="457200"/>
           </a:xfrm>
           <a:prstGeom prst="straightConnector1">
@@ -4464,7 +4466,7 @@
         </p:nvSpPr>
         <p:spPr>
           <a:xfrm>
-            <a:off x="1447800" y="2057400"/>
+            <a:off x="1447800" y="1752600"/>
             <a:ext cx="2124299" cy="307777"/>
           </a:xfrm>
           <a:prstGeom prst="rect">
@@ -4497,7 +4499,7 @@
         </p:nvSpPr>
         <p:spPr>
           <a:xfrm>
-            <a:off x="1295400" y="2743200"/>
+            <a:off x="1295400" y="2438400"/>
             <a:ext cx="1981200" cy="1143000"/>
           </a:xfrm>
           <a:prstGeom prst="rect">
@@ -4540,7 +4542,7 @@
         </p:nvSpPr>
         <p:spPr>
           <a:xfrm>
-            <a:off x="1295400" y="3886200"/>
+            <a:off x="1295400" y="3581400"/>
             <a:ext cx="2530565" cy="307777"/>
           </a:xfrm>
           <a:prstGeom prst="rect">
@@ -4569,7 +4571,7 @@
         </p:nvSpPr>
         <p:spPr>
           <a:xfrm>
-            <a:off x="4636415" y="2743200"/>
+            <a:off x="4636415" y="2438400"/>
             <a:ext cx="1981200" cy="1143000"/>
           </a:xfrm>
           <a:prstGeom prst="rect">
@@ -4612,7 +4614,7 @@
         </p:nvSpPr>
         <p:spPr>
           <a:xfrm>
-            <a:off x="4636415" y="3886200"/>
+            <a:off x="4636415" y="3581400"/>
             <a:ext cx="2754985" cy="307777"/>
           </a:xfrm>
           <a:prstGeom prst="rect">
@@ -4645,8 +4647,8 @@
         </p:nvSpPr>
         <p:spPr>
           <a:xfrm>
-            <a:off x="2057400" y="4267200"/>
-            <a:ext cx="5867400" cy="923330"/>
+            <a:off x="685800" y="4038600"/>
+            <a:ext cx="7924800" cy="646331"/>
           </a:xfrm>
           <a:prstGeom prst="rect">
             <a:avLst/>
@@ -4732,7 +4734,7 @@
         </p:blipFill>
         <p:spPr bwMode="auto">
           <a:xfrm>
-            <a:off x="1066800" y="5410200"/>
+            <a:off x="1066800" y="5181600"/>
             <a:ext cx="7029450" cy="1304925"/>
           </a:xfrm>
           <a:prstGeom prst="rect">
@@ -4752,6 +4754,2067 @@
   <p:clrMapOvr>
     <a:masterClrMapping/>
   </p:clrMapOvr>
+</p:sld>
+</file>
+
+<file path=ppt/slides/slide12.xml><?xml version="1.0" encoding="utf-8"?>
+<p:sld xmlns:a="http://schemas.openxmlformats.org/drawingml/2006/main" xmlns:r="http://schemas.openxmlformats.org/officeDocument/2006/relationships" xmlns:p="http://schemas.openxmlformats.org/presentationml/2006/main">
+  <p:cSld>
+    <p:spTree>
+      <p:nvGrpSpPr>
+        <p:cNvPr id="1" name=""/>
+        <p:cNvGrpSpPr/>
+        <p:nvPr/>
+      </p:nvGrpSpPr>
+      <p:grpSpPr>
+        <a:xfrm>
+          <a:off x="0" y="0"/>
+          <a:ext cx="0" cy="0"/>
+          <a:chOff x="0" y="0"/>
+          <a:chExt cx="0" cy="0"/>
+        </a:xfrm>
+      </p:grpSpPr>
+      <p:sp>
+        <p:nvSpPr>
+          <p:cNvPr id="4" name="Rectangle 3"/>
+          <p:cNvSpPr/>
+          <p:nvPr/>
+        </p:nvSpPr>
+        <p:spPr>
+          <a:xfrm>
+            <a:off x="1505482" y="609600"/>
+            <a:ext cx="1981200" cy="1143000"/>
+          </a:xfrm>
+          <a:prstGeom prst="rect">
+            <a:avLst/>
+          </a:prstGeom>
+        </p:spPr>
+        <p:style>
+          <a:lnRef idx="2">
+            <a:schemeClr val="accent1">
+              <a:shade val="50000"/>
+            </a:schemeClr>
+          </a:lnRef>
+          <a:fillRef idx="1">
+            <a:schemeClr val="accent1"/>
+          </a:fillRef>
+          <a:effectRef idx="0">
+            <a:schemeClr val="accent1"/>
+          </a:effectRef>
+          <a:fontRef idx="minor">
+            <a:schemeClr val="lt1"/>
+          </a:fontRef>
+        </p:style>
+        <p:txBody>
+          <a:bodyPr rtlCol="0" anchor="ctr"/>
+          <a:lstStyle/>
+          <a:p>
+            <a:pPr algn="ctr"/>
+            <a:r>
+              <a:rPr lang="en-US" dirty="0" smtClean="0"/>
+              <a:t>Origin</a:t>
+            </a:r>
+          </a:p>
+          <a:p>
+            <a:pPr algn="ctr"/>
+            <a:r>
+              <a:rPr lang="en-US" dirty="0" smtClean="0"/>
+              <a:t>(fork of upstream)</a:t>
+            </a:r>
+            <a:endParaRPr lang="en-US" dirty="0"/>
+          </a:p>
+        </p:txBody>
+      </p:sp>
+      <p:sp>
+        <p:nvSpPr>
+          <p:cNvPr id="5" name="Rectangle 4"/>
+          <p:cNvSpPr/>
+          <p:nvPr/>
+        </p:nvSpPr>
+        <p:spPr>
+          <a:xfrm>
+            <a:off x="4953000" y="609600"/>
+            <a:ext cx="1981200" cy="1143000"/>
+          </a:xfrm>
+          <a:prstGeom prst="rect">
+            <a:avLst/>
+          </a:prstGeom>
+        </p:spPr>
+        <p:style>
+          <a:lnRef idx="2">
+            <a:schemeClr val="accent1">
+              <a:shade val="50000"/>
+            </a:schemeClr>
+          </a:lnRef>
+          <a:fillRef idx="1">
+            <a:schemeClr val="accent1"/>
+          </a:fillRef>
+          <a:effectRef idx="0">
+            <a:schemeClr val="accent1"/>
+          </a:effectRef>
+          <a:fontRef idx="minor">
+            <a:schemeClr val="lt1"/>
+          </a:fontRef>
+        </p:style>
+        <p:txBody>
+          <a:bodyPr rtlCol="0" anchor="ctr"/>
+          <a:lstStyle/>
+          <a:p>
+            <a:pPr algn="ctr"/>
+            <a:r>
+              <a:rPr lang="en-US" dirty="0" smtClean="0"/>
+              <a:t>Upstream</a:t>
+            </a:r>
+            <a:endParaRPr lang="en-US" dirty="0"/>
+          </a:p>
+        </p:txBody>
+      </p:sp>
+      <p:sp>
+        <p:nvSpPr>
+          <p:cNvPr id="7" name="TextBox 6"/>
+          <p:cNvSpPr txBox="1"/>
+          <p:nvPr/>
+        </p:nvSpPr>
+        <p:spPr>
+          <a:xfrm>
+            <a:off x="4953000" y="1752600"/>
+            <a:ext cx="2931508" cy="307777"/>
+          </a:xfrm>
+          <a:prstGeom prst="rect">
+            <a:avLst/>
+          </a:prstGeom>
+          <a:noFill/>
+        </p:spPr>
+        <p:txBody>
+          <a:bodyPr wrap="none" rtlCol="0">
+            <a:spAutoFit/>
+          </a:bodyPr>
+          <a:lstStyle/>
+          <a:p>
+            <a:r>
+              <a:rPr lang="en-US" sz="1400" dirty="0" smtClean="0"/>
+              <a:t>UWPCE-</a:t>
+            </a:r>
+            <a:r>
+              <a:rPr lang="en-US" sz="1400" dirty="0" err="1" smtClean="0"/>
+              <a:t>PythonCert</a:t>
+            </a:r>
+            <a:r>
+              <a:rPr lang="en-US" sz="1400" dirty="0" smtClean="0"/>
+              <a:t>/IntroPython2015</a:t>
+            </a:r>
+          </a:p>
+        </p:txBody>
+      </p:sp>
+      <p:pic>
+        <p:nvPicPr>
+          <p:cNvPr id="1026" name="Picture 2" descr="C:\Users\vegorse\Desktop\AwsSim_Bits_n_Pieces\Windows_Icons\Additional pictures\eye_left.gif"/>
+          <p:cNvPicPr>
+            <a:picLocks noChangeAspect="1" noChangeArrowheads="1"/>
+          </p:cNvPicPr>
+          <p:nvPr/>
+        </p:nvPicPr>
+        <p:blipFill>
+          <a:blip r:embed="rId2" cstate="print"/>
+          <a:srcRect/>
+          <a:stretch>
+            <a:fillRect/>
+          </a:stretch>
+        </p:blipFill>
+        <p:spPr bwMode="auto">
+          <a:xfrm>
+            <a:off x="6705600" y="3048000"/>
+            <a:ext cx="545044" cy="609600"/>
+          </a:xfrm>
+          <a:prstGeom prst="rect">
+            <a:avLst/>
+          </a:prstGeom>
+          <a:noFill/>
+        </p:spPr>
+      </p:pic>
+      <p:sp>
+        <p:nvSpPr>
+          <p:cNvPr id="21" name="TextBox 20"/>
+          <p:cNvSpPr txBox="1"/>
+          <p:nvPr/>
+        </p:nvSpPr>
+        <p:spPr>
+          <a:xfrm>
+            <a:off x="3581400" y="0"/>
+            <a:ext cx="1000210" cy="461665"/>
+          </a:xfrm>
+          <a:prstGeom prst="rect">
+            <a:avLst/>
+          </a:prstGeom>
+          <a:noFill/>
+        </p:spPr>
+        <p:txBody>
+          <a:bodyPr wrap="none" rtlCol="0">
+            <a:spAutoFit/>
+          </a:bodyPr>
+          <a:lstStyle/>
+          <a:p>
+            <a:r>
+              <a:rPr lang="en-US" sz="2400" dirty="0" smtClean="0"/>
+              <a:t>Merge</a:t>
+            </a:r>
+            <a:endParaRPr lang="en-US" sz="2400" dirty="0" smtClean="0"/>
+          </a:p>
+        </p:txBody>
+      </p:sp>
+      <p:cxnSp>
+        <p:nvCxnSpPr>
+          <p:cNvPr id="12" name="Straight Arrow Connector 11"/>
+          <p:cNvCxnSpPr>
+            <a:endCxn id="17" idx="0"/>
+          </p:cNvCxnSpPr>
+          <p:nvPr/>
+        </p:nvCxnSpPr>
+        <p:spPr>
+          <a:xfrm flipH="1">
+            <a:off x="5627015" y="1981200"/>
+            <a:ext cx="164185" cy="457200"/>
+          </a:xfrm>
+          <a:prstGeom prst="straightConnector1">
+            <a:avLst/>
+          </a:prstGeom>
+          <a:ln>
+            <a:tailEnd type="arrow"/>
+          </a:ln>
+        </p:spPr>
+        <p:style>
+          <a:lnRef idx="3">
+            <a:schemeClr val="accent1"/>
+          </a:lnRef>
+          <a:fillRef idx="0">
+            <a:schemeClr val="accent1"/>
+          </a:fillRef>
+          <a:effectRef idx="2">
+            <a:schemeClr val="accent1"/>
+          </a:effectRef>
+          <a:fontRef idx="minor">
+            <a:schemeClr val="tx1"/>
+          </a:fontRef>
+        </p:style>
+      </p:cxnSp>
+      <p:sp>
+        <p:nvSpPr>
+          <p:cNvPr id="13" name="Rectangle 12"/>
+          <p:cNvSpPr/>
+          <p:nvPr/>
+        </p:nvSpPr>
+        <p:spPr>
+          <a:xfrm>
+            <a:off x="1447800" y="1752600"/>
+            <a:ext cx="2124299" cy="307777"/>
+          </a:xfrm>
+          <a:prstGeom prst="rect">
+            <a:avLst/>
+          </a:prstGeom>
+        </p:spPr>
+        <p:txBody>
+          <a:bodyPr wrap="none">
+            <a:spAutoFit/>
+          </a:bodyPr>
+          <a:lstStyle/>
+          <a:p>
+            <a:r>
+              <a:rPr lang="en-US" sz="1400" dirty="0" err="1" smtClean="0"/>
+              <a:t>tycobass</a:t>
+            </a:r>
+            <a:r>
+              <a:rPr lang="en-US" sz="1400" dirty="0" smtClean="0"/>
+              <a:t>/IntroPython2015</a:t>
+            </a:r>
+            <a:endParaRPr lang="en-US" sz="1400" dirty="0"/>
+          </a:p>
+        </p:txBody>
+      </p:sp>
+      <p:sp>
+        <p:nvSpPr>
+          <p:cNvPr id="14" name="Rectangle 13"/>
+          <p:cNvSpPr/>
+          <p:nvPr/>
+        </p:nvSpPr>
+        <p:spPr>
+          <a:xfrm>
+            <a:off x="1295400" y="2438400"/>
+            <a:ext cx="1981200" cy="1143000"/>
+          </a:xfrm>
+          <a:prstGeom prst="rect">
+            <a:avLst/>
+          </a:prstGeom>
+        </p:spPr>
+        <p:style>
+          <a:lnRef idx="2">
+            <a:schemeClr val="accent1">
+              <a:shade val="50000"/>
+            </a:schemeClr>
+          </a:lnRef>
+          <a:fillRef idx="1">
+            <a:schemeClr val="accent1"/>
+          </a:fillRef>
+          <a:effectRef idx="0">
+            <a:schemeClr val="accent1"/>
+          </a:effectRef>
+          <a:fontRef idx="minor">
+            <a:schemeClr val="lt1"/>
+          </a:fontRef>
+        </p:style>
+        <p:txBody>
+          <a:bodyPr rtlCol="0" anchor="ctr"/>
+          <a:lstStyle/>
+          <a:p>
+            <a:pPr algn="ctr"/>
+            <a:r>
+              <a:rPr lang="en-US" dirty="0" smtClean="0"/>
+              <a:t>Clone1</a:t>
+            </a:r>
+          </a:p>
+        </p:txBody>
+      </p:sp>
+      <p:sp>
+        <p:nvSpPr>
+          <p:cNvPr id="15" name="Rectangle 14"/>
+          <p:cNvSpPr/>
+          <p:nvPr/>
+        </p:nvSpPr>
+        <p:spPr>
+          <a:xfrm>
+            <a:off x="1295400" y="3581400"/>
+            <a:ext cx="2530565" cy="307777"/>
+          </a:xfrm>
+          <a:prstGeom prst="rect">
+            <a:avLst/>
+          </a:prstGeom>
+        </p:spPr>
+        <p:txBody>
+          <a:bodyPr wrap="none">
+            <a:spAutoFit/>
+          </a:bodyPr>
+          <a:lstStyle/>
+          <a:p>
+            <a:r>
+              <a:rPr lang="en-US" sz="1400" dirty="0" smtClean="0"/>
+              <a:t>Local machine/IntroPython2015</a:t>
+            </a:r>
+            <a:endParaRPr lang="en-US" sz="1400" dirty="0"/>
+          </a:p>
+        </p:txBody>
+      </p:sp>
+      <p:sp>
+        <p:nvSpPr>
+          <p:cNvPr id="17" name="Rectangle 16"/>
+          <p:cNvSpPr/>
+          <p:nvPr/>
+        </p:nvSpPr>
+        <p:spPr>
+          <a:xfrm>
+            <a:off x="4636415" y="2438400"/>
+            <a:ext cx="1981200" cy="1143000"/>
+          </a:xfrm>
+          <a:prstGeom prst="rect">
+            <a:avLst/>
+          </a:prstGeom>
+        </p:spPr>
+        <p:style>
+          <a:lnRef idx="2">
+            <a:schemeClr val="accent1">
+              <a:shade val="50000"/>
+            </a:schemeClr>
+          </a:lnRef>
+          <a:fillRef idx="1">
+            <a:schemeClr val="accent1"/>
+          </a:fillRef>
+          <a:effectRef idx="0">
+            <a:schemeClr val="accent1"/>
+          </a:effectRef>
+          <a:fontRef idx="minor">
+            <a:schemeClr val="lt1"/>
+          </a:fontRef>
+        </p:style>
+        <p:txBody>
+          <a:bodyPr rtlCol="0" anchor="ctr"/>
+          <a:lstStyle/>
+          <a:p>
+            <a:pPr algn="ctr"/>
+            <a:r>
+              <a:rPr lang="en-US" dirty="0" smtClean="0"/>
+              <a:t>Clone2</a:t>
+            </a:r>
+          </a:p>
+        </p:txBody>
+      </p:sp>
+      <p:sp>
+        <p:nvSpPr>
+          <p:cNvPr id="18" name="Rectangle 17"/>
+          <p:cNvSpPr/>
+          <p:nvPr/>
+        </p:nvSpPr>
+        <p:spPr>
+          <a:xfrm>
+            <a:off x="4636415" y="3581400"/>
+            <a:ext cx="2754985" cy="307777"/>
+          </a:xfrm>
+          <a:prstGeom prst="rect">
+            <a:avLst/>
+          </a:prstGeom>
+        </p:spPr>
+        <p:txBody>
+          <a:bodyPr wrap="none">
+            <a:spAutoFit/>
+          </a:bodyPr>
+          <a:lstStyle/>
+          <a:p>
+            <a:r>
+              <a:rPr lang="en-US" sz="1400" dirty="0" err="1" smtClean="0"/>
+              <a:t>PythonAnywhere</a:t>
+            </a:r>
+            <a:r>
+              <a:rPr lang="en-US" sz="1400" dirty="0" smtClean="0"/>
+              <a:t>/IntroPython2015</a:t>
+            </a:r>
+            <a:endParaRPr lang="en-US" sz="1400" dirty="0"/>
+          </a:p>
+        </p:txBody>
+      </p:sp>
+      <p:sp>
+        <p:nvSpPr>
+          <p:cNvPr id="22" name="TextBox 21"/>
+          <p:cNvSpPr txBox="1"/>
+          <p:nvPr/>
+        </p:nvSpPr>
+        <p:spPr>
+          <a:xfrm>
+            <a:off x="685800" y="4038600"/>
+            <a:ext cx="7924800" cy="646331"/>
+          </a:xfrm>
+          <a:prstGeom prst="rect">
+            <a:avLst/>
+          </a:prstGeom>
+          <a:noFill/>
+        </p:spPr>
+        <p:txBody>
+          <a:bodyPr wrap="square" rtlCol="0">
+            <a:spAutoFit/>
+          </a:bodyPr>
+          <a:lstStyle/>
+          <a:p>
+            <a:r>
+              <a:rPr lang="en-US" dirty="0" smtClean="0"/>
+              <a:t>&gt;&gt; </a:t>
+            </a:r>
+            <a:r>
+              <a:rPr lang="en-US" dirty="0" err="1" smtClean="0"/>
+              <a:t>git</a:t>
+            </a:r>
+            <a:r>
+              <a:rPr lang="en-US" dirty="0" smtClean="0"/>
+              <a:t> pull upstream master</a:t>
+            </a:r>
+            <a:endParaRPr lang="en-US" dirty="0" smtClean="0"/>
+          </a:p>
+          <a:p>
+            <a:r>
+              <a:rPr lang="en-US" dirty="0" smtClean="0"/>
+              <a:t>Changes that have occurred in Upstream must now be merged with existing files</a:t>
+            </a:r>
+            <a:endParaRPr lang="en-US" dirty="0" smtClean="0"/>
+          </a:p>
+        </p:txBody>
+      </p:sp>
+      <p:cxnSp>
+        <p:nvCxnSpPr>
+          <p:cNvPr id="24" name="Straight Arrow Connector 23"/>
+          <p:cNvCxnSpPr/>
+          <p:nvPr/>
+        </p:nvCxnSpPr>
+        <p:spPr>
+          <a:xfrm>
+            <a:off x="5943600" y="5486400"/>
+            <a:ext cx="461029" cy="611515"/>
+          </a:xfrm>
+          <a:prstGeom prst="straightConnector1">
+            <a:avLst/>
+          </a:prstGeom>
+          <a:ln>
+            <a:tailEnd type="arrow"/>
+          </a:ln>
+        </p:spPr>
+        <p:style>
+          <a:lnRef idx="1">
+            <a:schemeClr val="accent1"/>
+          </a:lnRef>
+          <a:fillRef idx="0">
+            <a:schemeClr val="accent1"/>
+          </a:fillRef>
+          <a:effectRef idx="0">
+            <a:schemeClr val="accent1"/>
+          </a:effectRef>
+          <a:fontRef idx="minor">
+            <a:schemeClr val="tx1"/>
+          </a:fontRef>
+        </p:style>
+      </p:cxnSp>
+      <p:pic>
+        <p:nvPicPr>
+          <p:cNvPr id="2050" name="Picture 2"/>
+          <p:cNvPicPr>
+            <a:picLocks noChangeAspect="1" noChangeArrowheads="1"/>
+          </p:cNvPicPr>
+          <p:nvPr/>
+        </p:nvPicPr>
+        <p:blipFill>
+          <a:blip r:embed="rId3" cstate="print"/>
+          <a:srcRect/>
+          <a:stretch>
+            <a:fillRect/>
+          </a:stretch>
+        </p:blipFill>
+        <p:spPr bwMode="auto">
+          <a:xfrm>
+            <a:off x="3276600" y="4267200"/>
+            <a:ext cx="2133600" cy="2409825"/>
+          </a:xfrm>
+          <a:prstGeom prst="rect">
+            <a:avLst/>
+          </a:prstGeom>
+          <a:noFill/>
+          <a:ln w="9525">
+            <a:noFill/>
+            <a:miter lim="800000"/>
+            <a:headEnd/>
+            <a:tailEnd/>
+          </a:ln>
+        </p:spPr>
+      </p:pic>
+    </p:spTree>
+  </p:cSld>
+  <p:clrMapOvr>
+    <a:masterClrMapping/>
+  </p:clrMapOvr>
+</p:sld>
+</file>
+
+<file path=ppt/slides/slide13.xml><?xml version="1.0" encoding="utf-8"?>
+<p:sld xmlns:a="http://schemas.openxmlformats.org/drawingml/2006/main" xmlns:r="http://schemas.openxmlformats.org/officeDocument/2006/relationships" xmlns:p="http://schemas.openxmlformats.org/presentationml/2006/main">
+  <p:cSld>
+    <p:spTree>
+      <p:nvGrpSpPr>
+        <p:cNvPr id="1" name=""/>
+        <p:cNvGrpSpPr/>
+        <p:nvPr/>
+      </p:nvGrpSpPr>
+      <p:grpSpPr>
+        <a:xfrm>
+          <a:off x="0" y="0"/>
+          <a:ext cx="0" cy="0"/>
+          <a:chOff x="0" y="0"/>
+          <a:chExt cx="0" cy="0"/>
+        </a:xfrm>
+      </p:grpSpPr>
+      <p:sp>
+        <p:nvSpPr>
+          <p:cNvPr id="4" name="Rectangle 3"/>
+          <p:cNvSpPr/>
+          <p:nvPr/>
+        </p:nvSpPr>
+        <p:spPr>
+          <a:xfrm>
+            <a:off x="1505482" y="609600"/>
+            <a:ext cx="1981200" cy="1143000"/>
+          </a:xfrm>
+          <a:prstGeom prst="rect">
+            <a:avLst/>
+          </a:prstGeom>
+        </p:spPr>
+        <p:style>
+          <a:lnRef idx="2">
+            <a:schemeClr val="accent1">
+              <a:shade val="50000"/>
+            </a:schemeClr>
+          </a:lnRef>
+          <a:fillRef idx="1">
+            <a:schemeClr val="accent1"/>
+          </a:fillRef>
+          <a:effectRef idx="0">
+            <a:schemeClr val="accent1"/>
+          </a:effectRef>
+          <a:fontRef idx="minor">
+            <a:schemeClr val="lt1"/>
+          </a:fontRef>
+        </p:style>
+        <p:txBody>
+          <a:bodyPr rtlCol="0" anchor="ctr"/>
+          <a:lstStyle/>
+          <a:p>
+            <a:pPr algn="ctr"/>
+            <a:r>
+              <a:rPr lang="en-US" dirty="0" smtClean="0"/>
+              <a:t>Origin</a:t>
+            </a:r>
+          </a:p>
+          <a:p>
+            <a:pPr algn="ctr"/>
+            <a:r>
+              <a:rPr lang="en-US" dirty="0" smtClean="0"/>
+              <a:t>(fork of upstream)</a:t>
+            </a:r>
+            <a:endParaRPr lang="en-US" dirty="0"/>
+          </a:p>
+        </p:txBody>
+      </p:sp>
+      <p:sp>
+        <p:nvSpPr>
+          <p:cNvPr id="5" name="Rectangle 4"/>
+          <p:cNvSpPr/>
+          <p:nvPr/>
+        </p:nvSpPr>
+        <p:spPr>
+          <a:xfrm>
+            <a:off x="4953000" y="609600"/>
+            <a:ext cx="1981200" cy="1143000"/>
+          </a:xfrm>
+          <a:prstGeom prst="rect">
+            <a:avLst/>
+          </a:prstGeom>
+        </p:spPr>
+        <p:style>
+          <a:lnRef idx="2">
+            <a:schemeClr val="accent1">
+              <a:shade val="50000"/>
+            </a:schemeClr>
+          </a:lnRef>
+          <a:fillRef idx="1">
+            <a:schemeClr val="accent1"/>
+          </a:fillRef>
+          <a:effectRef idx="0">
+            <a:schemeClr val="accent1"/>
+          </a:effectRef>
+          <a:fontRef idx="minor">
+            <a:schemeClr val="lt1"/>
+          </a:fontRef>
+        </p:style>
+        <p:txBody>
+          <a:bodyPr rtlCol="0" anchor="ctr"/>
+          <a:lstStyle/>
+          <a:p>
+            <a:pPr algn="ctr"/>
+            <a:r>
+              <a:rPr lang="en-US" dirty="0" smtClean="0"/>
+              <a:t>Upstream</a:t>
+            </a:r>
+            <a:endParaRPr lang="en-US" dirty="0"/>
+          </a:p>
+        </p:txBody>
+      </p:sp>
+      <p:sp>
+        <p:nvSpPr>
+          <p:cNvPr id="7" name="TextBox 6"/>
+          <p:cNvSpPr txBox="1"/>
+          <p:nvPr/>
+        </p:nvSpPr>
+        <p:spPr>
+          <a:xfrm>
+            <a:off x="4953000" y="1752600"/>
+            <a:ext cx="2931508" cy="307777"/>
+          </a:xfrm>
+          <a:prstGeom prst="rect">
+            <a:avLst/>
+          </a:prstGeom>
+          <a:noFill/>
+        </p:spPr>
+        <p:txBody>
+          <a:bodyPr wrap="none" rtlCol="0">
+            <a:spAutoFit/>
+          </a:bodyPr>
+          <a:lstStyle/>
+          <a:p>
+            <a:r>
+              <a:rPr lang="en-US" sz="1400" dirty="0" smtClean="0"/>
+              <a:t>UWPCE-</a:t>
+            </a:r>
+            <a:r>
+              <a:rPr lang="en-US" sz="1400" dirty="0" err="1" smtClean="0"/>
+              <a:t>PythonCert</a:t>
+            </a:r>
+            <a:r>
+              <a:rPr lang="en-US" sz="1400" dirty="0" smtClean="0"/>
+              <a:t>/IntroPython2015</a:t>
+            </a:r>
+          </a:p>
+        </p:txBody>
+      </p:sp>
+      <p:sp>
+        <p:nvSpPr>
+          <p:cNvPr id="21" name="TextBox 20"/>
+          <p:cNvSpPr txBox="1"/>
+          <p:nvPr/>
+        </p:nvSpPr>
+        <p:spPr>
+          <a:xfrm>
+            <a:off x="3581400" y="0"/>
+            <a:ext cx="1000210" cy="461665"/>
+          </a:xfrm>
+          <a:prstGeom prst="rect">
+            <a:avLst/>
+          </a:prstGeom>
+          <a:noFill/>
+        </p:spPr>
+        <p:txBody>
+          <a:bodyPr wrap="none" rtlCol="0">
+            <a:spAutoFit/>
+          </a:bodyPr>
+          <a:lstStyle/>
+          <a:p>
+            <a:r>
+              <a:rPr lang="en-US" sz="2400" dirty="0" smtClean="0"/>
+              <a:t>Merge</a:t>
+            </a:r>
+            <a:endParaRPr lang="en-US" sz="2400" dirty="0" smtClean="0"/>
+          </a:p>
+        </p:txBody>
+      </p:sp>
+      <p:cxnSp>
+        <p:nvCxnSpPr>
+          <p:cNvPr id="12" name="Straight Arrow Connector 11"/>
+          <p:cNvCxnSpPr/>
+          <p:nvPr/>
+        </p:nvCxnSpPr>
+        <p:spPr>
+          <a:xfrm flipH="1">
+            <a:off x="5627015" y="1981200"/>
+            <a:ext cx="164185" cy="457200"/>
+          </a:xfrm>
+          <a:prstGeom prst="straightConnector1">
+            <a:avLst/>
+          </a:prstGeom>
+          <a:ln>
+            <a:tailEnd type="arrow"/>
+          </a:ln>
+        </p:spPr>
+        <p:style>
+          <a:lnRef idx="3">
+            <a:schemeClr val="accent1"/>
+          </a:lnRef>
+          <a:fillRef idx="0">
+            <a:schemeClr val="accent1"/>
+          </a:fillRef>
+          <a:effectRef idx="2">
+            <a:schemeClr val="accent1"/>
+          </a:effectRef>
+          <a:fontRef idx="minor">
+            <a:schemeClr val="tx1"/>
+          </a:fontRef>
+        </p:style>
+      </p:cxnSp>
+      <p:sp>
+        <p:nvSpPr>
+          <p:cNvPr id="13" name="Rectangle 12"/>
+          <p:cNvSpPr/>
+          <p:nvPr/>
+        </p:nvSpPr>
+        <p:spPr>
+          <a:xfrm>
+            <a:off x="1447800" y="1752600"/>
+            <a:ext cx="2124299" cy="307777"/>
+          </a:xfrm>
+          <a:prstGeom prst="rect">
+            <a:avLst/>
+          </a:prstGeom>
+        </p:spPr>
+        <p:txBody>
+          <a:bodyPr wrap="none">
+            <a:spAutoFit/>
+          </a:bodyPr>
+          <a:lstStyle/>
+          <a:p>
+            <a:r>
+              <a:rPr lang="en-US" sz="1400" dirty="0" err="1" smtClean="0"/>
+              <a:t>tycobass</a:t>
+            </a:r>
+            <a:r>
+              <a:rPr lang="en-US" sz="1400" dirty="0" smtClean="0"/>
+              <a:t>/IntroPython2015</a:t>
+            </a:r>
+            <a:endParaRPr lang="en-US" sz="1400" dirty="0"/>
+          </a:p>
+        </p:txBody>
+      </p:sp>
+      <p:sp>
+        <p:nvSpPr>
+          <p:cNvPr id="3081" name="Rectangle 9"/>
+          <p:cNvSpPr>
+            <a:spLocks noChangeArrowheads="1"/>
+          </p:cNvSpPr>
+          <p:nvPr/>
+        </p:nvSpPr>
+        <p:spPr bwMode="auto">
+          <a:xfrm>
+            <a:off x="228600" y="2590800"/>
+            <a:ext cx="7572907" cy="3170099"/>
+          </a:xfrm>
+          <a:prstGeom prst="rect">
+            <a:avLst/>
+          </a:prstGeom>
+          <a:noFill/>
+          <a:ln w="9525">
+            <a:noFill/>
+            <a:miter lim="800000"/>
+            <a:headEnd/>
+            <a:tailEnd/>
+          </a:ln>
+          <a:effectLst/>
+        </p:spPr>
+        <p:txBody>
+          <a:bodyPr vert="horz" wrap="none" lIns="91440" tIns="45720" rIns="91440" bIns="45720" numCol="1" anchor="ctr" anchorCtr="0" compatLnSpc="1">
+            <a:prstTxWarp prst="textNoShape">
+              <a:avLst/>
+            </a:prstTxWarp>
+            <a:spAutoFit/>
+          </a:bodyPr>
+          <a:lstStyle/>
+          <a:p>
+            <a:pPr marL="0" marR="0" lvl="0" indent="0" algn="l" defTabSz="914400" rtl="0" eaLnBrk="1" fontAlgn="base" latinLnBrk="0" hangingPunct="1">
+              <a:lnSpc>
+                <a:spcPct val="100000"/>
+              </a:lnSpc>
+              <a:spcBef>
+                <a:spcPct val="0"/>
+              </a:spcBef>
+              <a:spcAft>
+                <a:spcPct val="0"/>
+              </a:spcAft>
+              <a:buClrTx/>
+              <a:buSzTx/>
+              <a:buFontTx/>
+              <a:buNone/>
+              <a:tabLst/>
+            </a:pPr>
+            <a:r>
+              <a:rPr kumimoji="0" lang="en-US" sz="1000" b="0" i="0" u="none" strike="noStrike" cap="none" normalizeH="0" baseline="0" dirty="0" smtClean="0">
+                <a:ln>
+                  <a:noFill/>
+                </a:ln>
+                <a:solidFill>
+                  <a:schemeClr val="tx1"/>
+                </a:solidFill>
+                <a:effectLst/>
+                <a:latin typeface="Arial Unicode MS" pitchFamily="34" charset="-128"/>
+                <a:cs typeface="Arial" pitchFamily="34" charset="0"/>
+              </a:rPr>
+              <a:t>[</a:t>
+            </a:r>
+            <a:r>
+              <a:rPr kumimoji="0" lang="en-US" sz="1000" b="0" i="0" u="none" strike="noStrike" cap="none" normalizeH="0" baseline="0" dirty="0" err="1" smtClean="0">
+                <a:ln>
+                  <a:noFill/>
+                </a:ln>
+                <a:solidFill>
+                  <a:schemeClr val="tx1"/>
+                </a:solidFill>
+                <a:effectLst/>
+                <a:latin typeface="Arial Unicode MS" pitchFamily="34" charset="-128"/>
+                <a:cs typeface="Arial" pitchFamily="34" charset="0"/>
+              </a:rPr>
+              <a:t>mergetool</a:t>
+            </a:r>
+            <a:r>
+              <a:rPr kumimoji="0" lang="en-US" sz="1000" b="0" i="0" u="none" strike="noStrike" cap="none" normalizeH="0" baseline="0" dirty="0" smtClean="0">
+                <a:ln>
+                  <a:noFill/>
+                </a:ln>
+                <a:solidFill>
+                  <a:schemeClr val="tx1"/>
+                </a:solidFill>
+                <a:effectLst/>
+                <a:latin typeface="Arial Unicode MS" pitchFamily="34" charset="-128"/>
+                <a:cs typeface="Arial" pitchFamily="34" charset="0"/>
+              </a:rPr>
+              <a:t>]</a:t>
+            </a:r>
+          </a:p>
+          <a:p>
+            <a:pPr marL="0" marR="0" lvl="0" indent="0" algn="l" defTabSz="914400" rtl="0" eaLnBrk="1" fontAlgn="base" latinLnBrk="0" hangingPunct="1">
+              <a:lnSpc>
+                <a:spcPct val="100000"/>
+              </a:lnSpc>
+              <a:spcBef>
+                <a:spcPct val="0"/>
+              </a:spcBef>
+              <a:spcAft>
+                <a:spcPct val="0"/>
+              </a:spcAft>
+              <a:buClrTx/>
+              <a:buSzTx/>
+              <a:buFontTx/>
+              <a:buNone/>
+              <a:tabLst/>
+            </a:pPr>
+            <a:r>
+              <a:rPr lang="en-US" sz="1000" dirty="0" smtClean="0">
+                <a:latin typeface="Arial Unicode MS" pitchFamily="34" charset="-128"/>
+                <a:cs typeface="Arial" pitchFamily="34" charset="0"/>
+              </a:rPr>
+              <a:t> </a:t>
+            </a:r>
+            <a:r>
+              <a:rPr lang="en-US" sz="1000" dirty="0" smtClean="0">
+                <a:latin typeface="Arial Unicode MS" pitchFamily="34" charset="-128"/>
+                <a:cs typeface="Arial" pitchFamily="34" charset="0"/>
+              </a:rPr>
+              <a:t>   </a:t>
+            </a:r>
+            <a:r>
+              <a:rPr kumimoji="0" lang="en-US" sz="1000" b="0" i="0" u="none" strike="noStrike" cap="none" normalizeH="0" baseline="0" dirty="0" smtClean="0">
+                <a:ln>
+                  <a:noFill/>
+                </a:ln>
+                <a:solidFill>
+                  <a:schemeClr val="tx1"/>
+                </a:solidFill>
+                <a:effectLst/>
+                <a:latin typeface="Arial Unicode MS" pitchFamily="34" charset="-128"/>
+                <a:cs typeface="Arial" pitchFamily="34" charset="0"/>
+              </a:rPr>
+              <a:t>prompt = false</a:t>
+            </a:r>
+          </a:p>
+          <a:p>
+            <a:pPr marL="0" marR="0" lvl="0" indent="0" algn="l" defTabSz="914400" rtl="0" eaLnBrk="1" fontAlgn="base" latinLnBrk="0" hangingPunct="1">
+              <a:lnSpc>
+                <a:spcPct val="100000"/>
+              </a:lnSpc>
+              <a:spcBef>
+                <a:spcPct val="0"/>
+              </a:spcBef>
+              <a:spcAft>
+                <a:spcPct val="0"/>
+              </a:spcAft>
+              <a:buClrTx/>
+              <a:buSzTx/>
+              <a:buFontTx/>
+              <a:buNone/>
+              <a:tabLst/>
+            </a:pPr>
+            <a:r>
+              <a:rPr lang="en-US" sz="1000" dirty="0" smtClean="0">
+                <a:latin typeface="Arial Unicode MS" pitchFamily="34" charset="-128"/>
+                <a:cs typeface="Arial" pitchFamily="34" charset="0"/>
+              </a:rPr>
+              <a:t> </a:t>
+            </a:r>
+            <a:r>
+              <a:rPr lang="en-US" sz="1000" dirty="0" smtClean="0">
+                <a:latin typeface="Arial Unicode MS" pitchFamily="34" charset="-128"/>
+                <a:cs typeface="Arial" pitchFamily="34" charset="0"/>
+              </a:rPr>
+              <a:t>   </a:t>
+            </a:r>
+            <a:r>
+              <a:rPr kumimoji="0" lang="en-US" sz="1000" b="0" i="0" u="none" strike="noStrike" cap="none" normalizeH="0" baseline="0" dirty="0" err="1" smtClean="0">
+                <a:ln>
+                  <a:noFill/>
+                </a:ln>
+                <a:solidFill>
+                  <a:schemeClr val="tx1"/>
+                </a:solidFill>
+                <a:effectLst/>
+                <a:latin typeface="Arial Unicode MS" pitchFamily="34" charset="-128"/>
+                <a:cs typeface="Arial" pitchFamily="34" charset="0"/>
+              </a:rPr>
+              <a:t>keepBackup</a:t>
+            </a:r>
+            <a:r>
+              <a:rPr kumimoji="0" lang="en-US" sz="1000" b="0" i="0" u="none" strike="noStrike" cap="none" normalizeH="0" baseline="0" dirty="0" smtClean="0">
+                <a:ln>
+                  <a:noFill/>
+                </a:ln>
+                <a:solidFill>
+                  <a:schemeClr val="tx1"/>
+                </a:solidFill>
+                <a:effectLst/>
+                <a:latin typeface="Arial Unicode MS" pitchFamily="34" charset="-128"/>
+                <a:cs typeface="Arial" pitchFamily="34" charset="0"/>
+              </a:rPr>
+              <a:t> = false</a:t>
+            </a:r>
+          </a:p>
+          <a:p>
+            <a:pPr marL="0" marR="0" lvl="0" indent="0" algn="l" defTabSz="914400" rtl="0" eaLnBrk="1" fontAlgn="base" latinLnBrk="0" hangingPunct="1">
+              <a:lnSpc>
+                <a:spcPct val="100000"/>
+              </a:lnSpc>
+              <a:spcBef>
+                <a:spcPct val="0"/>
+              </a:spcBef>
+              <a:spcAft>
+                <a:spcPct val="0"/>
+              </a:spcAft>
+              <a:buClrTx/>
+              <a:buSzTx/>
+              <a:buFontTx/>
+              <a:buNone/>
+              <a:tabLst/>
+            </a:pPr>
+            <a:r>
+              <a:rPr lang="en-US" sz="1000" dirty="0" smtClean="0">
+                <a:latin typeface="Arial Unicode MS" pitchFamily="34" charset="-128"/>
+                <a:cs typeface="Arial" pitchFamily="34" charset="0"/>
+              </a:rPr>
+              <a:t> </a:t>
+            </a:r>
+            <a:r>
+              <a:rPr lang="en-US" sz="1000" dirty="0" smtClean="0">
+                <a:latin typeface="Arial Unicode MS" pitchFamily="34" charset="-128"/>
+                <a:cs typeface="Arial" pitchFamily="34" charset="0"/>
+              </a:rPr>
+              <a:t>   </a:t>
+            </a:r>
+            <a:r>
+              <a:rPr kumimoji="0" lang="en-US" sz="1000" b="0" i="0" u="none" strike="noStrike" cap="none" normalizeH="0" baseline="0" dirty="0" err="1" smtClean="0">
+                <a:ln>
+                  <a:noFill/>
+                </a:ln>
+                <a:solidFill>
+                  <a:schemeClr val="tx1"/>
+                </a:solidFill>
+                <a:effectLst/>
+                <a:latin typeface="Arial Unicode MS" pitchFamily="34" charset="-128"/>
+                <a:cs typeface="Arial" pitchFamily="34" charset="0"/>
+              </a:rPr>
+              <a:t>keepTemporaries</a:t>
+            </a:r>
+            <a:r>
+              <a:rPr kumimoji="0" lang="en-US" sz="1000" b="0" i="0" u="none" strike="noStrike" cap="none" normalizeH="0" baseline="0" dirty="0" smtClean="0">
+                <a:ln>
+                  <a:noFill/>
+                </a:ln>
+                <a:solidFill>
+                  <a:schemeClr val="tx1"/>
+                </a:solidFill>
+                <a:effectLst/>
+                <a:latin typeface="Arial Unicode MS" pitchFamily="34" charset="-128"/>
+                <a:cs typeface="Arial" pitchFamily="34" charset="0"/>
+              </a:rPr>
+              <a:t> = false</a:t>
+            </a:r>
+          </a:p>
+          <a:p>
+            <a:pPr marL="0" marR="0" lvl="0" indent="0" algn="l" defTabSz="914400" rtl="0" eaLnBrk="1" fontAlgn="base" latinLnBrk="0" hangingPunct="1">
+              <a:lnSpc>
+                <a:spcPct val="100000"/>
+              </a:lnSpc>
+              <a:spcBef>
+                <a:spcPct val="0"/>
+              </a:spcBef>
+              <a:spcAft>
+                <a:spcPct val="0"/>
+              </a:spcAft>
+              <a:buClrTx/>
+              <a:buSzTx/>
+              <a:buFontTx/>
+              <a:buNone/>
+              <a:tabLst/>
+            </a:pPr>
+            <a:endParaRPr lang="en-US" sz="1000" dirty="0" smtClean="0">
+              <a:latin typeface="Arial Unicode MS" pitchFamily="34" charset="-128"/>
+              <a:cs typeface="Arial" pitchFamily="34" charset="0"/>
+            </a:endParaRPr>
+          </a:p>
+          <a:p>
+            <a:pPr marL="0" marR="0" lvl="0" indent="0" algn="l" defTabSz="914400" rtl="0" eaLnBrk="1" fontAlgn="base" latinLnBrk="0" hangingPunct="1">
+              <a:lnSpc>
+                <a:spcPct val="100000"/>
+              </a:lnSpc>
+              <a:spcBef>
+                <a:spcPct val="0"/>
+              </a:spcBef>
+              <a:spcAft>
+                <a:spcPct val="0"/>
+              </a:spcAft>
+              <a:buClrTx/>
+              <a:buSzTx/>
+              <a:buFontTx/>
+              <a:buNone/>
+              <a:tabLst/>
+            </a:pPr>
+            <a:r>
+              <a:rPr kumimoji="0" lang="en-US" sz="1000" b="0" i="0" u="none" strike="noStrike" cap="none" normalizeH="0" baseline="0" dirty="0" smtClean="0">
+                <a:ln>
+                  <a:noFill/>
+                </a:ln>
+                <a:solidFill>
+                  <a:schemeClr val="tx1"/>
+                </a:solidFill>
+                <a:effectLst/>
+                <a:latin typeface="Arial Unicode MS" pitchFamily="34" charset="-128"/>
+                <a:cs typeface="Arial" pitchFamily="34" charset="0"/>
+              </a:rPr>
+              <a:t>[merge]</a:t>
+            </a:r>
+          </a:p>
+          <a:p>
+            <a:pPr marL="0" marR="0" lvl="0" indent="0" algn="l" defTabSz="914400" rtl="0" eaLnBrk="1" fontAlgn="base" latinLnBrk="0" hangingPunct="1">
+              <a:lnSpc>
+                <a:spcPct val="100000"/>
+              </a:lnSpc>
+              <a:spcBef>
+                <a:spcPct val="0"/>
+              </a:spcBef>
+              <a:spcAft>
+                <a:spcPct val="0"/>
+              </a:spcAft>
+              <a:buClrTx/>
+              <a:buSzTx/>
+              <a:buFontTx/>
+              <a:buNone/>
+              <a:tabLst/>
+            </a:pPr>
+            <a:r>
+              <a:rPr lang="en-US" sz="1000" dirty="0" smtClean="0">
+                <a:latin typeface="Arial Unicode MS" pitchFamily="34" charset="-128"/>
+                <a:cs typeface="Arial" pitchFamily="34" charset="0"/>
+              </a:rPr>
+              <a:t> </a:t>
+            </a:r>
+            <a:r>
+              <a:rPr lang="en-US" sz="1000" dirty="0" smtClean="0">
+                <a:latin typeface="Arial Unicode MS" pitchFamily="34" charset="-128"/>
+                <a:cs typeface="Arial" pitchFamily="34" charset="0"/>
+              </a:rPr>
+              <a:t>   </a:t>
+            </a:r>
+            <a:r>
+              <a:rPr kumimoji="0" lang="en-US" sz="1000" b="0" i="0" u="none" strike="noStrike" cap="none" normalizeH="0" baseline="0" dirty="0" smtClean="0">
+                <a:ln>
+                  <a:noFill/>
+                </a:ln>
+                <a:solidFill>
+                  <a:schemeClr val="tx1"/>
+                </a:solidFill>
+                <a:effectLst/>
+                <a:latin typeface="Arial Unicode MS" pitchFamily="34" charset="-128"/>
+                <a:cs typeface="Arial" pitchFamily="34" charset="0"/>
+              </a:rPr>
+              <a:t>tool = </a:t>
+            </a:r>
+            <a:r>
+              <a:rPr kumimoji="0" lang="en-US" sz="1000" b="0" i="0" u="none" strike="noStrike" cap="none" normalizeH="0" baseline="0" dirty="0" err="1" smtClean="0">
+                <a:ln>
+                  <a:noFill/>
+                </a:ln>
+                <a:solidFill>
+                  <a:schemeClr val="tx1"/>
+                </a:solidFill>
+                <a:effectLst/>
+                <a:latin typeface="Arial Unicode MS" pitchFamily="34" charset="-128"/>
+                <a:cs typeface="Arial" pitchFamily="34" charset="0"/>
+              </a:rPr>
+              <a:t>winmerge</a:t>
+            </a:r>
+            <a:r>
+              <a:rPr kumimoji="0" lang="en-US" sz="1000" b="0" i="0" u="none" strike="noStrike" cap="none" normalizeH="0" baseline="0" dirty="0" smtClean="0">
+                <a:ln>
+                  <a:noFill/>
+                </a:ln>
+                <a:solidFill>
+                  <a:schemeClr val="tx1"/>
+                </a:solidFill>
+                <a:effectLst/>
+                <a:latin typeface="Arial Unicode MS" pitchFamily="34" charset="-128"/>
+                <a:cs typeface="Arial" pitchFamily="34" charset="0"/>
+              </a:rPr>
+              <a:t> </a:t>
+            </a:r>
+          </a:p>
+          <a:p>
+            <a:pPr marL="0" marR="0" lvl="0" indent="0" algn="l" defTabSz="914400" rtl="0" eaLnBrk="1" fontAlgn="base" latinLnBrk="0" hangingPunct="1">
+              <a:lnSpc>
+                <a:spcPct val="100000"/>
+              </a:lnSpc>
+              <a:spcBef>
+                <a:spcPct val="0"/>
+              </a:spcBef>
+              <a:spcAft>
+                <a:spcPct val="0"/>
+              </a:spcAft>
+              <a:buClrTx/>
+              <a:buSzTx/>
+              <a:buFontTx/>
+              <a:buNone/>
+              <a:tabLst/>
+            </a:pPr>
+            <a:endParaRPr lang="en-US" sz="1000" dirty="0" smtClean="0">
+              <a:latin typeface="Arial Unicode MS" pitchFamily="34" charset="-128"/>
+              <a:cs typeface="Arial" pitchFamily="34" charset="0"/>
+            </a:endParaRPr>
+          </a:p>
+          <a:p>
+            <a:pPr marL="0" marR="0" lvl="0" indent="0" algn="l" defTabSz="914400" rtl="0" eaLnBrk="1" fontAlgn="base" latinLnBrk="0" hangingPunct="1">
+              <a:lnSpc>
+                <a:spcPct val="100000"/>
+              </a:lnSpc>
+              <a:spcBef>
+                <a:spcPct val="0"/>
+              </a:spcBef>
+              <a:spcAft>
+                <a:spcPct val="0"/>
+              </a:spcAft>
+              <a:buClrTx/>
+              <a:buSzTx/>
+              <a:buFontTx/>
+              <a:buNone/>
+              <a:tabLst/>
+            </a:pPr>
+            <a:r>
+              <a:rPr kumimoji="0" lang="en-US" sz="1000" b="0" i="0" u="none" strike="noStrike" cap="none" normalizeH="0" baseline="0" dirty="0" smtClean="0">
+                <a:ln>
+                  <a:noFill/>
+                </a:ln>
+                <a:solidFill>
+                  <a:schemeClr val="tx1"/>
+                </a:solidFill>
+                <a:effectLst/>
+                <a:latin typeface="Arial Unicode MS" pitchFamily="34" charset="-128"/>
+                <a:cs typeface="Arial" pitchFamily="34" charset="0"/>
+              </a:rPr>
+              <a:t>[</a:t>
+            </a:r>
+            <a:r>
+              <a:rPr kumimoji="0" lang="en-US" sz="1000" b="0" i="0" u="none" strike="noStrike" cap="none" normalizeH="0" baseline="0" dirty="0" err="1" smtClean="0">
+                <a:ln>
+                  <a:noFill/>
+                </a:ln>
+                <a:solidFill>
+                  <a:schemeClr val="tx1"/>
+                </a:solidFill>
+                <a:effectLst/>
+                <a:latin typeface="Arial Unicode MS" pitchFamily="34" charset="-128"/>
+                <a:cs typeface="Arial" pitchFamily="34" charset="0"/>
+              </a:rPr>
+              <a:t>mergetool</a:t>
+            </a:r>
+            <a:r>
+              <a:rPr kumimoji="0" lang="en-US" sz="1000" b="0" i="0" u="none" strike="noStrike" cap="none" normalizeH="0" baseline="0" dirty="0" smtClean="0">
+                <a:ln>
+                  <a:noFill/>
+                </a:ln>
+                <a:solidFill>
+                  <a:schemeClr val="tx1"/>
+                </a:solidFill>
+                <a:effectLst/>
+                <a:latin typeface="Arial Unicode MS" pitchFamily="34" charset="-128"/>
+                <a:cs typeface="Arial" pitchFamily="34" charset="0"/>
+              </a:rPr>
+              <a:t> "</a:t>
+            </a:r>
+            <a:r>
+              <a:rPr kumimoji="0" lang="en-US" sz="1000" b="0" i="0" u="none" strike="noStrike" cap="none" normalizeH="0" baseline="0" dirty="0" err="1" smtClean="0">
+                <a:ln>
+                  <a:noFill/>
+                </a:ln>
+                <a:solidFill>
+                  <a:schemeClr val="tx1"/>
+                </a:solidFill>
+                <a:effectLst/>
+                <a:latin typeface="Arial Unicode MS" pitchFamily="34" charset="-128"/>
+                <a:cs typeface="Arial" pitchFamily="34" charset="0"/>
+              </a:rPr>
+              <a:t>winmerge</a:t>
+            </a:r>
+            <a:r>
+              <a:rPr kumimoji="0" lang="en-US" sz="1000" b="0" i="0" u="none" strike="noStrike" cap="none" normalizeH="0" baseline="0" dirty="0" smtClean="0">
+                <a:ln>
+                  <a:noFill/>
+                </a:ln>
+                <a:solidFill>
+                  <a:schemeClr val="tx1"/>
+                </a:solidFill>
+                <a:effectLst/>
+                <a:latin typeface="Arial Unicode MS" pitchFamily="34" charset="-128"/>
+                <a:cs typeface="Arial" pitchFamily="34" charset="0"/>
+              </a:rPr>
+              <a:t>"]</a:t>
+            </a:r>
+          </a:p>
+          <a:p>
+            <a:pPr marL="0" marR="0" lvl="0" indent="0" algn="l" defTabSz="914400" rtl="0" eaLnBrk="1" fontAlgn="base" latinLnBrk="0" hangingPunct="1">
+              <a:lnSpc>
+                <a:spcPct val="100000"/>
+              </a:lnSpc>
+              <a:spcBef>
+                <a:spcPct val="0"/>
+              </a:spcBef>
+              <a:spcAft>
+                <a:spcPct val="0"/>
+              </a:spcAft>
+              <a:buClrTx/>
+              <a:buSzTx/>
+              <a:buFontTx/>
+              <a:buNone/>
+              <a:tabLst/>
+            </a:pPr>
+            <a:r>
+              <a:rPr lang="en-US" sz="1000" dirty="0" smtClean="0">
+                <a:latin typeface="Arial Unicode MS" pitchFamily="34" charset="-128"/>
+                <a:cs typeface="Arial" pitchFamily="34" charset="0"/>
+              </a:rPr>
+              <a:t> </a:t>
+            </a:r>
+            <a:r>
+              <a:rPr lang="en-US" sz="1000" dirty="0" smtClean="0">
+                <a:latin typeface="Arial Unicode MS" pitchFamily="34" charset="-128"/>
+                <a:cs typeface="Arial" pitchFamily="34" charset="0"/>
+              </a:rPr>
+              <a:t>   </a:t>
+            </a:r>
+            <a:r>
+              <a:rPr kumimoji="0" lang="en-US" sz="1000" b="0" i="0" u="none" strike="noStrike" cap="none" normalizeH="0" baseline="0" dirty="0" smtClean="0">
+                <a:ln>
+                  <a:noFill/>
+                </a:ln>
+                <a:solidFill>
+                  <a:schemeClr val="tx1"/>
+                </a:solidFill>
+                <a:effectLst/>
+                <a:latin typeface="Arial Unicode MS" pitchFamily="34" charset="-128"/>
+                <a:cs typeface="Arial" pitchFamily="34" charset="0"/>
+              </a:rPr>
+              <a:t>name = </a:t>
+            </a:r>
+            <a:r>
+              <a:rPr kumimoji="0" lang="en-US" sz="1000" b="0" i="0" u="none" strike="noStrike" cap="none" normalizeH="0" baseline="0" dirty="0" err="1" smtClean="0">
+                <a:ln>
+                  <a:noFill/>
+                </a:ln>
+                <a:solidFill>
+                  <a:schemeClr val="tx1"/>
+                </a:solidFill>
+                <a:effectLst/>
+                <a:latin typeface="Arial Unicode MS" pitchFamily="34" charset="-128"/>
+                <a:cs typeface="Arial" pitchFamily="34" charset="0"/>
+              </a:rPr>
+              <a:t>WinMerge</a:t>
+            </a:r>
+            <a:endParaRPr lang="en-US" sz="1000" dirty="0" smtClean="0">
+              <a:latin typeface="Arial Unicode MS" pitchFamily="34" charset="-128"/>
+              <a:cs typeface="Arial" pitchFamily="34" charset="0"/>
+            </a:endParaRPr>
+          </a:p>
+          <a:p>
+            <a:pPr marL="0" marR="0" lvl="0" indent="0" algn="l" defTabSz="914400" rtl="0" eaLnBrk="1" fontAlgn="base" latinLnBrk="0" hangingPunct="1">
+              <a:lnSpc>
+                <a:spcPct val="100000"/>
+              </a:lnSpc>
+              <a:spcBef>
+                <a:spcPct val="0"/>
+              </a:spcBef>
+              <a:spcAft>
+                <a:spcPct val="0"/>
+              </a:spcAft>
+              <a:buClrTx/>
+              <a:buSzTx/>
+              <a:buFontTx/>
+              <a:buNone/>
+              <a:tabLst/>
+            </a:pPr>
+            <a:r>
+              <a:rPr kumimoji="0" lang="en-US" sz="1000" b="0" i="0" u="none" strike="noStrike" cap="none" normalizeH="0" dirty="0" smtClean="0">
+                <a:ln>
+                  <a:noFill/>
+                </a:ln>
+                <a:solidFill>
+                  <a:schemeClr val="tx1"/>
+                </a:solidFill>
+                <a:effectLst/>
+                <a:latin typeface="Arial Unicode MS" pitchFamily="34" charset="-128"/>
+                <a:cs typeface="Arial" pitchFamily="34" charset="0"/>
+              </a:rPr>
+              <a:t>    </a:t>
+            </a:r>
+            <a:r>
+              <a:rPr kumimoji="0" lang="en-US" sz="1000" b="0" i="0" u="none" strike="noStrike" cap="none" normalizeH="0" baseline="0" dirty="0" err="1" smtClean="0">
+                <a:ln>
+                  <a:noFill/>
+                </a:ln>
+                <a:solidFill>
+                  <a:schemeClr val="tx1"/>
+                </a:solidFill>
+                <a:effectLst/>
+                <a:latin typeface="Arial Unicode MS" pitchFamily="34" charset="-128"/>
+                <a:cs typeface="Arial" pitchFamily="34" charset="0"/>
+              </a:rPr>
+              <a:t>trustExitCode</a:t>
+            </a:r>
+            <a:r>
+              <a:rPr kumimoji="0" lang="en-US" sz="1000" b="0" i="0" u="none" strike="noStrike" cap="none" normalizeH="0" baseline="0" dirty="0" smtClean="0">
+                <a:ln>
+                  <a:noFill/>
+                </a:ln>
+                <a:solidFill>
+                  <a:schemeClr val="tx1"/>
+                </a:solidFill>
+                <a:effectLst/>
+                <a:latin typeface="Arial Unicode MS" pitchFamily="34" charset="-128"/>
+                <a:cs typeface="Arial" pitchFamily="34" charset="0"/>
+              </a:rPr>
+              <a:t> = true</a:t>
+            </a:r>
+          </a:p>
+          <a:p>
+            <a:pPr marL="0" marR="0" lvl="0" indent="0" algn="l" defTabSz="914400" rtl="0" eaLnBrk="1" fontAlgn="base" latinLnBrk="0" hangingPunct="1">
+              <a:lnSpc>
+                <a:spcPct val="100000"/>
+              </a:lnSpc>
+              <a:spcBef>
+                <a:spcPct val="0"/>
+              </a:spcBef>
+              <a:spcAft>
+                <a:spcPct val="0"/>
+              </a:spcAft>
+              <a:buClrTx/>
+              <a:buSzTx/>
+              <a:buFontTx/>
+              <a:buNone/>
+              <a:tabLst/>
+            </a:pPr>
+            <a:r>
+              <a:rPr lang="en-US" sz="1000" dirty="0" smtClean="0">
+                <a:latin typeface="Arial Unicode MS" pitchFamily="34" charset="-128"/>
+                <a:cs typeface="Arial" pitchFamily="34" charset="0"/>
+              </a:rPr>
+              <a:t> </a:t>
+            </a:r>
+            <a:r>
+              <a:rPr lang="en-US" sz="1000" dirty="0" smtClean="0">
+                <a:latin typeface="Arial Unicode MS" pitchFamily="34" charset="-128"/>
+                <a:cs typeface="Arial" pitchFamily="34" charset="0"/>
+              </a:rPr>
+              <a:t>   </a:t>
+            </a:r>
+            <a:r>
+              <a:rPr kumimoji="0" lang="en-US" sz="1000" b="0" i="0" u="none" strike="noStrike" cap="none" normalizeH="0" baseline="0" dirty="0" err="1" smtClean="0">
+                <a:ln>
+                  <a:noFill/>
+                </a:ln>
+                <a:solidFill>
+                  <a:schemeClr val="tx1"/>
+                </a:solidFill>
+                <a:effectLst/>
+                <a:latin typeface="Arial Unicode MS" pitchFamily="34" charset="-128"/>
+                <a:cs typeface="Arial" pitchFamily="34" charset="0"/>
+              </a:rPr>
+              <a:t>cmd</a:t>
+            </a:r>
+            <a:r>
+              <a:rPr kumimoji="0" lang="en-US" sz="1000" b="0" i="0" u="none" strike="noStrike" cap="none" normalizeH="0" baseline="0" dirty="0" smtClean="0">
+                <a:ln>
+                  <a:noFill/>
+                </a:ln>
+                <a:solidFill>
+                  <a:schemeClr val="tx1"/>
+                </a:solidFill>
+                <a:effectLst/>
+                <a:latin typeface="Arial Unicode MS" pitchFamily="34" charset="-128"/>
+                <a:cs typeface="Arial" pitchFamily="34" charset="0"/>
+              </a:rPr>
+              <a:t> = "/c/Program\\ Files\\ \\(x86\\)/</a:t>
+            </a:r>
+            <a:r>
+              <a:rPr kumimoji="0" lang="en-US" sz="1000" b="0" i="0" u="none" strike="noStrike" cap="none" normalizeH="0" baseline="0" dirty="0" err="1" smtClean="0">
+                <a:ln>
+                  <a:noFill/>
+                </a:ln>
+                <a:solidFill>
+                  <a:schemeClr val="tx1"/>
+                </a:solidFill>
+                <a:effectLst/>
+                <a:latin typeface="Arial Unicode MS" pitchFamily="34" charset="-128"/>
+                <a:cs typeface="Arial" pitchFamily="34" charset="0"/>
+              </a:rPr>
+              <a:t>WinMerge</a:t>
+            </a:r>
+            <a:r>
+              <a:rPr kumimoji="0" lang="en-US" sz="1000" b="0" i="0" u="none" strike="noStrike" cap="none" normalizeH="0" baseline="0" dirty="0" smtClean="0">
+                <a:ln>
+                  <a:noFill/>
+                </a:ln>
+                <a:solidFill>
+                  <a:schemeClr val="tx1"/>
+                </a:solidFill>
+                <a:effectLst/>
+                <a:latin typeface="Arial Unicode MS" pitchFamily="34" charset="-128"/>
+                <a:cs typeface="Arial" pitchFamily="34" charset="0"/>
+              </a:rPr>
+              <a:t>/WinMergeU.exe" -u -e -dl \"Local\" -</a:t>
+            </a:r>
+            <a:r>
+              <a:rPr kumimoji="0" lang="en-US" sz="1000" b="0" i="0" u="none" strike="noStrike" cap="none" normalizeH="0" baseline="0" dirty="0" err="1" smtClean="0">
+                <a:ln>
+                  <a:noFill/>
+                </a:ln>
+                <a:solidFill>
+                  <a:schemeClr val="tx1"/>
+                </a:solidFill>
+                <a:effectLst/>
+                <a:latin typeface="Arial Unicode MS" pitchFamily="34" charset="-128"/>
+                <a:cs typeface="Arial" pitchFamily="34" charset="0"/>
+              </a:rPr>
+              <a:t>dr</a:t>
+            </a:r>
+            <a:r>
+              <a:rPr kumimoji="0" lang="en-US" sz="1000" b="0" i="0" u="none" strike="noStrike" cap="none" normalizeH="0" baseline="0" dirty="0" smtClean="0">
+                <a:ln>
+                  <a:noFill/>
+                </a:ln>
+                <a:solidFill>
+                  <a:schemeClr val="tx1"/>
+                </a:solidFill>
+                <a:effectLst/>
+                <a:latin typeface="Arial Unicode MS" pitchFamily="34" charset="-128"/>
+                <a:cs typeface="Arial" pitchFamily="34" charset="0"/>
+              </a:rPr>
+              <a:t> \"Remote\" $LOCAL $REMOTE $MERGED</a:t>
+            </a:r>
+          </a:p>
+          <a:p>
+            <a:pPr marL="0" marR="0" lvl="0" indent="0" algn="l" defTabSz="914400" rtl="0" eaLnBrk="1" fontAlgn="base" latinLnBrk="0" hangingPunct="1">
+              <a:lnSpc>
+                <a:spcPct val="100000"/>
+              </a:lnSpc>
+              <a:spcBef>
+                <a:spcPct val="0"/>
+              </a:spcBef>
+              <a:spcAft>
+                <a:spcPct val="0"/>
+              </a:spcAft>
+              <a:buClrTx/>
+              <a:buSzTx/>
+              <a:buFontTx/>
+              <a:buNone/>
+              <a:tabLst/>
+            </a:pPr>
+            <a:endParaRPr kumimoji="0" lang="en-US" sz="1000" b="0" i="0" u="none" strike="noStrike" cap="none" normalizeH="0" baseline="0" dirty="0" smtClean="0">
+              <a:ln>
+                <a:noFill/>
+              </a:ln>
+              <a:solidFill>
+                <a:schemeClr val="tx1"/>
+              </a:solidFill>
+              <a:effectLst/>
+              <a:latin typeface="Arial Unicode MS" pitchFamily="34" charset="-128"/>
+              <a:cs typeface="Arial" pitchFamily="34" charset="0"/>
+            </a:endParaRPr>
+          </a:p>
+          <a:p>
+            <a:pPr marL="0" marR="0" lvl="0" indent="0" algn="l" defTabSz="914400" rtl="0" eaLnBrk="1" fontAlgn="base" latinLnBrk="0" hangingPunct="1">
+              <a:lnSpc>
+                <a:spcPct val="100000"/>
+              </a:lnSpc>
+              <a:spcBef>
+                <a:spcPct val="0"/>
+              </a:spcBef>
+              <a:spcAft>
+                <a:spcPct val="0"/>
+              </a:spcAft>
+              <a:buClrTx/>
+              <a:buSzTx/>
+              <a:buFontTx/>
+              <a:buNone/>
+              <a:tabLst/>
+            </a:pPr>
+            <a:r>
+              <a:rPr kumimoji="0" lang="en-US" sz="1000" b="0" i="0" u="none" strike="noStrike" cap="none" normalizeH="0" baseline="0" dirty="0" smtClean="0">
+                <a:ln>
+                  <a:noFill/>
+                </a:ln>
+                <a:solidFill>
+                  <a:schemeClr val="tx1"/>
+                </a:solidFill>
+                <a:effectLst/>
+                <a:latin typeface="Arial Unicode MS" pitchFamily="34" charset="-128"/>
+                <a:cs typeface="Arial" pitchFamily="34" charset="0"/>
+              </a:rPr>
+              <a:t>[diff]</a:t>
+            </a:r>
+          </a:p>
+          <a:p>
+            <a:pPr marL="0" marR="0" lvl="0" indent="0" algn="l" defTabSz="914400" rtl="0" eaLnBrk="1" fontAlgn="base" latinLnBrk="0" hangingPunct="1">
+              <a:lnSpc>
+                <a:spcPct val="100000"/>
+              </a:lnSpc>
+              <a:spcBef>
+                <a:spcPct val="0"/>
+              </a:spcBef>
+              <a:spcAft>
+                <a:spcPct val="0"/>
+              </a:spcAft>
+              <a:buClrTx/>
+              <a:buSzTx/>
+              <a:buFontTx/>
+              <a:buNone/>
+              <a:tabLst/>
+            </a:pPr>
+            <a:r>
+              <a:rPr lang="en-US" sz="1000" dirty="0" smtClean="0">
+                <a:latin typeface="Arial Unicode MS" pitchFamily="34" charset="-128"/>
+                <a:cs typeface="Arial" pitchFamily="34" charset="0"/>
+              </a:rPr>
+              <a:t> </a:t>
+            </a:r>
+            <a:r>
+              <a:rPr lang="en-US" sz="1000" dirty="0" smtClean="0">
+                <a:latin typeface="Arial Unicode MS" pitchFamily="34" charset="-128"/>
+                <a:cs typeface="Arial" pitchFamily="34" charset="0"/>
+              </a:rPr>
+              <a:t>   </a:t>
+            </a:r>
+            <a:r>
+              <a:rPr kumimoji="0" lang="en-US" sz="1000" b="0" i="0" u="none" strike="noStrike" cap="none" normalizeH="0" baseline="0" dirty="0" smtClean="0">
+                <a:ln>
+                  <a:noFill/>
+                </a:ln>
+                <a:solidFill>
+                  <a:schemeClr val="tx1"/>
+                </a:solidFill>
+                <a:effectLst/>
+                <a:latin typeface="Arial Unicode MS" pitchFamily="34" charset="-128"/>
+                <a:cs typeface="Arial" pitchFamily="34" charset="0"/>
+              </a:rPr>
+              <a:t>tool = </a:t>
+            </a:r>
+            <a:r>
+              <a:rPr kumimoji="0" lang="en-US" sz="1000" b="0" i="0" u="none" strike="noStrike" cap="none" normalizeH="0" baseline="0" dirty="0" err="1" smtClean="0">
+                <a:ln>
+                  <a:noFill/>
+                </a:ln>
+                <a:solidFill>
+                  <a:schemeClr val="tx1"/>
+                </a:solidFill>
+                <a:effectLst/>
+                <a:latin typeface="Arial Unicode MS" pitchFamily="34" charset="-128"/>
+                <a:cs typeface="Arial" pitchFamily="34" charset="0"/>
+              </a:rPr>
+              <a:t>winmerge</a:t>
+            </a:r>
+            <a:endParaRPr lang="en-US" sz="1000" dirty="0" smtClean="0">
+              <a:latin typeface="Arial Unicode MS" pitchFamily="34" charset="-128"/>
+              <a:cs typeface="Arial" pitchFamily="34" charset="0"/>
+            </a:endParaRPr>
+          </a:p>
+          <a:p>
+            <a:pPr marL="0" marR="0" lvl="0" indent="0" algn="l" defTabSz="914400" rtl="0" eaLnBrk="1" fontAlgn="base" latinLnBrk="0" hangingPunct="1">
+              <a:lnSpc>
+                <a:spcPct val="100000"/>
+              </a:lnSpc>
+              <a:spcBef>
+                <a:spcPct val="0"/>
+              </a:spcBef>
+              <a:spcAft>
+                <a:spcPct val="0"/>
+              </a:spcAft>
+              <a:buClrTx/>
+              <a:buSzTx/>
+              <a:buFontTx/>
+              <a:buNone/>
+              <a:tabLst/>
+            </a:pPr>
+            <a:endParaRPr kumimoji="0" lang="en-US" sz="1000" b="0" i="0" u="none" strike="noStrike" cap="none" normalizeH="0" baseline="0" dirty="0" smtClean="0">
+              <a:ln>
+                <a:noFill/>
+              </a:ln>
+              <a:solidFill>
+                <a:schemeClr val="tx1"/>
+              </a:solidFill>
+              <a:effectLst/>
+              <a:latin typeface="Arial Unicode MS" pitchFamily="34" charset="-128"/>
+              <a:cs typeface="Arial" pitchFamily="34" charset="0"/>
+            </a:endParaRPr>
+          </a:p>
+          <a:p>
+            <a:pPr marL="0" marR="0" lvl="0" indent="0" algn="l" defTabSz="914400" rtl="0" eaLnBrk="1" fontAlgn="base" latinLnBrk="0" hangingPunct="1">
+              <a:lnSpc>
+                <a:spcPct val="100000"/>
+              </a:lnSpc>
+              <a:spcBef>
+                <a:spcPct val="0"/>
+              </a:spcBef>
+              <a:spcAft>
+                <a:spcPct val="0"/>
+              </a:spcAft>
+              <a:buClrTx/>
+              <a:buSzTx/>
+              <a:buFontTx/>
+              <a:buNone/>
+              <a:tabLst/>
+            </a:pPr>
+            <a:r>
+              <a:rPr kumimoji="0" lang="en-US" sz="1000" b="0" i="0" u="none" strike="noStrike" cap="none" normalizeH="0" baseline="0" dirty="0" smtClean="0">
+                <a:ln>
+                  <a:noFill/>
+                </a:ln>
+                <a:solidFill>
+                  <a:schemeClr val="tx1"/>
+                </a:solidFill>
+                <a:effectLst/>
+                <a:latin typeface="Arial Unicode MS" pitchFamily="34" charset="-128"/>
+                <a:cs typeface="Arial" pitchFamily="34" charset="0"/>
+              </a:rPr>
+              <a:t>[</a:t>
+            </a:r>
+            <a:r>
+              <a:rPr kumimoji="0" lang="en-US" sz="1000" b="0" i="0" u="none" strike="noStrike" cap="none" normalizeH="0" baseline="0" dirty="0" err="1" smtClean="0">
+                <a:ln>
+                  <a:noFill/>
+                </a:ln>
+                <a:solidFill>
+                  <a:schemeClr val="tx1"/>
+                </a:solidFill>
+                <a:effectLst/>
+                <a:latin typeface="Arial Unicode MS" pitchFamily="34" charset="-128"/>
+                <a:cs typeface="Arial" pitchFamily="34" charset="0"/>
+              </a:rPr>
+              <a:t>difftool</a:t>
+            </a:r>
+            <a:r>
+              <a:rPr kumimoji="0" lang="en-US" sz="1000" b="0" i="0" u="none" strike="noStrike" cap="none" normalizeH="0" baseline="0" dirty="0" smtClean="0">
+                <a:ln>
+                  <a:noFill/>
+                </a:ln>
+                <a:solidFill>
+                  <a:schemeClr val="tx1"/>
+                </a:solidFill>
+                <a:effectLst/>
+                <a:latin typeface="Arial Unicode MS" pitchFamily="34" charset="-128"/>
+                <a:cs typeface="Arial" pitchFamily="34" charset="0"/>
+              </a:rPr>
+              <a:t> "</a:t>
+            </a:r>
+            <a:r>
+              <a:rPr kumimoji="0" lang="en-US" sz="1000" b="0" i="0" u="none" strike="noStrike" cap="none" normalizeH="0" baseline="0" dirty="0" err="1" smtClean="0">
+                <a:ln>
+                  <a:noFill/>
+                </a:ln>
+                <a:solidFill>
+                  <a:schemeClr val="tx1"/>
+                </a:solidFill>
+                <a:effectLst/>
+                <a:latin typeface="Arial Unicode MS" pitchFamily="34" charset="-128"/>
+                <a:cs typeface="Arial" pitchFamily="34" charset="0"/>
+              </a:rPr>
+              <a:t>winmerge</a:t>
+            </a:r>
+            <a:r>
+              <a:rPr kumimoji="0" lang="en-US" sz="1000" b="0" i="0" u="none" strike="noStrike" cap="none" normalizeH="0" baseline="0" dirty="0" smtClean="0">
+                <a:ln>
+                  <a:noFill/>
+                </a:ln>
+                <a:solidFill>
+                  <a:schemeClr val="tx1"/>
+                </a:solidFill>
+                <a:effectLst/>
+                <a:latin typeface="Arial Unicode MS" pitchFamily="34" charset="-128"/>
+                <a:cs typeface="Arial" pitchFamily="34" charset="0"/>
+              </a:rPr>
+              <a:t>"]</a:t>
+            </a:r>
+          </a:p>
+          <a:p>
+            <a:pPr marL="0" marR="0" lvl="0" indent="0" algn="l" defTabSz="914400" rtl="0" eaLnBrk="1" fontAlgn="base" latinLnBrk="0" hangingPunct="1">
+              <a:lnSpc>
+                <a:spcPct val="100000"/>
+              </a:lnSpc>
+              <a:spcBef>
+                <a:spcPct val="0"/>
+              </a:spcBef>
+              <a:spcAft>
+                <a:spcPct val="0"/>
+              </a:spcAft>
+              <a:buClrTx/>
+              <a:buSzTx/>
+              <a:buFontTx/>
+              <a:buNone/>
+              <a:tabLst/>
+            </a:pPr>
+            <a:r>
+              <a:rPr lang="en-US" sz="1000" dirty="0" smtClean="0">
+                <a:latin typeface="Arial Unicode MS" pitchFamily="34" charset="-128"/>
+                <a:cs typeface="Arial" pitchFamily="34" charset="0"/>
+              </a:rPr>
+              <a:t> </a:t>
+            </a:r>
+            <a:r>
+              <a:rPr lang="en-US" sz="1000" dirty="0" smtClean="0">
+                <a:latin typeface="Arial Unicode MS" pitchFamily="34" charset="-128"/>
+                <a:cs typeface="Arial" pitchFamily="34" charset="0"/>
+              </a:rPr>
+              <a:t>   </a:t>
+            </a:r>
+            <a:r>
+              <a:rPr kumimoji="0" lang="en-US" sz="1000" b="0" i="0" u="none" strike="noStrike" cap="none" normalizeH="0" baseline="0" dirty="0" smtClean="0">
+                <a:ln>
+                  <a:noFill/>
+                </a:ln>
+                <a:solidFill>
+                  <a:schemeClr val="tx1"/>
+                </a:solidFill>
+                <a:effectLst/>
+                <a:latin typeface="Arial Unicode MS" pitchFamily="34" charset="-128"/>
+                <a:cs typeface="Arial" pitchFamily="34" charset="0"/>
+              </a:rPr>
+              <a:t>name = </a:t>
+            </a:r>
+            <a:r>
+              <a:rPr kumimoji="0" lang="en-US" sz="1000" b="0" i="0" u="none" strike="noStrike" cap="none" normalizeH="0" baseline="0" dirty="0" err="1" smtClean="0">
+                <a:ln>
+                  <a:noFill/>
+                </a:ln>
+                <a:solidFill>
+                  <a:schemeClr val="tx1"/>
+                </a:solidFill>
+                <a:effectLst/>
+                <a:latin typeface="Arial Unicode MS" pitchFamily="34" charset="-128"/>
+                <a:cs typeface="Arial" pitchFamily="34" charset="0"/>
+              </a:rPr>
+              <a:t>WinMerge</a:t>
+            </a:r>
+            <a:endParaRPr lang="en-US" sz="1000" dirty="0" smtClean="0">
+              <a:latin typeface="Arial Unicode MS" pitchFamily="34" charset="-128"/>
+              <a:cs typeface="Arial" pitchFamily="34" charset="0"/>
+            </a:endParaRPr>
+          </a:p>
+          <a:p>
+            <a:pPr marL="0" marR="0" lvl="0" indent="0" algn="l" defTabSz="914400" rtl="0" eaLnBrk="1" fontAlgn="base" latinLnBrk="0" hangingPunct="1">
+              <a:lnSpc>
+                <a:spcPct val="100000"/>
+              </a:lnSpc>
+              <a:spcBef>
+                <a:spcPct val="0"/>
+              </a:spcBef>
+              <a:spcAft>
+                <a:spcPct val="0"/>
+              </a:spcAft>
+              <a:buClrTx/>
+              <a:buSzTx/>
+              <a:buFontTx/>
+              <a:buNone/>
+              <a:tabLst/>
+            </a:pPr>
+            <a:r>
+              <a:rPr kumimoji="0" lang="en-US" sz="1000" b="0" i="0" u="none" strike="noStrike" cap="none" normalizeH="0" dirty="0" smtClean="0">
+                <a:ln>
+                  <a:noFill/>
+                </a:ln>
+                <a:solidFill>
+                  <a:schemeClr val="tx1"/>
+                </a:solidFill>
+                <a:effectLst/>
+                <a:latin typeface="Arial Unicode MS" pitchFamily="34" charset="-128"/>
+                <a:cs typeface="Arial" pitchFamily="34" charset="0"/>
+              </a:rPr>
+              <a:t>    </a:t>
+            </a:r>
+            <a:r>
+              <a:rPr kumimoji="0" lang="en-US" sz="1000" b="0" i="0" u="none" strike="noStrike" cap="none" normalizeH="0" baseline="0" dirty="0" err="1" smtClean="0">
+                <a:ln>
+                  <a:noFill/>
+                </a:ln>
+                <a:solidFill>
+                  <a:schemeClr val="tx1"/>
+                </a:solidFill>
+                <a:effectLst/>
+                <a:latin typeface="Arial Unicode MS" pitchFamily="34" charset="-128"/>
+                <a:cs typeface="Arial" pitchFamily="34" charset="0"/>
+              </a:rPr>
+              <a:t>trustExitCode</a:t>
+            </a:r>
+            <a:r>
+              <a:rPr kumimoji="0" lang="en-US" sz="1000" b="0" i="0" u="none" strike="noStrike" cap="none" normalizeH="0" baseline="0" dirty="0" smtClean="0">
+                <a:ln>
+                  <a:noFill/>
+                </a:ln>
+                <a:solidFill>
+                  <a:schemeClr val="tx1"/>
+                </a:solidFill>
+                <a:effectLst/>
+                <a:latin typeface="Arial Unicode MS" pitchFamily="34" charset="-128"/>
+                <a:cs typeface="Arial" pitchFamily="34" charset="0"/>
+              </a:rPr>
+              <a:t> = true</a:t>
+            </a:r>
+          </a:p>
+          <a:p>
+            <a:pPr marL="0" marR="0" lvl="0" indent="0" algn="l" defTabSz="914400" rtl="0" eaLnBrk="1" fontAlgn="base" latinLnBrk="0" hangingPunct="1">
+              <a:lnSpc>
+                <a:spcPct val="100000"/>
+              </a:lnSpc>
+              <a:spcBef>
+                <a:spcPct val="0"/>
+              </a:spcBef>
+              <a:spcAft>
+                <a:spcPct val="0"/>
+              </a:spcAft>
+              <a:buClrTx/>
+              <a:buSzTx/>
+              <a:buFontTx/>
+              <a:buNone/>
+              <a:tabLst/>
+            </a:pPr>
+            <a:r>
+              <a:rPr lang="en-US" sz="1000" dirty="0" smtClean="0">
+                <a:latin typeface="Arial Unicode MS" pitchFamily="34" charset="-128"/>
+                <a:cs typeface="Arial" pitchFamily="34" charset="0"/>
+              </a:rPr>
+              <a:t> </a:t>
+            </a:r>
+            <a:r>
+              <a:rPr lang="en-US" sz="1000" dirty="0" smtClean="0">
+                <a:latin typeface="Arial Unicode MS" pitchFamily="34" charset="-128"/>
+                <a:cs typeface="Arial" pitchFamily="34" charset="0"/>
+              </a:rPr>
+              <a:t>   </a:t>
+            </a:r>
+            <a:r>
+              <a:rPr kumimoji="0" lang="en-US" sz="1000" b="0" i="0" u="none" strike="noStrike" cap="none" normalizeH="0" baseline="0" dirty="0" err="1" smtClean="0">
+                <a:ln>
+                  <a:noFill/>
+                </a:ln>
+                <a:solidFill>
+                  <a:schemeClr val="tx1"/>
+                </a:solidFill>
+                <a:effectLst/>
+                <a:latin typeface="Arial Unicode MS" pitchFamily="34" charset="-128"/>
+                <a:cs typeface="Arial" pitchFamily="34" charset="0"/>
+              </a:rPr>
+              <a:t>cmd</a:t>
+            </a:r>
+            <a:r>
+              <a:rPr kumimoji="0" lang="en-US" sz="1000" b="0" i="0" u="none" strike="noStrike" cap="none" normalizeH="0" baseline="0" dirty="0" smtClean="0">
+                <a:ln>
+                  <a:noFill/>
+                </a:ln>
+                <a:solidFill>
+                  <a:schemeClr val="tx1"/>
+                </a:solidFill>
+                <a:effectLst/>
+                <a:latin typeface="Arial Unicode MS" pitchFamily="34" charset="-128"/>
+                <a:cs typeface="Arial" pitchFamily="34" charset="0"/>
+              </a:rPr>
+              <a:t> = "/c/Program\\ Files\\ \\(x86\\)/</a:t>
+            </a:r>
+            <a:r>
+              <a:rPr kumimoji="0" lang="en-US" sz="1000" b="0" i="0" u="none" strike="noStrike" cap="none" normalizeH="0" baseline="0" dirty="0" err="1" smtClean="0">
+                <a:ln>
+                  <a:noFill/>
+                </a:ln>
+                <a:solidFill>
+                  <a:schemeClr val="tx1"/>
+                </a:solidFill>
+                <a:effectLst/>
+                <a:latin typeface="Arial Unicode MS" pitchFamily="34" charset="-128"/>
+                <a:cs typeface="Arial" pitchFamily="34" charset="0"/>
+              </a:rPr>
+              <a:t>WinMerge</a:t>
+            </a:r>
+            <a:r>
+              <a:rPr kumimoji="0" lang="en-US" sz="1000" b="0" i="0" u="none" strike="noStrike" cap="none" normalizeH="0" baseline="0" dirty="0" smtClean="0">
+                <a:ln>
+                  <a:noFill/>
+                </a:ln>
+                <a:solidFill>
+                  <a:schemeClr val="tx1"/>
+                </a:solidFill>
+                <a:effectLst/>
+                <a:latin typeface="Arial Unicode MS" pitchFamily="34" charset="-128"/>
+                <a:cs typeface="Arial" pitchFamily="34" charset="0"/>
+              </a:rPr>
+              <a:t>/WinMergeU.exe" -u -e $LOCAL $REMOTE</a:t>
+            </a:r>
+            <a:r>
+              <a:rPr kumimoji="0" lang="en-US" sz="900" b="0" i="0" u="none" strike="noStrike" cap="none" normalizeH="0" baseline="0" dirty="0" smtClean="0">
+                <a:ln>
+                  <a:noFill/>
+                </a:ln>
+                <a:solidFill>
+                  <a:schemeClr val="tx1"/>
+                </a:solidFill>
+                <a:effectLst/>
+                <a:latin typeface="Arial" pitchFamily="34" charset="0"/>
+                <a:cs typeface="Arial" pitchFamily="34" charset="0"/>
+              </a:rPr>
+              <a:t> </a:t>
+            </a:r>
+            <a:endParaRPr kumimoji="0" lang="en-US" sz="1800" b="0" i="0" u="none" strike="noStrike" cap="none" normalizeH="0" baseline="0" dirty="0" smtClean="0">
+              <a:ln>
+                <a:noFill/>
+              </a:ln>
+              <a:solidFill>
+                <a:schemeClr val="tx1"/>
+              </a:solidFill>
+              <a:effectLst/>
+              <a:latin typeface="Arial" pitchFamily="34" charset="0"/>
+              <a:cs typeface="Arial" pitchFamily="34" charset="0"/>
+            </a:endParaRPr>
+          </a:p>
+        </p:txBody>
+      </p:sp>
+      <p:sp>
+        <p:nvSpPr>
+          <p:cNvPr id="32" name="Rectangle 31"/>
+          <p:cNvSpPr/>
+          <p:nvPr/>
+        </p:nvSpPr>
+        <p:spPr>
+          <a:xfrm>
+            <a:off x="228600" y="2133600"/>
+            <a:ext cx="3561809" cy="646331"/>
+          </a:xfrm>
+          <a:prstGeom prst="rect">
+            <a:avLst/>
+          </a:prstGeom>
+        </p:spPr>
+        <p:txBody>
+          <a:bodyPr wrap="none">
+            <a:spAutoFit/>
+          </a:bodyPr>
+          <a:lstStyle/>
+          <a:p>
+            <a:r>
+              <a:rPr lang="en-US" dirty="0" err="1" smtClean="0"/>
+              <a:t>s</a:t>
+            </a:r>
+            <a:r>
+              <a:rPr lang="en-US" dirty="0" err="1" smtClean="0"/>
+              <a:t>hawndamus</a:t>
+            </a:r>
+            <a:endParaRPr lang="en-US" dirty="0" smtClean="0"/>
+          </a:p>
+          <a:p>
+            <a:r>
+              <a:rPr lang="en-US" dirty="0" smtClean="0"/>
+              <a:t>https</a:t>
+            </a:r>
+            <a:r>
+              <a:rPr lang="en-US" dirty="0" smtClean="0"/>
+              <a:t>://gist.github.com/6158524.git</a:t>
+            </a:r>
+            <a:endParaRPr lang="en-US" dirty="0"/>
+          </a:p>
+        </p:txBody>
+      </p:sp>
+    </p:spTree>
+  </p:cSld>
+  <p:clrMapOvr>
+    <a:masterClrMapping/>
+  </p:clrMapOvr>
+  <p:timing>
+    <p:tnLst>
+      <p:par>
+        <p:cTn id="1" dur="indefinite" restart="never" nodeType="tmRoot"/>
+      </p:par>
+    </p:tnLst>
+  </p:timing>
 </p:sld>
 </file>
 

--- a/students/eric_v/debris/Using_git.pptx
+++ b/students/eric_v/debris/Using_git.pptx
@@ -18,6 +18,7 @@
     <p:sldId id="270" r:id="rId12"/>
     <p:sldId id="272" r:id="rId13"/>
     <p:sldId id="273" r:id="rId14"/>
+    <p:sldId id="274" r:id="rId15"/>
   </p:sldIdLst>
   <p:sldSz cx="9144000" cy="6858000" type="screen4x3"/>
   <p:notesSz cx="6934200" cy="9220200"/>
@@ -301,7 +302,7 @@
             <a:fld id="{3159C66E-6022-41FD-AC9F-85F12CCF35E0}" type="datetimeFigureOut">
               <a:rPr lang="en-US" smtClean="0"/>
               <a:pPr/>
-              <a:t>11/11/2015</a:t>
+              <a:t>11/15/2015</a:t>
             </a:fld>
             <a:endParaRPr lang="en-US"/>
           </a:p>
@@ -468,7 +469,7 @@
             <a:fld id="{3159C66E-6022-41FD-AC9F-85F12CCF35E0}" type="datetimeFigureOut">
               <a:rPr lang="en-US" smtClean="0"/>
               <a:pPr/>
-              <a:t>11/11/2015</a:t>
+              <a:t>11/15/2015</a:t>
             </a:fld>
             <a:endParaRPr lang="en-US"/>
           </a:p>
@@ -645,7 +646,7 @@
             <a:fld id="{3159C66E-6022-41FD-AC9F-85F12CCF35E0}" type="datetimeFigureOut">
               <a:rPr lang="en-US" smtClean="0"/>
               <a:pPr/>
-              <a:t>11/11/2015</a:t>
+              <a:t>11/15/2015</a:t>
             </a:fld>
             <a:endParaRPr lang="en-US"/>
           </a:p>
@@ -812,7 +813,7 @@
             <a:fld id="{3159C66E-6022-41FD-AC9F-85F12CCF35E0}" type="datetimeFigureOut">
               <a:rPr lang="en-US" smtClean="0"/>
               <a:pPr/>
-              <a:t>11/11/2015</a:t>
+              <a:t>11/15/2015</a:t>
             </a:fld>
             <a:endParaRPr lang="en-US"/>
           </a:p>
@@ -1055,7 +1056,7 @@
             <a:fld id="{3159C66E-6022-41FD-AC9F-85F12CCF35E0}" type="datetimeFigureOut">
               <a:rPr lang="en-US" smtClean="0"/>
               <a:pPr/>
-              <a:t>11/11/2015</a:t>
+              <a:t>11/15/2015</a:t>
             </a:fld>
             <a:endParaRPr lang="en-US"/>
           </a:p>
@@ -1340,7 +1341,7 @@
             <a:fld id="{3159C66E-6022-41FD-AC9F-85F12CCF35E0}" type="datetimeFigureOut">
               <a:rPr lang="en-US" smtClean="0"/>
               <a:pPr/>
-              <a:t>11/11/2015</a:t>
+              <a:t>11/15/2015</a:t>
             </a:fld>
             <a:endParaRPr lang="en-US"/>
           </a:p>
@@ -1759,7 +1760,7 @@
             <a:fld id="{3159C66E-6022-41FD-AC9F-85F12CCF35E0}" type="datetimeFigureOut">
               <a:rPr lang="en-US" smtClean="0"/>
               <a:pPr/>
-              <a:t>11/11/2015</a:t>
+              <a:t>11/15/2015</a:t>
             </a:fld>
             <a:endParaRPr lang="en-US"/>
           </a:p>
@@ -1874,7 +1875,7 @@
             <a:fld id="{3159C66E-6022-41FD-AC9F-85F12CCF35E0}" type="datetimeFigureOut">
               <a:rPr lang="en-US" smtClean="0"/>
               <a:pPr/>
-              <a:t>11/11/2015</a:t>
+              <a:t>11/15/2015</a:t>
             </a:fld>
             <a:endParaRPr lang="en-US"/>
           </a:p>
@@ -1966,7 +1967,7 @@
             <a:fld id="{3159C66E-6022-41FD-AC9F-85F12CCF35E0}" type="datetimeFigureOut">
               <a:rPr lang="en-US" smtClean="0"/>
               <a:pPr/>
-              <a:t>11/11/2015</a:t>
+              <a:t>11/15/2015</a:t>
             </a:fld>
             <a:endParaRPr lang="en-US"/>
           </a:p>
@@ -2240,7 +2241,7 @@
             <a:fld id="{3159C66E-6022-41FD-AC9F-85F12CCF35E0}" type="datetimeFigureOut">
               <a:rPr lang="en-US" smtClean="0"/>
               <a:pPr/>
-              <a:t>11/11/2015</a:t>
+              <a:t>11/15/2015</a:t>
             </a:fld>
             <a:endParaRPr lang="en-US"/>
           </a:p>
@@ -2490,7 +2491,7 @@
             <a:fld id="{3159C66E-6022-41FD-AC9F-85F12CCF35E0}" type="datetimeFigureOut">
               <a:rPr lang="en-US" smtClean="0"/>
               <a:pPr/>
-              <a:t>11/11/2015</a:t>
+              <a:t>11/15/2015</a:t>
             </a:fld>
             <a:endParaRPr lang="en-US"/>
           </a:p>
@@ -2700,7 +2701,7 @@
             <a:fld id="{3159C66E-6022-41FD-AC9F-85F12CCF35E0}" type="datetimeFigureOut">
               <a:rPr lang="en-US" smtClean="0"/>
               <a:pPr/>
-              <a:t>11/11/2015</a:t>
+              <a:t>11/15/2015</a:t>
             </a:fld>
             <a:endParaRPr lang="en-US"/>
           </a:p>
@@ -3921,11 +3922,7 @@
             <a:pPr marL="342900" indent="-342900"/>
             <a:r>
               <a:rPr lang="en-US" dirty="0" smtClean="0"/>
-              <a:t>2) Follow </a:t>
-            </a:r>
-            <a:r>
-              <a:rPr lang="en-US" dirty="0" smtClean="0"/>
-              <a:t>instructions</a:t>
+              <a:t>2) Follow instructions</a:t>
             </a:r>
           </a:p>
           <a:p>
@@ -3934,7 +3931,6 @@
               <a:rPr lang="en-US" dirty="0" smtClean="0"/>
               <a:t>3) Triggers e-mail to Upstream owner</a:t>
             </a:r>
-            <a:endParaRPr lang="en-US" dirty="0" smtClean="0"/>
           </a:p>
           <a:p>
             <a:pPr marL="342900" indent="-342900"/>
@@ -4419,7 +4415,6 @@
               <a:rPr lang="en-US" sz="2400" dirty="0" smtClean="0"/>
               <a:t>Merge</a:t>
             </a:r>
-            <a:endParaRPr lang="en-US" sz="2400" dirty="0" smtClean="0"/>
           </a:p>
         </p:txBody>
       </p:sp>
@@ -4673,14 +4668,12 @@
               <a:rPr lang="en-US" dirty="0" smtClean="0"/>
               <a:t> pull upstream master</a:t>
             </a:r>
-            <a:endParaRPr lang="en-US" dirty="0" smtClean="0"/>
           </a:p>
           <a:p>
             <a:r>
               <a:rPr lang="en-US" dirty="0" smtClean="0"/>
               <a:t>Changes that have occurred in Upstream must now be merged with existing files</a:t>
             </a:r>
-            <a:endParaRPr lang="en-US" dirty="0" smtClean="0"/>
           </a:p>
         </p:txBody>
       </p:sp>
@@ -4958,7 +4951,6 @@
               <a:rPr lang="en-US" sz="2400" dirty="0" smtClean="0"/>
               <a:t>Merge</a:t>
             </a:r>
-            <a:endParaRPr lang="en-US" sz="2400" dirty="0" smtClean="0"/>
           </a:p>
         </p:txBody>
       </p:sp>
@@ -5212,14 +5204,12 @@
               <a:rPr lang="en-US" dirty="0" smtClean="0"/>
               <a:t> pull upstream master</a:t>
             </a:r>
-            <a:endParaRPr lang="en-US" dirty="0" smtClean="0"/>
           </a:p>
           <a:p>
             <a:r>
               <a:rPr lang="en-US" dirty="0" smtClean="0"/>
               <a:t>Changes that have occurred in Upstream must now be merged with existing files</a:t>
             </a:r>
-            <a:endParaRPr lang="en-US" dirty="0" smtClean="0"/>
           </a:p>
         </p:txBody>
       </p:sp>
@@ -5471,7 +5461,6 @@
               <a:rPr lang="en-US" sz="2400" dirty="0" smtClean="0"/>
               <a:t>Merge</a:t>
             </a:r>
-            <a:endParaRPr lang="en-US" sz="2400" dirty="0" smtClean="0"/>
           </a:p>
         </p:txBody>
       </p:sp>
@@ -5656,14 +5645,7 @@
                 <a:latin typeface="Arial Unicode MS" pitchFamily="34" charset="-128"/>
                 <a:cs typeface="Arial" pitchFamily="34" charset="0"/>
               </a:rPr>
-              <a:t> </a:t>
-            </a:r>
-            <a:r>
-              <a:rPr lang="en-US" sz="1000" dirty="0" smtClean="0">
-                <a:latin typeface="Arial Unicode MS" pitchFamily="34" charset="-128"/>
-                <a:cs typeface="Arial" pitchFamily="34" charset="0"/>
-              </a:rPr>
-              <a:t>   </a:t>
+              <a:t>    </a:t>
             </a:r>
             <a:r>
               <a:rPr kumimoji="0" lang="en-US" sz="1000" b="0" i="0" u="none" strike="noStrike" cap="none" normalizeH="0" baseline="0" dirty="0" smtClean="0">
@@ -5702,14 +5684,7 @@
                 <a:latin typeface="Arial Unicode MS" pitchFamily="34" charset="-128"/>
                 <a:cs typeface="Arial" pitchFamily="34" charset="0"/>
               </a:rPr>
-              <a:t> </a:t>
-            </a:r>
-            <a:r>
-              <a:rPr lang="en-US" sz="1000" dirty="0" smtClean="0">
-                <a:latin typeface="Arial Unicode MS" pitchFamily="34" charset="-128"/>
-                <a:cs typeface="Arial" pitchFamily="34" charset="0"/>
-              </a:rPr>
-              <a:t>   </a:t>
+              <a:t>    </a:t>
             </a:r>
             <a:r>
               <a:rPr kumimoji="0" lang="en-US" sz="1000" b="0" i="0" u="none" strike="noStrike" cap="none" normalizeH="0" baseline="0" dirty="0" err="1" smtClean="0">
@@ -5762,14 +5737,7 @@
                 <a:latin typeface="Arial Unicode MS" pitchFamily="34" charset="-128"/>
                 <a:cs typeface="Arial" pitchFamily="34" charset="0"/>
               </a:rPr>
-              <a:t> </a:t>
-            </a:r>
-            <a:r>
-              <a:rPr lang="en-US" sz="1000" dirty="0" smtClean="0">
-                <a:latin typeface="Arial Unicode MS" pitchFamily="34" charset="-128"/>
-                <a:cs typeface="Arial" pitchFamily="34" charset="0"/>
-              </a:rPr>
-              <a:t>   </a:t>
+              <a:t>    </a:t>
             </a:r>
             <a:r>
               <a:rPr kumimoji="0" lang="en-US" sz="1000" b="0" i="0" u="none" strike="noStrike" cap="none" normalizeH="0" baseline="0" dirty="0" err="1" smtClean="0">
@@ -5876,14 +5844,7 @@
                 <a:latin typeface="Arial Unicode MS" pitchFamily="34" charset="-128"/>
                 <a:cs typeface="Arial" pitchFamily="34" charset="0"/>
               </a:rPr>
-              <a:t> </a:t>
-            </a:r>
-            <a:r>
-              <a:rPr lang="en-US" sz="1000" dirty="0" smtClean="0">
-                <a:latin typeface="Arial Unicode MS" pitchFamily="34" charset="-128"/>
-                <a:cs typeface="Arial" pitchFamily="34" charset="0"/>
-              </a:rPr>
-              <a:t>   </a:t>
+              <a:t>    </a:t>
             </a:r>
             <a:r>
               <a:rPr kumimoji="0" lang="en-US" sz="1000" b="0" i="0" u="none" strike="noStrike" cap="none" normalizeH="0" baseline="0" dirty="0" smtClean="0">
@@ -6060,14 +6021,7 @@
                 <a:latin typeface="Arial Unicode MS" pitchFamily="34" charset="-128"/>
                 <a:cs typeface="Arial" pitchFamily="34" charset="0"/>
               </a:rPr>
-              <a:t> </a:t>
-            </a:r>
-            <a:r>
-              <a:rPr lang="en-US" sz="1000" dirty="0" smtClean="0">
-                <a:latin typeface="Arial Unicode MS" pitchFamily="34" charset="-128"/>
-                <a:cs typeface="Arial" pitchFamily="34" charset="0"/>
-              </a:rPr>
-              <a:t>   </a:t>
+              <a:t>    </a:t>
             </a:r>
             <a:r>
               <a:rPr kumimoji="0" lang="en-US" sz="1000" b="0" i="0" u="none" strike="noStrike" cap="none" normalizeH="0" baseline="0" dirty="0" smtClean="0">
@@ -6184,14 +6138,7 @@
                 <a:latin typeface="Arial Unicode MS" pitchFamily="34" charset="-128"/>
                 <a:cs typeface="Arial" pitchFamily="34" charset="0"/>
               </a:rPr>
-              <a:t> </a:t>
-            </a:r>
-            <a:r>
-              <a:rPr lang="en-US" sz="1000" dirty="0" smtClean="0">
-                <a:latin typeface="Arial Unicode MS" pitchFamily="34" charset="-128"/>
-                <a:cs typeface="Arial" pitchFamily="34" charset="0"/>
-              </a:rPr>
-              <a:t>   </a:t>
+              <a:t>    </a:t>
             </a:r>
             <a:r>
               <a:rPr kumimoji="0" lang="en-US" sz="1000" b="0" i="0" u="none" strike="noStrike" cap="none" normalizeH="0" baseline="0" dirty="0" err="1" smtClean="0">
@@ -6361,14 +6308,7 @@
                 <a:latin typeface="Arial Unicode MS" pitchFamily="34" charset="-128"/>
                 <a:cs typeface="Arial" pitchFamily="34" charset="0"/>
               </a:rPr>
-              <a:t> </a:t>
-            </a:r>
-            <a:r>
-              <a:rPr lang="en-US" sz="1000" dirty="0" smtClean="0">
-                <a:latin typeface="Arial Unicode MS" pitchFamily="34" charset="-128"/>
-                <a:cs typeface="Arial" pitchFamily="34" charset="0"/>
-              </a:rPr>
-              <a:t>   </a:t>
+              <a:t>    </a:t>
             </a:r>
             <a:r>
               <a:rPr kumimoji="0" lang="en-US" sz="1000" b="0" i="0" u="none" strike="noStrike" cap="none" normalizeH="0" baseline="0" dirty="0" smtClean="0">
@@ -6542,14 +6482,7 @@
                 <a:latin typeface="Arial Unicode MS" pitchFamily="34" charset="-128"/>
                 <a:cs typeface="Arial" pitchFamily="34" charset="0"/>
               </a:rPr>
-              <a:t> </a:t>
-            </a:r>
-            <a:r>
-              <a:rPr lang="en-US" sz="1000" dirty="0" smtClean="0">
-                <a:latin typeface="Arial Unicode MS" pitchFamily="34" charset="-128"/>
-                <a:cs typeface="Arial" pitchFamily="34" charset="0"/>
-              </a:rPr>
-              <a:t>   </a:t>
+              <a:t>    </a:t>
             </a:r>
             <a:r>
               <a:rPr kumimoji="0" lang="en-US" sz="1000" b="0" i="0" u="none" strike="noStrike" cap="none" normalizeH="0" baseline="0" dirty="0" smtClean="0">
@@ -6666,14 +6599,7 @@
                 <a:latin typeface="Arial Unicode MS" pitchFamily="34" charset="-128"/>
                 <a:cs typeface="Arial" pitchFamily="34" charset="0"/>
               </a:rPr>
-              <a:t> </a:t>
-            </a:r>
-            <a:r>
-              <a:rPr lang="en-US" sz="1000" dirty="0" smtClean="0">
-                <a:latin typeface="Arial Unicode MS" pitchFamily="34" charset="-128"/>
-                <a:cs typeface="Arial" pitchFamily="34" charset="0"/>
-              </a:rPr>
-              <a:t>   </a:t>
+              <a:t>    </a:t>
             </a:r>
             <a:r>
               <a:rPr kumimoji="0" lang="en-US" sz="1000" b="0" i="0" u="none" strike="noStrike" cap="none" normalizeH="0" baseline="0" dirty="0" err="1" smtClean="0">
@@ -6782,24 +6708,480 @@
           <a:p>
             <a:r>
               <a:rPr lang="en-US" dirty="0" err="1" smtClean="0"/>
-              <a:t>s</a:t>
-            </a:r>
-            <a:r>
-              <a:rPr lang="en-US" dirty="0" err="1" smtClean="0"/>
-              <a:t>hawndamus</a:t>
+              <a:t>shawndamus</a:t>
             </a:r>
             <a:endParaRPr lang="en-US" dirty="0" smtClean="0"/>
           </a:p>
           <a:p>
             <a:r>
               <a:rPr lang="en-US" dirty="0" smtClean="0"/>
-              <a:t>https</a:t>
-            </a:r>
+              <a:t>https://gist.github.com/6158524.git</a:t>
+            </a:r>
+            <a:endParaRPr lang="en-US" dirty="0"/>
+          </a:p>
+        </p:txBody>
+      </p:sp>
+    </p:spTree>
+  </p:cSld>
+  <p:clrMapOvr>
+    <a:masterClrMapping/>
+  </p:clrMapOvr>
+  <p:timing>
+    <p:tnLst>
+      <p:par>
+        <p:cTn id="1" dur="indefinite" restart="never" nodeType="tmRoot"/>
+      </p:par>
+    </p:tnLst>
+  </p:timing>
+</p:sld>
+</file>
+
+<file path=ppt/slides/slide14.xml><?xml version="1.0" encoding="utf-8"?>
+<p:sld xmlns:a="http://schemas.openxmlformats.org/drawingml/2006/main" xmlns:r="http://schemas.openxmlformats.org/officeDocument/2006/relationships" xmlns:p="http://schemas.openxmlformats.org/presentationml/2006/main">
+  <p:cSld>
+    <p:spTree>
+      <p:nvGrpSpPr>
+        <p:cNvPr id="1" name=""/>
+        <p:cNvGrpSpPr/>
+        <p:nvPr/>
+      </p:nvGrpSpPr>
+      <p:grpSpPr>
+        <a:xfrm>
+          <a:off x="0" y="0"/>
+          <a:ext cx="0" cy="0"/>
+          <a:chOff x="0" y="0"/>
+          <a:chExt cx="0" cy="0"/>
+        </a:xfrm>
+      </p:grpSpPr>
+      <p:sp>
+        <p:nvSpPr>
+          <p:cNvPr id="4" name="Rectangle 3"/>
+          <p:cNvSpPr/>
+          <p:nvPr/>
+        </p:nvSpPr>
+        <p:spPr>
+          <a:xfrm>
+            <a:off x="1505482" y="609600"/>
+            <a:ext cx="1981200" cy="1143000"/>
+          </a:xfrm>
+          <a:prstGeom prst="rect">
+            <a:avLst/>
+          </a:prstGeom>
+        </p:spPr>
+        <p:style>
+          <a:lnRef idx="2">
+            <a:schemeClr val="accent1">
+              <a:shade val="50000"/>
+            </a:schemeClr>
+          </a:lnRef>
+          <a:fillRef idx="1">
+            <a:schemeClr val="accent1"/>
+          </a:fillRef>
+          <a:effectRef idx="0">
+            <a:schemeClr val="accent1"/>
+          </a:effectRef>
+          <a:fontRef idx="minor">
+            <a:schemeClr val="lt1"/>
+          </a:fontRef>
+        </p:style>
+        <p:txBody>
+          <a:bodyPr rtlCol="0" anchor="ctr"/>
+          <a:lstStyle/>
+          <a:p>
+            <a:pPr algn="ctr"/>
             <a:r>
               <a:rPr lang="en-US" dirty="0" smtClean="0"/>
-              <a:t>://gist.github.com/6158524.git</a:t>
+              <a:t>Origin</a:t>
+            </a:r>
+          </a:p>
+          <a:p>
+            <a:pPr algn="ctr"/>
+            <a:r>
+              <a:rPr lang="en-US" dirty="0" smtClean="0"/>
+              <a:t>(fork of upstream)</a:t>
             </a:r>
             <a:endParaRPr lang="en-US" dirty="0"/>
+          </a:p>
+        </p:txBody>
+      </p:sp>
+      <p:sp>
+        <p:nvSpPr>
+          <p:cNvPr id="5" name="Rectangle 4"/>
+          <p:cNvSpPr/>
+          <p:nvPr/>
+        </p:nvSpPr>
+        <p:spPr>
+          <a:xfrm>
+            <a:off x="4953000" y="609600"/>
+            <a:ext cx="1981200" cy="1143000"/>
+          </a:xfrm>
+          <a:prstGeom prst="rect">
+            <a:avLst/>
+          </a:prstGeom>
+        </p:spPr>
+        <p:style>
+          <a:lnRef idx="2">
+            <a:schemeClr val="accent1">
+              <a:shade val="50000"/>
+            </a:schemeClr>
+          </a:lnRef>
+          <a:fillRef idx="1">
+            <a:schemeClr val="accent1"/>
+          </a:fillRef>
+          <a:effectRef idx="0">
+            <a:schemeClr val="accent1"/>
+          </a:effectRef>
+          <a:fontRef idx="minor">
+            <a:schemeClr val="lt1"/>
+          </a:fontRef>
+        </p:style>
+        <p:txBody>
+          <a:bodyPr rtlCol="0" anchor="ctr"/>
+          <a:lstStyle/>
+          <a:p>
+            <a:pPr algn="ctr"/>
+            <a:r>
+              <a:rPr lang="en-US" dirty="0" smtClean="0"/>
+              <a:t>Upstream</a:t>
+            </a:r>
+            <a:endParaRPr lang="en-US" dirty="0"/>
+          </a:p>
+        </p:txBody>
+      </p:sp>
+      <p:sp>
+        <p:nvSpPr>
+          <p:cNvPr id="7" name="TextBox 6"/>
+          <p:cNvSpPr txBox="1"/>
+          <p:nvPr/>
+        </p:nvSpPr>
+        <p:spPr>
+          <a:xfrm>
+            <a:off x="4953000" y="1752600"/>
+            <a:ext cx="2931508" cy="307777"/>
+          </a:xfrm>
+          <a:prstGeom prst="rect">
+            <a:avLst/>
+          </a:prstGeom>
+          <a:noFill/>
+        </p:spPr>
+        <p:txBody>
+          <a:bodyPr wrap="none" rtlCol="0">
+            <a:spAutoFit/>
+          </a:bodyPr>
+          <a:lstStyle/>
+          <a:p>
+            <a:r>
+              <a:rPr lang="en-US" sz="1400" dirty="0" smtClean="0"/>
+              <a:t>UWPCE-</a:t>
+            </a:r>
+            <a:r>
+              <a:rPr lang="en-US" sz="1400" dirty="0" err="1" smtClean="0"/>
+              <a:t>PythonCert</a:t>
+            </a:r>
+            <a:r>
+              <a:rPr lang="en-US" sz="1400" dirty="0" smtClean="0"/>
+              <a:t>/IntroPython2015</a:t>
+            </a:r>
+          </a:p>
+        </p:txBody>
+      </p:sp>
+      <p:sp>
+        <p:nvSpPr>
+          <p:cNvPr id="21" name="TextBox 20"/>
+          <p:cNvSpPr txBox="1"/>
+          <p:nvPr/>
+        </p:nvSpPr>
+        <p:spPr>
+          <a:xfrm>
+            <a:off x="3581400" y="0"/>
+            <a:ext cx="1000210" cy="461665"/>
+          </a:xfrm>
+          <a:prstGeom prst="rect">
+            <a:avLst/>
+          </a:prstGeom>
+          <a:noFill/>
+        </p:spPr>
+        <p:txBody>
+          <a:bodyPr wrap="none" rtlCol="0">
+            <a:spAutoFit/>
+          </a:bodyPr>
+          <a:lstStyle/>
+          <a:p>
+            <a:r>
+              <a:rPr lang="en-US" sz="2400" dirty="0" smtClean="0"/>
+              <a:t>Merge</a:t>
+            </a:r>
+          </a:p>
+        </p:txBody>
+      </p:sp>
+      <p:sp>
+        <p:nvSpPr>
+          <p:cNvPr id="13" name="Rectangle 12"/>
+          <p:cNvSpPr/>
+          <p:nvPr/>
+        </p:nvSpPr>
+        <p:spPr>
+          <a:xfrm>
+            <a:off x="1447800" y="1752600"/>
+            <a:ext cx="2124299" cy="307777"/>
+          </a:xfrm>
+          <a:prstGeom prst="rect">
+            <a:avLst/>
+          </a:prstGeom>
+        </p:spPr>
+        <p:txBody>
+          <a:bodyPr wrap="none">
+            <a:spAutoFit/>
+          </a:bodyPr>
+          <a:lstStyle/>
+          <a:p>
+            <a:r>
+              <a:rPr lang="en-US" sz="1400" dirty="0" err="1" smtClean="0"/>
+              <a:t>tycobass</a:t>
+            </a:r>
+            <a:r>
+              <a:rPr lang="en-US" sz="1400" dirty="0" smtClean="0"/>
+              <a:t>/IntroPython2015</a:t>
+            </a:r>
+            <a:endParaRPr lang="en-US" sz="1400" dirty="0"/>
+          </a:p>
+        </p:txBody>
+      </p:sp>
+      <p:sp>
+        <p:nvSpPr>
+          <p:cNvPr id="10" name="Rectangle 9"/>
+          <p:cNvSpPr/>
+          <p:nvPr/>
+        </p:nvSpPr>
+        <p:spPr>
+          <a:xfrm>
+            <a:off x="228600" y="2133600"/>
+            <a:ext cx="8534400" cy="4339650"/>
+          </a:xfrm>
+          <a:prstGeom prst="rect">
+            <a:avLst/>
+          </a:prstGeom>
+        </p:spPr>
+        <p:txBody>
+          <a:bodyPr wrap="square">
+            <a:spAutoFit/>
+          </a:bodyPr>
+          <a:lstStyle/>
+          <a:p>
+            <a:r>
+              <a:rPr lang="en-US" sz="1200" dirty="0" err="1" smtClean="0"/>
+              <a:t>Eric@Eric</a:t>
+            </a:r>
+            <a:r>
+              <a:rPr lang="en-US" sz="1200" dirty="0" smtClean="0"/>
+              <a:t>-PC MINGW32 /c/</a:t>
+            </a:r>
+            <a:r>
+              <a:rPr lang="en-US" sz="1200" dirty="0" err="1" smtClean="0"/>
+              <a:t>work_area</a:t>
+            </a:r>
+            <a:r>
+              <a:rPr lang="en-US" sz="1200" dirty="0" smtClean="0"/>
+              <a:t>/Python/IntroPython2015/students/</a:t>
+            </a:r>
+            <a:r>
+              <a:rPr lang="en-US" sz="1200" dirty="0" err="1" smtClean="0"/>
+              <a:t>eric_v</a:t>
+            </a:r>
+            <a:r>
+              <a:rPr lang="en-US" sz="1200" dirty="0" smtClean="0"/>
+              <a:t>/Session_06 (master)</a:t>
+            </a:r>
+          </a:p>
+          <a:p>
+            <a:r>
+              <a:rPr lang="en-US" sz="1200" dirty="0" smtClean="0"/>
+              <a:t>$ </a:t>
+            </a:r>
+            <a:r>
+              <a:rPr lang="en-US" sz="1200" dirty="0" err="1" smtClean="0"/>
+              <a:t>git</a:t>
+            </a:r>
+            <a:r>
+              <a:rPr lang="en-US" sz="1200" dirty="0" smtClean="0"/>
+              <a:t> push origin master</a:t>
+            </a:r>
+          </a:p>
+          <a:p>
+            <a:r>
+              <a:rPr lang="en-US" sz="1200" dirty="0" smtClean="0"/>
+              <a:t>To https://github.com/tycobass/IntroPython2015.git</a:t>
+            </a:r>
+          </a:p>
+          <a:p>
+            <a:r>
+              <a:rPr lang="en-US" sz="1200" dirty="0" smtClean="0"/>
+              <a:t> ! [rejected]        master -&gt; master (fetch first)</a:t>
+            </a:r>
+          </a:p>
+          <a:p>
+            <a:r>
+              <a:rPr lang="en-US" sz="1200" dirty="0" smtClean="0"/>
+              <a:t>error: failed to push some refs to 'https://github.com/tycobass/IntroPython2015.git'</a:t>
+            </a:r>
+          </a:p>
+          <a:p>
+            <a:r>
+              <a:rPr lang="en-US" sz="1200" dirty="0" smtClean="0"/>
+              <a:t>hint: Updates were rejected because the remote contains work that you do</a:t>
+            </a:r>
+          </a:p>
+          <a:p>
+            <a:r>
+              <a:rPr lang="en-US" sz="1200" dirty="0" smtClean="0"/>
+              <a:t>hint: not have locally. This is usually caused by another repository pushing</a:t>
+            </a:r>
+          </a:p>
+          <a:p>
+            <a:r>
+              <a:rPr lang="en-US" sz="1200" dirty="0" smtClean="0"/>
+              <a:t>hint: to the same ref. You may want to first integrate the remote changes</a:t>
+            </a:r>
+          </a:p>
+          <a:p>
+            <a:r>
+              <a:rPr lang="en-US" sz="1200" dirty="0" smtClean="0"/>
+              <a:t>hint: (e.g., '</a:t>
+            </a:r>
+            <a:r>
+              <a:rPr lang="en-US" sz="1200" dirty="0" err="1" smtClean="0"/>
+              <a:t>git</a:t>
+            </a:r>
+            <a:r>
+              <a:rPr lang="en-US" sz="1200" dirty="0" smtClean="0"/>
+              <a:t> pull ...') before pushing again.</a:t>
+            </a:r>
+          </a:p>
+          <a:p>
+            <a:r>
+              <a:rPr lang="en-US" sz="1200" dirty="0" smtClean="0"/>
+              <a:t>hint: See the 'Note about fast-forwards' in '</a:t>
+            </a:r>
+            <a:r>
+              <a:rPr lang="en-US" sz="1200" dirty="0" err="1" smtClean="0"/>
+              <a:t>git</a:t>
+            </a:r>
+            <a:r>
+              <a:rPr lang="en-US" sz="1200" dirty="0" smtClean="0"/>
+              <a:t> push --help' for details.</a:t>
+            </a:r>
+          </a:p>
+          <a:p>
+            <a:endParaRPr lang="en-US" sz="1200" dirty="0" smtClean="0"/>
+          </a:p>
+          <a:p>
+            <a:r>
+              <a:rPr lang="en-US" sz="1200" dirty="0" err="1" smtClean="0"/>
+              <a:t>Eric@Eric</a:t>
+            </a:r>
+            <a:r>
+              <a:rPr lang="en-US" sz="1200" dirty="0" smtClean="0"/>
+              <a:t>-PC MINGW32 /c/</a:t>
+            </a:r>
+            <a:r>
+              <a:rPr lang="en-US" sz="1200" dirty="0" err="1" smtClean="0"/>
+              <a:t>work_area</a:t>
+            </a:r>
+            <a:r>
+              <a:rPr lang="en-US" sz="1200" dirty="0" smtClean="0"/>
+              <a:t>/Python/IntroPython2015/students/</a:t>
+            </a:r>
+            <a:r>
+              <a:rPr lang="en-US" sz="1200" dirty="0" err="1" smtClean="0"/>
+              <a:t>eric_v</a:t>
+            </a:r>
+            <a:r>
+              <a:rPr lang="en-US" sz="1200" dirty="0" smtClean="0"/>
+              <a:t>/Session_06 (master)</a:t>
+            </a:r>
+          </a:p>
+          <a:p>
+            <a:r>
+              <a:rPr lang="en-US" sz="1200" dirty="0" smtClean="0"/>
+              <a:t>$ </a:t>
+            </a:r>
+            <a:r>
+              <a:rPr lang="en-US" sz="1200" dirty="0" err="1" smtClean="0"/>
+              <a:t>git</a:t>
+            </a:r>
+            <a:r>
+              <a:rPr lang="en-US" sz="1200" dirty="0" smtClean="0"/>
+              <a:t> pull origin master</a:t>
+            </a:r>
+          </a:p>
+          <a:p>
+            <a:r>
+              <a:rPr lang="en-US" sz="1200" dirty="0" smtClean="0"/>
+              <a:t>remote: Counting objects: 6, done.</a:t>
+            </a:r>
+          </a:p>
+          <a:p>
+            <a:r>
+              <a:rPr lang="en-US" sz="1200" dirty="0" smtClean="0"/>
+              <a:t>remote: Compressing objects: 100% (6/6), done.</a:t>
+            </a:r>
+          </a:p>
+          <a:p>
+            <a:r>
+              <a:rPr lang="en-US" sz="1200" dirty="0" smtClean="0"/>
+              <a:t>remote: Total 6 (delta 0), reused 0 (delta 0), pack-reused 0</a:t>
+            </a:r>
+          </a:p>
+          <a:p>
+            <a:r>
+              <a:rPr lang="en-US" sz="1200" dirty="0" smtClean="0"/>
+              <a:t>Unpacking objects: 100% (6/6), done.</a:t>
+            </a:r>
+          </a:p>
+          <a:p>
+            <a:r>
+              <a:rPr lang="en-US" sz="1200" dirty="0" smtClean="0"/>
+              <a:t>From https://github.com/tycobass/IntroPython2015</a:t>
+            </a:r>
+          </a:p>
+          <a:p>
+            <a:r>
+              <a:rPr lang="en-US" sz="1200" dirty="0" smtClean="0"/>
+              <a:t> * branch            master     -&gt; FETCH_HEAD</a:t>
+            </a:r>
+          </a:p>
+          <a:p>
+            <a:r>
+              <a:rPr lang="en-US" sz="1200" dirty="0" smtClean="0"/>
+              <a:t>   2622716..18b7ca3  master     -&gt; origin/master</a:t>
+            </a:r>
+          </a:p>
+          <a:p>
+            <a:r>
+              <a:rPr lang="en-US" sz="1200" dirty="0" smtClean="0"/>
+              <a:t>Merge made by the 'recursive' strategy.</a:t>
+            </a:r>
+          </a:p>
+          <a:p>
+            <a:r>
+              <a:rPr lang="en-US" sz="1200" dirty="0" smtClean="0"/>
+              <a:t> students/</a:t>
+            </a:r>
+            <a:r>
+              <a:rPr lang="en-US" sz="1200" dirty="0" err="1" smtClean="0"/>
+              <a:t>eric_v</a:t>
+            </a:r>
+            <a:r>
+              <a:rPr lang="en-US" sz="1200" dirty="0" smtClean="0"/>
+              <a:t>/Session_06/fun_with_functions.py | 14 ++++++--------</a:t>
+            </a:r>
+          </a:p>
+          <a:p>
+            <a:r>
+              <a:rPr lang="en-US" sz="1200" dirty="0" smtClean="0"/>
+              <a:t> 1 file changed, 6 insertions(+), 8 deletions(-)</a:t>
+            </a:r>
+            <a:endParaRPr lang="en-US" sz="1200" dirty="0"/>
           </a:p>
         </p:txBody>
       </p:sp>
@@ -7089,15 +7471,7 @@
           <a:p>
             <a:r>
               <a:rPr lang="en-US" sz="2400" dirty="0" smtClean="0"/>
-              <a:t>Configuration Buildup (create </a:t>
-            </a:r>
-            <a:r>
-              <a:rPr lang="en-US" sz="2400" dirty="0" smtClean="0"/>
-              <a:t>clone on local machine </a:t>
-            </a:r>
-            <a:r>
-              <a:rPr lang="en-US" sz="2400" dirty="0" smtClean="0"/>
-              <a:t>from fork)</a:t>
+              <a:t>Configuration Buildup (create clone on local machine from fork)</a:t>
             </a:r>
           </a:p>
         </p:txBody>
@@ -7693,11 +8067,7 @@
           <a:p>
             <a:r>
               <a:rPr lang="en-US" sz="2000" dirty="0" smtClean="0"/>
-              <a:t>Configuration Buildup (create </a:t>
-            </a:r>
-            <a:r>
-              <a:rPr lang="en-US" sz="2000" dirty="0" smtClean="0"/>
-              <a:t>clone on </a:t>
+              <a:t>Configuration Buildup (create clone on </a:t>
             </a:r>
             <a:r>
               <a:rPr lang="en-US" sz="2000" dirty="0" err="1" smtClean="0"/>
@@ -7705,17 +8075,8 @@
             </a:r>
             <a:r>
               <a:rPr lang="en-US" sz="2000" dirty="0" smtClean="0"/>
-              <a:t> system </a:t>
-            </a:r>
-            <a:r>
-              <a:rPr lang="en-US" sz="2000" dirty="0" smtClean="0"/>
-              <a:t>from </a:t>
-            </a:r>
-            <a:r>
-              <a:rPr lang="en-US" sz="2000" dirty="0" smtClean="0"/>
-              <a:t>fork )</a:t>
-            </a:r>
-            <a:endParaRPr lang="en-US" sz="2000" dirty="0" smtClean="0"/>
+              <a:t> system from fork )</a:t>
+            </a:r>
           </a:p>
         </p:txBody>
       </p:sp>
@@ -8676,13 +9037,8 @@
           <a:p>
             <a:r>
               <a:rPr lang="en-US" sz="2400" dirty="0" smtClean="0"/>
-              <a:t>Configuration </a:t>
-            </a:r>
-            <a:r>
-              <a:rPr lang="en-US" sz="2400" dirty="0" smtClean="0"/>
-              <a:t>Buildup continued (define user information)</a:t>
-            </a:r>
-            <a:endParaRPr lang="en-US" sz="2400" dirty="0" smtClean="0"/>
+              <a:t>Configuration Buildup continued (define user information)</a:t>
+            </a:r>
           </a:p>
         </p:txBody>
       </p:sp>
@@ -8946,15 +9302,7 @@
             </a:r>
             <a:r>
               <a:rPr lang="en-US" sz="1600" dirty="0" smtClean="0"/>
-              <a:t> </a:t>
-            </a:r>
-            <a:r>
-              <a:rPr lang="en-US" sz="1600" dirty="0" smtClean="0"/>
-              <a:t>“</a:t>
-            </a:r>
-            <a:r>
-              <a:rPr lang="en-US" sz="1600" dirty="0" smtClean="0"/>
-              <a:t>&lt;</a:t>
+              <a:t> “&lt;</a:t>
             </a:r>
             <a:r>
               <a:rPr lang="en-US" sz="1600" dirty="0" err="1" smtClean="0"/>
@@ -8962,11 +9310,7 @@
             </a:r>
             <a:r>
               <a:rPr lang="en-US" sz="1600" dirty="0" smtClean="0"/>
-              <a:t>&gt;</a:t>
-            </a:r>
-            <a:r>
-              <a:rPr lang="en-US" sz="1600" dirty="0" smtClean="0"/>
-              <a:t>@</a:t>
+              <a:t>&gt;@</a:t>
             </a:r>
             <a:r>
               <a:rPr lang="en-US" sz="1600" dirty="0" err="1" smtClean="0"/>
@@ -8996,17 +9340,8 @@
             </a:r>
             <a:r>
               <a:rPr lang="en-US" sz="1600" dirty="0" smtClean="0"/>
-              <a:t> --global user.name </a:t>
-            </a:r>
-            <a:r>
-              <a:rPr lang="en-US" sz="1600" dirty="0" smtClean="0"/>
-              <a:t>“</a:t>
-            </a:r>
-            <a:r>
-              <a:rPr lang="en-US" sz="1600" dirty="0" smtClean="0"/>
-              <a:t>students name”</a:t>
-            </a:r>
-            <a:endParaRPr lang="en-US" sz="1600" dirty="0" smtClean="0"/>
+              <a:t> --global user.name “students name”</a:t>
+            </a:r>
           </a:p>
           <a:p>
             <a:r>
@@ -9214,7 +9549,6 @@
               <a:rPr lang="en-US" sz="2400" dirty="0" smtClean="0"/>
               <a:t>Communication Pathways</a:t>
             </a:r>
-            <a:endParaRPr lang="en-US" sz="2400" dirty="0" smtClean="0"/>
           </a:p>
         </p:txBody>
       </p:sp>
@@ -10212,13 +10546,8 @@
           <a:p>
             <a:r>
               <a:rPr lang="en-US" dirty="0" smtClean="0"/>
-              <a:t>Update Clone2 with upstream </a:t>
-            </a:r>
-            <a:r>
-              <a:rPr lang="en-US" dirty="0" smtClean="0"/>
-              <a:t>changes</a:t>
-            </a:r>
-            <a:endParaRPr lang="en-US" dirty="0" smtClean="0"/>
+              <a:t>Update Clone2 with upstream changes</a:t>
+            </a:r>
           </a:p>
           <a:p>
             <a:r>
@@ -10950,21 +11279,8 @@
           <a:p>
             <a:r>
               <a:rPr lang="en-US" sz="2400" dirty="0" smtClean="0"/>
-              <a:t>Update </a:t>
-            </a:r>
-            <a:r>
-              <a:rPr lang="en-US" sz="2400" dirty="0" smtClean="0"/>
-              <a:t>Clone2 </a:t>
-            </a:r>
-            <a:r>
-              <a:rPr lang="en-US" sz="2400" dirty="0" smtClean="0"/>
-              <a:t>with changes from </a:t>
-            </a:r>
-            <a:r>
-              <a:rPr lang="en-US" sz="2400" dirty="0" smtClean="0"/>
-              <a:t>Origin</a:t>
-            </a:r>
-            <a:endParaRPr lang="en-US" sz="2400" dirty="0" smtClean="0"/>
+              <a:t>Update Clone2 with changes from Origin</a:t>
+            </a:r>
           </a:p>
         </p:txBody>
       </p:sp>
@@ -11205,11 +11521,7 @@
           <a:p>
             <a:r>
               <a:rPr lang="en-US" u="sng" dirty="0" smtClean="0"/>
-              <a:t>Pull </a:t>
-            </a:r>
-            <a:r>
-              <a:rPr lang="en-US" u="sng" dirty="0" smtClean="0"/>
-              <a:t>the changes</a:t>
+              <a:t>Pull the changes</a:t>
             </a:r>
           </a:p>
           <a:p>
@@ -11223,15 +11535,7 @@
             </a:r>
             <a:r>
               <a:rPr lang="en-US" dirty="0" smtClean="0"/>
-              <a:t> </a:t>
-            </a:r>
-            <a:r>
-              <a:rPr lang="en-US" dirty="0" smtClean="0"/>
-              <a:t>pull </a:t>
-            </a:r>
-            <a:r>
-              <a:rPr lang="en-US" dirty="0" smtClean="0"/>
-              <a:t>origin master </a:t>
+              <a:t> pull origin master </a:t>
             </a:r>
             <a:endParaRPr lang="en-US" dirty="0"/>
           </a:p>

--- a/students/eric_v/debris/Using_git.pptx
+++ b/students/eric_v/debris/Using_git.pptx
@@ -18,7 +18,6 @@
     <p:sldId id="270" r:id="rId12"/>
     <p:sldId id="272" r:id="rId13"/>
     <p:sldId id="273" r:id="rId14"/>
-    <p:sldId id="274" r:id="rId15"/>
   </p:sldIdLst>
   <p:sldSz cx="9144000" cy="6858000" type="screen4x3"/>
   <p:notesSz cx="6934200" cy="9220200"/>
@@ -302,7 +301,7 @@
             <a:fld id="{3159C66E-6022-41FD-AC9F-85F12CCF35E0}" type="datetimeFigureOut">
               <a:rPr lang="en-US" smtClean="0"/>
               <a:pPr/>
-              <a:t>11/15/2015</a:t>
+              <a:t>11/11/2015</a:t>
             </a:fld>
             <a:endParaRPr lang="en-US"/>
           </a:p>
@@ -469,7 +468,7 @@
             <a:fld id="{3159C66E-6022-41FD-AC9F-85F12CCF35E0}" type="datetimeFigureOut">
               <a:rPr lang="en-US" smtClean="0"/>
               <a:pPr/>
-              <a:t>11/15/2015</a:t>
+              <a:t>11/11/2015</a:t>
             </a:fld>
             <a:endParaRPr lang="en-US"/>
           </a:p>
@@ -646,7 +645,7 @@
             <a:fld id="{3159C66E-6022-41FD-AC9F-85F12CCF35E0}" type="datetimeFigureOut">
               <a:rPr lang="en-US" smtClean="0"/>
               <a:pPr/>
-              <a:t>11/15/2015</a:t>
+              <a:t>11/11/2015</a:t>
             </a:fld>
             <a:endParaRPr lang="en-US"/>
           </a:p>
@@ -813,7 +812,7 @@
             <a:fld id="{3159C66E-6022-41FD-AC9F-85F12CCF35E0}" type="datetimeFigureOut">
               <a:rPr lang="en-US" smtClean="0"/>
               <a:pPr/>
-              <a:t>11/15/2015</a:t>
+              <a:t>11/11/2015</a:t>
             </a:fld>
             <a:endParaRPr lang="en-US"/>
           </a:p>
@@ -1056,7 +1055,7 @@
             <a:fld id="{3159C66E-6022-41FD-AC9F-85F12CCF35E0}" type="datetimeFigureOut">
               <a:rPr lang="en-US" smtClean="0"/>
               <a:pPr/>
-              <a:t>11/15/2015</a:t>
+              <a:t>11/11/2015</a:t>
             </a:fld>
             <a:endParaRPr lang="en-US"/>
           </a:p>
@@ -1341,7 +1340,7 @@
             <a:fld id="{3159C66E-6022-41FD-AC9F-85F12CCF35E0}" type="datetimeFigureOut">
               <a:rPr lang="en-US" smtClean="0"/>
               <a:pPr/>
-              <a:t>11/15/2015</a:t>
+              <a:t>11/11/2015</a:t>
             </a:fld>
             <a:endParaRPr lang="en-US"/>
           </a:p>
@@ -1760,7 +1759,7 @@
             <a:fld id="{3159C66E-6022-41FD-AC9F-85F12CCF35E0}" type="datetimeFigureOut">
               <a:rPr lang="en-US" smtClean="0"/>
               <a:pPr/>
-              <a:t>11/15/2015</a:t>
+              <a:t>11/11/2015</a:t>
             </a:fld>
             <a:endParaRPr lang="en-US"/>
           </a:p>
@@ -1875,7 +1874,7 @@
             <a:fld id="{3159C66E-6022-41FD-AC9F-85F12CCF35E0}" type="datetimeFigureOut">
               <a:rPr lang="en-US" smtClean="0"/>
               <a:pPr/>
-              <a:t>11/15/2015</a:t>
+              <a:t>11/11/2015</a:t>
             </a:fld>
             <a:endParaRPr lang="en-US"/>
           </a:p>
@@ -1967,7 +1966,7 @@
             <a:fld id="{3159C66E-6022-41FD-AC9F-85F12CCF35E0}" type="datetimeFigureOut">
               <a:rPr lang="en-US" smtClean="0"/>
               <a:pPr/>
-              <a:t>11/15/2015</a:t>
+              <a:t>11/11/2015</a:t>
             </a:fld>
             <a:endParaRPr lang="en-US"/>
           </a:p>
@@ -2241,7 +2240,7 @@
             <a:fld id="{3159C66E-6022-41FD-AC9F-85F12CCF35E0}" type="datetimeFigureOut">
               <a:rPr lang="en-US" smtClean="0"/>
               <a:pPr/>
-              <a:t>11/15/2015</a:t>
+              <a:t>11/11/2015</a:t>
             </a:fld>
             <a:endParaRPr lang="en-US"/>
           </a:p>
@@ -2491,7 +2490,7 @@
             <a:fld id="{3159C66E-6022-41FD-AC9F-85F12CCF35E0}" type="datetimeFigureOut">
               <a:rPr lang="en-US" smtClean="0"/>
               <a:pPr/>
-              <a:t>11/15/2015</a:t>
+              <a:t>11/11/2015</a:t>
             </a:fld>
             <a:endParaRPr lang="en-US"/>
           </a:p>
@@ -2701,7 +2700,7 @@
             <a:fld id="{3159C66E-6022-41FD-AC9F-85F12CCF35E0}" type="datetimeFigureOut">
               <a:rPr lang="en-US" smtClean="0"/>
               <a:pPr/>
-              <a:t>11/15/2015</a:t>
+              <a:t>11/11/2015</a:t>
             </a:fld>
             <a:endParaRPr lang="en-US"/>
           </a:p>
@@ -3922,7 +3921,11 @@
             <a:pPr marL="342900" indent="-342900"/>
             <a:r>
               <a:rPr lang="en-US" dirty="0" smtClean="0"/>
-              <a:t>2) Follow instructions</a:t>
+              <a:t>2) Follow </a:t>
+            </a:r>
+            <a:r>
+              <a:rPr lang="en-US" dirty="0" smtClean="0"/>
+              <a:t>instructions</a:t>
             </a:r>
           </a:p>
           <a:p>
@@ -3931,6 +3934,7 @@
               <a:rPr lang="en-US" dirty="0" smtClean="0"/>
               <a:t>3) Triggers e-mail to Upstream owner</a:t>
             </a:r>
+            <a:endParaRPr lang="en-US" dirty="0" smtClean="0"/>
           </a:p>
           <a:p>
             <a:pPr marL="342900" indent="-342900"/>
@@ -4415,44 +4419,10 @@
               <a:rPr lang="en-US" sz="2400" dirty="0" smtClean="0"/>
               <a:t>Merge</a:t>
             </a:r>
-          </a:p>
-        </p:txBody>
-      </p:sp>
-      <p:cxnSp>
-        <p:nvCxnSpPr>
-          <p:cNvPr id="12" name="Straight Arrow Connector 11"/>
-          <p:cNvCxnSpPr>
-            <a:endCxn id="17" idx="0"/>
-          </p:cNvCxnSpPr>
-          <p:nvPr/>
-        </p:nvCxnSpPr>
-        <p:spPr>
-          <a:xfrm flipH="1">
-            <a:off x="5627015" y="1981200"/>
-            <a:ext cx="164185" cy="457200"/>
-          </a:xfrm>
-          <a:prstGeom prst="straightConnector1">
-            <a:avLst/>
-          </a:prstGeom>
-          <a:ln>
-            <a:tailEnd type="arrow"/>
-          </a:ln>
-        </p:spPr>
-        <p:style>
-          <a:lnRef idx="3">
-            <a:schemeClr val="accent1"/>
-          </a:lnRef>
-          <a:fillRef idx="0">
-            <a:schemeClr val="accent1"/>
-          </a:fillRef>
-          <a:effectRef idx="2">
-            <a:schemeClr val="accent1"/>
-          </a:effectRef>
-          <a:fontRef idx="minor">
-            <a:schemeClr val="tx1"/>
-          </a:fontRef>
-        </p:style>
-      </p:cxnSp>
+            <a:endParaRPr lang="en-US" sz="2400" dirty="0" smtClean="0"/>
+          </a:p>
+        </p:txBody>
+      </p:sp>
       <p:sp>
         <p:nvSpPr>
           <p:cNvPr id="13" name="Rectangle 12"/>
@@ -4668,12 +4638,14 @@
               <a:rPr lang="en-US" dirty="0" smtClean="0"/>
               <a:t> pull upstream master</a:t>
             </a:r>
+            <a:endParaRPr lang="en-US" dirty="0" smtClean="0"/>
           </a:p>
           <a:p>
             <a:r>
               <a:rPr lang="en-US" dirty="0" smtClean="0"/>
               <a:t>Changes that have occurred in Upstream must now be merged with existing files</a:t>
             </a:r>
+            <a:endParaRPr lang="en-US" dirty="0" smtClean="0"/>
           </a:p>
         </p:txBody>
       </p:sp>
@@ -4727,7 +4699,7 @@
         </p:blipFill>
         <p:spPr bwMode="auto">
           <a:xfrm>
-            <a:off x="1066800" y="5181600"/>
+            <a:off x="990600" y="4953000"/>
             <a:ext cx="7029450" cy="1304925"/>
           </a:xfrm>
           <a:prstGeom prst="rect">
@@ -4742,6 +4714,39 @@
           </a:ln>
         </p:spPr>
       </p:pic>
+      <p:cxnSp>
+        <p:nvCxnSpPr>
+          <p:cNvPr id="28" name="Straight Arrow Connector 27"/>
+          <p:cNvCxnSpPr/>
+          <p:nvPr/>
+        </p:nvCxnSpPr>
+        <p:spPr>
+          <a:xfrm>
+            <a:off x="3505200" y="1371600"/>
+            <a:ext cx="1143000" cy="1066800"/>
+          </a:xfrm>
+          <a:prstGeom prst="straightConnector1">
+            <a:avLst/>
+          </a:prstGeom>
+          <a:ln>
+            <a:tailEnd type="arrow"/>
+          </a:ln>
+        </p:spPr>
+        <p:style>
+          <a:lnRef idx="3">
+            <a:schemeClr val="accent1"/>
+          </a:lnRef>
+          <a:fillRef idx="0">
+            <a:schemeClr val="accent1"/>
+          </a:fillRef>
+          <a:effectRef idx="2">
+            <a:schemeClr val="accent1"/>
+          </a:effectRef>
+          <a:fontRef idx="minor">
+            <a:schemeClr val="tx1"/>
+          </a:fontRef>
+        </p:style>
+      </p:cxnSp>
     </p:spTree>
   </p:cSld>
   <p:clrMapOvr>
@@ -4933,8 +4938,8 @@
         </p:nvSpPr>
         <p:spPr>
           <a:xfrm>
-            <a:off x="3581400" y="0"/>
-            <a:ext cx="1000210" cy="461665"/>
+            <a:off x="3276600" y="0"/>
+            <a:ext cx="2276264" cy="461665"/>
           </a:xfrm>
           <a:prstGeom prst="rect">
             <a:avLst/>
@@ -4949,8 +4954,9 @@
           <a:p>
             <a:r>
               <a:rPr lang="en-US" sz="2400" dirty="0" smtClean="0"/>
-              <a:t>Merge</a:t>
-            </a:r>
+              <a:t>Merge strategies</a:t>
+            </a:r>
+            <a:endParaRPr lang="en-US" sz="2400" dirty="0" smtClean="0"/>
           </a:p>
         </p:txBody>
       </p:sp>
@@ -4958,14 +4964,14 @@
         <p:nvCxnSpPr>
           <p:cNvPr id="12" name="Straight Arrow Connector 11"/>
           <p:cNvCxnSpPr>
-            <a:endCxn id="17" idx="0"/>
+            <a:stCxn id="4" idx="3"/>
           </p:cNvCxnSpPr>
           <p:nvPr/>
         </p:nvCxnSpPr>
         <p:spPr>
-          <a:xfrm flipH="1">
-            <a:off x="5627015" y="1981200"/>
-            <a:ext cx="164185" cy="457200"/>
+          <a:xfrm>
+            <a:off x="3486682" y="1181100"/>
+            <a:ext cx="1161518" cy="1257300"/>
           </a:xfrm>
           <a:prstGeom prst="straightConnector1">
             <a:avLst/>
@@ -5170,82 +5176,6 @@
           </a:p>
         </p:txBody>
       </p:sp>
-      <p:sp>
-        <p:nvSpPr>
-          <p:cNvPr id="22" name="TextBox 21"/>
-          <p:cNvSpPr txBox="1"/>
-          <p:nvPr/>
-        </p:nvSpPr>
-        <p:spPr>
-          <a:xfrm>
-            <a:off x="685800" y="4038600"/>
-            <a:ext cx="7924800" cy="646331"/>
-          </a:xfrm>
-          <a:prstGeom prst="rect">
-            <a:avLst/>
-          </a:prstGeom>
-          <a:noFill/>
-        </p:spPr>
-        <p:txBody>
-          <a:bodyPr wrap="square" rtlCol="0">
-            <a:spAutoFit/>
-          </a:bodyPr>
-          <a:lstStyle/>
-          <a:p>
-            <a:r>
-              <a:rPr lang="en-US" dirty="0" smtClean="0"/>
-              <a:t>&gt;&gt; </a:t>
-            </a:r>
-            <a:r>
-              <a:rPr lang="en-US" dirty="0" err="1" smtClean="0"/>
-              <a:t>git</a:t>
-            </a:r>
-            <a:r>
-              <a:rPr lang="en-US" dirty="0" smtClean="0"/>
-              <a:t> pull upstream master</a:t>
-            </a:r>
-          </a:p>
-          <a:p>
-            <a:r>
-              <a:rPr lang="en-US" dirty="0" smtClean="0"/>
-              <a:t>Changes that have occurred in Upstream must now be merged with existing files</a:t>
-            </a:r>
-          </a:p>
-        </p:txBody>
-      </p:sp>
-      <p:cxnSp>
-        <p:nvCxnSpPr>
-          <p:cNvPr id="24" name="Straight Arrow Connector 23"/>
-          <p:cNvCxnSpPr/>
-          <p:nvPr/>
-        </p:nvCxnSpPr>
-        <p:spPr>
-          <a:xfrm>
-            <a:off x="5943600" y="5486400"/>
-            <a:ext cx="461029" cy="611515"/>
-          </a:xfrm>
-          <a:prstGeom prst="straightConnector1">
-            <a:avLst/>
-          </a:prstGeom>
-          <a:ln>
-            <a:tailEnd type="arrow"/>
-          </a:ln>
-        </p:spPr>
-        <p:style>
-          <a:lnRef idx="1">
-            <a:schemeClr val="accent1"/>
-          </a:lnRef>
-          <a:fillRef idx="0">
-            <a:schemeClr val="accent1"/>
-          </a:fillRef>
-          <a:effectRef idx="0">
-            <a:schemeClr val="accent1"/>
-          </a:effectRef>
-          <a:fontRef idx="minor">
-            <a:schemeClr val="tx1"/>
-          </a:fontRef>
-        </p:style>
-      </p:cxnSp>
       <p:pic>
         <p:nvPicPr>
           <p:cNvPr id="2050" name="Picture 2"/>
@@ -5263,7 +5193,7 @@
         </p:blipFill>
         <p:spPr bwMode="auto">
           <a:xfrm>
-            <a:off x="3276600" y="4267200"/>
+            <a:off x="1600200" y="4114800"/>
             <a:ext cx="2133600" cy="2409825"/>
           </a:xfrm>
           <a:prstGeom prst="rect">
@@ -5278,6 +5208,47 @@
           </a:ln>
         </p:spPr>
       </p:pic>
+      <p:sp>
+        <p:nvSpPr>
+          <p:cNvPr id="23" name="Oval 22"/>
+          <p:cNvSpPr/>
+          <p:nvPr/>
+        </p:nvSpPr>
+        <p:spPr>
+          <a:xfrm>
+            <a:off x="1600200" y="5334000"/>
+            <a:ext cx="1981200" cy="609600"/>
+          </a:xfrm>
+          <a:prstGeom prst="ellipse">
+            <a:avLst/>
+          </a:prstGeom>
+          <a:noFill/>
+        </p:spPr>
+        <p:style>
+          <a:lnRef idx="2">
+            <a:schemeClr val="accent1">
+              <a:shade val="50000"/>
+            </a:schemeClr>
+          </a:lnRef>
+          <a:fillRef idx="1">
+            <a:schemeClr val="accent1"/>
+          </a:fillRef>
+          <a:effectRef idx="0">
+            <a:schemeClr val="accent1"/>
+          </a:effectRef>
+          <a:fontRef idx="minor">
+            <a:schemeClr val="lt1"/>
+          </a:fontRef>
+        </p:style>
+        <p:txBody>
+          <a:bodyPr rtlCol="0" anchor="ctr"/>
+          <a:lstStyle/>
+          <a:p>
+            <a:pPr algn="ctr"/>
+            <a:endParaRPr lang="en-US"/>
+          </a:p>
+        </p:txBody>
+      </p:sp>
     </p:spTree>
   </p:cSld>
   <p:clrMapOvr>
@@ -5305,109 +5276,14 @@
       </p:grpSpPr>
       <p:sp>
         <p:nvSpPr>
-          <p:cNvPr id="4" name="Rectangle 3"/>
-          <p:cNvSpPr/>
-          <p:nvPr/>
-        </p:nvSpPr>
-        <p:spPr>
-          <a:xfrm>
-            <a:off x="1505482" y="609600"/>
-            <a:ext cx="1981200" cy="1143000"/>
-          </a:xfrm>
-          <a:prstGeom prst="rect">
-            <a:avLst/>
-          </a:prstGeom>
-        </p:spPr>
-        <p:style>
-          <a:lnRef idx="2">
-            <a:schemeClr val="accent1">
-              <a:shade val="50000"/>
-            </a:schemeClr>
-          </a:lnRef>
-          <a:fillRef idx="1">
-            <a:schemeClr val="accent1"/>
-          </a:fillRef>
-          <a:effectRef idx="0">
-            <a:schemeClr val="accent1"/>
-          </a:effectRef>
-          <a:fontRef idx="minor">
-            <a:schemeClr val="lt1"/>
-          </a:fontRef>
-        </p:style>
-        <p:txBody>
-          <a:bodyPr rtlCol="0" anchor="ctr"/>
-          <a:lstStyle/>
-          <a:p>
-            <a:pPr algn="ctr"/>
-            <a:r>
-              <a:rPr lang="en-US" dirty="0" smtClean="0"/>
-              <a:t>Origin</a:t>
-            </a:r>
-          </a:p>
-          <a:p>
-            <a:pPr algn="ctr"/>
-            <a:r>
-              <a:rPr lang="en-US" dirty="0" smtClean="0"/>
-              <a:t>(fork of upstream)</a:t>
-            </a:r>
-            <a:endParaRPr lang="en-US" dirty="0"/>
-          </a:p>
-        </p:txBody>
-      </p:sp>
-      <p:sp>
-        <p:nvSpPr>
-          <p:cNvPr id="5" name="Rectangle 4"/>
-          <p:cNvSpPr/>
-          <p:nvPr/>
-        </p:nvSpPr>
-        <p:spPr>
-          <a:xfrm>
-            <a:off x="4953000" y="609600"/>
-            <a:ext cx="1981200" cy="1143000"/>
-          </a:xfrm>
-          <a:prstGeom prst="rect">
-            <a:avLst/>
-          </a:prstGeom>
-        </p:spPr>
-        <p:style>
-          <a:lnRef idx="2">
-            <a:schemeClr val="accent1">
-              <a:shade val="50000"/>
-            </a:schemeClr>
-          </a:lnRef>
-          <a:fillRef idx="1">
-            <a:schemeClr val="accent1"/>
-          </a:fillRef>
-          <a:effectRef idx="0">
-            <a:schemeClr val="accent1"/>
-          </a:effectRef>
-          <a:fontRef idx="minor">
-            <a:schemeClr val="lt1"/>
-          </a:fontRef>
-        </p:style>
-        <p:txBody>
-          <a:bodyPr rtlCol="0" anchor="ctr"/>
-          <a:lstStyle/>
-          <a:p>
-            <a:pPr algn="ctr"/>
-            <a:r>
-              <a:rPr lang="en-US" dirty="0" smtClean="0"/>
-              <a:t>Upstream</a:t>
-            </a:r>
-            <a:endParaRPr lang="en-US" dirty="0"/>
-          </a:p>
-        </p:txBody>
-      </p:sp>
-      <p:sp>
-        <p:nvSpPr>
-          <p:cNvPr id="7" name="TextBox 6"/>
+          <p:cNvPr id="21" name="TextBox 20"/>
           <p:cNvSpPr txBox="1"/>
           <p:nvPr/>
         </p:nvSpPr>
         <p:spPr>
           <a:xfrm>
-            <a:off x="4953000" y="1752600"/>
-            <a:ext cx="2931508" cy="307777"/>
+            <a:off x="3581400" y="0"/>
+            <a:ext cx="2071080" cy="461665"/>
           </a:xfrm>
           <a:prstGeom prst="rect">
             <a:avLst/>
@@ -5421,112 +5297,10 @@
           <a:lstStyle/>
           <a:p>
             <a:r>
-              <a:rPr lang="en-US" sz="1400" dirty="0" smtClean="0"/>
-              <a:t>UWPCE-</a:t>
-            </a:r>
-            <a:r>
-              <a:rPr lang="en-US" sz="1400" dirty="0" err="1" smtClean="0"/>
-              <a:t>PythonCert</a:t>
-            </a:r>
-            <a:r>
-              <a:rPr lang="en-US" sz="1400" dirty="0" smtClean="0"/>
-              <a:t>/IntroPython2015</a:t>
-            </a:r>
-          </a:p>
-        </p:txBody>
-      </p:sp>
-      <p:sp>
-        <p:nvSpPr>
-          <p:cNvPr id="21" name="TextBox 20"/>
-          <p:cNvSpPr txBox="1"/>
-          <p:nvPr/>
-        </p:nvSpPr>
-        <p:spPr>
-          <a:xfrm>
-            <a:off x="3581400" y="0"/>
-            <a:ext cx="1000210" cy="461665"/>
-          </a:xfrm>
-          <a:prstGeom prst="rect">
-            <a:avLst/>
-          </a:prstGeom>
-          <a:noFill/>
-        </p:spPr>
-        <p:txBody>
-          <a:bodyPr wrap="none" rtlCol="0">
-            <a:spAutoFit/>
-          </a:bodyPr>
-          <a:lstStyle/>
-          <a:p>
-            <a:r>
               <a:rPr lang="en-US" sz="2400" dirty="0" smtClean="0"/>
-              <a:t>Merge</a:t>
-            </a:r>
-          </a:p>
-        </p:txBody>
-      </p:sp>
-      <p:cxnSp>
-        <p:nvCxnSpPr>
-          <p:cNvPr id="12" name="Straight Arrow Connector 11"/>
-          <p:cNvCxnSpPr/>
-          <p:nvPr/>
-        </p:nvCxnSpPr>
-        <p:spPr>
-          <a:xfrm flipH="1">
-            <a:off x="5627015" y="1981200"/>
-            <a:ext cx="164185" cy="457200"/>
-          </a:xfrm>
-          <a:prstGeom prst="straightConnector1">
-            <a:avLst/>
-          </a:prstGeom>
-          <a:ln>
-            <a:tailEnd type="arrow"/>
-          </a:ln>
-        </p:spPr>
-        <p:style>
-          <a:lnRef idx="3">
-            <a:schemeClr val="accent1"/>
-          </a:lnRef>
-          <a:fillRef idx="0">
-            <a:schemeClr val="accent1"/>
-          </a:fillRef>
-          <a:effectRef idx="2">
-            <a:schemeClr val="accent1"/>
-          </a:effectRef>
-          <a:fontRef idx="minor">
-            <a:schemeClr val="tx1"/>
-          </a:fontRef>
-        </p:style>
-      </p:cxnSp>
-      <p:sp>
-        <p:nvSpPr>
-          <p:cNvPr id="13" name="Rectangle 12"/>
-          <p:cNvSpPr/>
-          <p:nvPr/>
-        </p:nvSpPr>
-        <p:spPr>
-          <a:xfrm>
-            <a:off x="1447800" y="1752600"/>
-            <a:ext cx="2124299" cy="307777"/>
-          </a:xfrm>
-          <a:prstGeom prst="rect">
-            <a:avLst/>
-          </a:prstGeom>
-        </p:spPr>
-        <p:txBody>
-          <a:bodyPr wrap="none">
-            <a:spAutoFit/>
-          </a:bodyPr>
-          <a:lstStyle/>
-          <a:p>
-            <a:r>
-              <a:rPr lang="en-US" sz="1400" dirty="0" err="1" smtClean="0"/>
-              <a:t>tycobass</a:t>
-            </a:r>
-            <a:r>
-              <a:rPr lang="en-US" sz="1400" dirty="0" smtClean="0"/>
-              <a:t>/IntroPython2015</a:t>
-            </a:r>
-            <a:endParaRPr lang="en-US" sz="1400" dirty="0"/>
+              <a:t>Merge strategy</a:t>
+            </a:r>
+            <a:endParaRPr lang="en-US" sz="2400" dirty="0" smtClean="0"/>
           </a:p>
         </p:txBody>
       </p:sp>
@@ -5540,7 +5314,7 @@
         </p:nvSpPr>
         <p:spPr bwMode="auto">
           <a:xfrm>
-            <a:off x="228600" y="2590800"/>
+            <a:off x="457200" y="1325701"/>
             <a:ext cx="7572907" cy="3170099"/>
           </a:xfrm>
           <a:prstGeom prst="rect">
@@ -5645,7 +5419,14 @@
                 <a:latin typeface="Arial Unicode MS" pitchFamily="34" charset="-128"/>
                 <a:cs typeface="Arial" pitchFamily="34" charset="0"/>
               </a:rPr>
-              <a:t>    </a:t>
+              <a:t> </a:t>
+            </a:r>
+            <a:r>
+              <a:rPr lang="en-US" sz="1000" dirty="0" smtClean="0">
+                <a:latin typeface="Arial Unicode MS" pitchFamily="34" charset="-128"/>
+                <a:cs typeface="Arial" pitchFamily="34" charset="0"/>
+              </a:rPr>
+              <a:t>   </a:t>
             </a:r>
             <a:r>
               <a:rPr kumimoji="0" lang="en-US" sz="1000" b="0" i="0" u="none" strike="noStrike" cap="none" normalizeH="0" baseline="0" dirty="0" smtClean="0">
@@ -5684,7 +5465,14 @@
                 <a:latin typeface="Arial Unicode MS" pitchFamily="34" charset="-128"/>
                 <a:cs typeface="Arial" pitchFamily="34" charset="0"/>
               </a:rPr>
-              <a:t>    </a:t>
+              <a:t> </a:t>
+            </a:r>
+            <a:r>
+              <a:rPr lang="en-US" sz="1000" dirty="0" smtClean="0">
+                <a:latin typeface="Arial Unicode MS" pitchFamily="34" charset="-128"/>
+                <a:cs typeface="Arial" pitchFamily="34" charset="0"/>
+              </a:rPr>
+              <a:t>   </a:t>
             </a:r>
             <a:r>
               <a:rPr kumimoji="0" lang="en-US" sz="1000" b="0" i="0" u="none" strike="noStrike" cap="none" normalizeH="0" baseline="0" dirty="0" err="1" smtClean="0">
@@ -5737,7 +5525,14 @@
                 <a:latin typeface="Arial Unicode MS" pitchFamily="34" charset="-128"/>
                 <a:cs typeface="Arial" pitchFamily="34" charset="0"/>
               </a:rPr>
-              <a:t>    </a:t>
+              <a:t> </a:t>
+            </a:r>
+            <a:r>
+              <a:rPr lang="en-US" sz="1000" dirty="0" smtClean="0">
+                <a:latin typeface="Arial Unicode MS" pitchFamily="34" charset="-128"/>
+                <a:cs typeface="Arial" pitchFamily="34" charset="0"/>
+              </a:rPr>
+              <a:t>   </a:t>
             </a:r>
             <a:r>
               <a:rPr kumimoji="0" lang="en-US" sz="1000" b="0" i="0" u="none" strike="noStrike" cap="none" normalizeH="0" baseline="0" dirty="0" err="1" smtClean="0">
@@ -5844,7 +5639,14 @@
                 <a:latin typeface="Arial Unicode MS" pitchFamily="34" charset="-128"/>
                 <a:cs typeface="Arial" pitchFamily="34" charset="0"/>
               </a:rPr>
-              <a:t>    </a:t>
+              <a:t> </a:t>
+            </a:r>
+            <a:r>
+              <a:rPr lang="en-US" sz="1000" dirty="0" smtClean="0">
+                <a:latin typeface="Arial Unicode MS" pitchFamily="34" charset="-128"/>
+                <a:cs typeface="Arial" pitchFamily="34" charset="0"/>
+              </a:rPr>
+              <a:t>   </a:t>
             </a:r>
             <a:r>
               <a:rPr kumimoji="0" lang="en-US" sz="1000" b="0" i="0" u="none" strike="noStrike" cap="none" normalizeH="0" baseline="0" dirty="0" smtClean="0">
@@ -6021,7 +5823,14 @@
                 <a:latin typeface="Arial Unicode MS" pitchFamily="34" charset="-128"/>
                 <a:cs typeface="Arial" pitchFamily="34" charset="0"/>
               </a:rPr>
-              <a:t>    </a:t>
+              <a:t> </a:t>
+            </a:r>
+            <a:r>
+              <a:rPr lang="en-US" sz="1000" dirty="0" smtClean="0">
+                <a:latin typeface="Arial Unicode MS" pitchFamily="34" charset="-128"/>
+                <a:cs typeface="Arial" pitchFamily="34" charset="0"/>
+              </a:rPr>
+              <a:t>   </a:t>
             </a:r>
             <a:r>
               <a:rPr kumimoji="0" lang="en-US" sz="1000" b="0" i="0" u="none" strike="noStrike" cap="none" normalizeH="0" baseline="0" dirty="0" smtClean="0">
@@ -6138,7 +5947,14 @@
                 <a:latin typeface="Arial Unicode MS" pitchFamily="34" charset="-128"/>
                 <a:cs typeface="Arial" pitchFamily="34" charset="0"/>
               </a:rPr>
-              <a:t>    </a:t>
+              <a:t> </a:t>
+            </a:r>
+            <a:r>
+              <a:rPr lang="en-US" sz="1000" dirty="0" smtClean="0">
+                <a:latin typeface="Arial Unicode MS" pitchFamily="34" charset="-128"/>
+                <a:cs typeface="Arial" pitchFamily="34" charset="0"/>
+              </a:rPr>
+              <a:t>   </a:t>
             </a:r>
             <a:r>
               <a:rPr kumimoji="0" lang="en-US" sz="1000" b="0" i="0" u="none" strike="noStrike" cap="none" normalizeH="0" baseline="0" dirty="0" err="1" smtClean="0">
@@ -6308,7 +6124,14 @@
                 <a:latin typeface="Arial Unicode MS" pitchFamily="34" charset="-128"/>
                 <a:cs typeface="Arial" pitchFamily="34" charset="0"/>
               </a:rPr>
-              <a:t>    </a:t>
+              <a:t> </a:t>
+            </a:r>
+            <a:r>
+              <a:rPr lang="en-US" sz="1000" dirty="0" smtClean="0">
+                <a:latin typeface="Arial Unicode MS" pitchFamily="34" charset="-128"/>
+                <a:cs typeface="Arial" pitchFamily="34" charset="0"/>
+              </a:rPr>
+              <a:t>   </a:t>
             </a:r>
             <a:r>
               <a:rPr kumimoji="0" lang="en-US" sz="1000" b="0" i="0" u="none" strike="noStrike" cap="none" normalizeH="0" baseline="0" dirty="0" smtClean="0">
@@ -6482,7 +6305,14 @@
                 <a:latin typeface="Arial Unicode MS" pitchFamily="34" charset="-128"/>
                 <a:cs typeface="Arial" pitchFamily="34" charset="0"/>
               </a:rPr>
-              <a:t>    </a:t>
+              <a:t> </a:t>
+            </a:r>
+            <a:r>
+              <a:rPr lang="en-US" sz="1000" dirty="0" smtClean="0">
+                <a:latin typeface="Arial Unicode MS" pitchFamily="34" charset="-128"/>
+                <a:cs typeface="Arial" pitchFamily="34" charset="0"/>
+              </a:rPr>
+              <a:t>   </a:t>
             </a:r>
             <a:r>
               <a:rPr kumimoji="0" lang="en-US" sz="1000" b="0" i="0" u="none" strike="noStrike" cap="none" normalizeH="0" baseline="0" dirty="0" smtClean="0">
@@ -6599,7 +6429,14 @@
                 <a:latin typeface="Arial Unicode MS" pitchFamily="34" charset="-128"/>
                 <a:cs typeface="Arial" pitchFamily="34" charset="0"/>
               </a:rPr>
-              <a:t>    </a:t>
+              <a:t> </a:t>
+            </a:r>
+            <a:r>
+              <a:rPr lang="en-US" sz="1000" dirty="0" smtClean="0">
+                <a:latin typeface="Arial Unicode MS" pitchFamily="34" charset="-128"/>
+                <a:cs typeface="Arial" pitchFamily="34" charset="0"/>
+              </a:rPr>
+              <a:t>   </a:t>
             </a:r>
             <a:r>
               <a:rPr kumimoji="0" lang="en-US" sz="1000" b="0" i="0" u="none" strike="noStrike" cap="none" normalizeH="0" baseline="0" dirty="0" err="1" smtClean="0">
@@ -6693,8 +6530,8 @@
         </p:nvSpPr>
         <p:spPr>
           <a:xfrm>
-            <a:off x="228600" y="2133600"/>
-            <a:ext cx="3561809" cy="646331"/>
+            <a:off x="5943600" y="6096000"/>
+            <a:ext cx="2816990" cy="523220"/>
           </a:xfrm>
           <a:prstGeom prst="rect">
             <a:avLst/>
@@ -6707,223 +6544,38 @@
           <a:lstStyle/>
           <a:p>
             <a:r>
-              <a:rPr lang="en-US" dirty="0" err="1" smtClean="0"/>
-              <a:t>shawndamus</a:t>
-            </a:r>
-            <a:endParaRPr lang="en-US" dirty="0" smtClean="0"/>
-          </a:p>
-          <a:p>
-            <a:r>
-              <a:rPr lang="en-US" dirty="0" smtClean="0"/>
-              <a:t>https://gist.github.com/6158524.git</a:t>
-            </a:r>
-            <a:endParaRPr lang="en-US" dirty="0"/>
-          </a:p>
-        </p:txBody>
-      </p:sp>
-    </p:spTree>
-  </p:cSld>
-  <p:clrMapOvr>
-    <a:masterClrMapping/>
-  </p:clrMapOvr>
-  <p:timing>
-    <p:tnLst>
-      <p:par>
-        <p:cTn id="1" dur="indefinite" restart="never" nodeType="tmRoot"/>
-      </p:par>
-    </p:tnLst>
-  </p:timing>
-</p:sld>
-</file>
-
-<file path=ppt/slides/slide14.xml><?xml version="1.0" encoding="utf-8"?>
-<p:sld xmlns:a="http://schemas.openxmlformats.org/drawingml/2006/main" xmlns:r="http://schemas.openxmlformats.org/officeDocument/2006/relationships" xmlns:p="http://schemas.openxmlformats.org/presentationml/2006/main">
-  <p:cSld>
-    <p:spTree>
-      <p:nvGrpSpPr>
-        <p:cNvPr id="1" name=""/>
-        <p:cNvGrpSpPr/>
-        <p:nvPr/>
-      </p:nvGrpSpPr>
-      <p:grpSpPr>
-        <a:xfrm>
-          <a:off x="0" y="0"/>
-          <a:ext cx="0" cy="0"/>
-          <a:chOff x="0" y="0"/>
-          <a:chExt cx="0" cy="0"/>
-        </a:xfrm>
-      </p:grpSpPr>
-      <p:sp>
-        <p:nvSpPr>
-          <p:cNvPr id="4" name="Rectangle 3"/>
+              <a:rPr lang="en-US" sz="1400" dirty="0" err="1" smtClean="0"/>
+              <a:t>s</a:t>
+            </a:r>
+            <a:r>
+              <a:rPr lang="en-US" sz="1400" dirty="0" err="1" smtClean="0"/>
+              <a:t>hawndamus</a:t>
+            </a:r>
+            <a:endParaRPr lang="en-US" sz="1400" dirty="0" smtClean="0"/>
+          </a:p>
+          <a:p>
+            <a:r>
+              <a:rPr lang="en-US" sz="1400" dirty="0" smtClean="0"/>
+              <a:t>https</a:t>
+            </a:r>
+            <a:r>
+              <a:rPr lang="en-US" sz="1400" dirty="0" smtClean="0"/>
+              <a:t>://gist.github.com/6158524.git</a:t>
+            </a:r>
+            <a:endParaRPr lang="en-US" sz="1400" dirty="0"/>
+          </a:p>
+        </p:txBody>
+      </p:sp>
+      <p:sp>
+        <p:nvSpPr>
+          <p:cNvPr id="33" name="Rectangle 32"/>
           <p:cNvSpPr/>
           <p:nvPr/>
         </p:nvSpPr>
         <p:spPr>
           <a:xfrm>
-            <a:off x="1505482" y="609600"/>
-            <a:ext cx="1981200" cy="1143000"/>
-          </a:xfrm>
-          <a:prstGeom prst="rect">
-            <a:avLst/>
-          </a:prstGeom>
-        </p:spPr>
-        <p:style>
-          <a:lnRef idx="2">
-            <a:schemeClr val="accent1">
-              <a:shade val="50000"/>
-            </a:schemeClr>
-          </a:lnRef>
-          <a:fillRef idx="1">
-            <a:schemeClr val="accent1"/>
-          </a:fillRef>
-          <a:effectRef idx="0">
-            <a:schemeClr val="accent1"/>
-          </a:effectRef>
-          <a:fontRef idx="minor">
-            <a:schemeClr val="lt1"/>
-          </a:fontRef>
-        </p:style>
-        <p:txBody>
-          <a:bodyPr rtlCol="0" anchor="ctr"/>
-          <a:lstStyle/>
-          <a:p>
-            <a:pPr algn="ctr"/>
-            <a:r>
-              <a:rPr lang="en-US" dirty="0" smtClean="0"/>
-              <a:t>Origin</a:t>
-            </a:r>
-          </a:p>
-          <a:p>
-            <a:pPr algn="ctr"/>
-            <a:r>
-              <a:rPr lang="en-US" dirty="0" smtClean="0"/>
-              <a:t>(fork of upstream)</a:t>
-            </a:r>
-            <a:endParaRPr lang="en-US" dirty="0"/>
-          </a:p>
-        </p:txBody>
-      </p:sp>
-      <p:sp>
-        <p:nvSpPr>
-          <p:cNvPr id="5" name="Rectangle 4"/>
-          <p:cNvSpPr/>
-          <p:nvPr/>
-        </p:nvSpPr>
-        <p:spPr>
-          <a:xfrm>
-            <a:off x="4953000" y="609600"/>
-            <a:ext cx="1981200" cy="1143000"/>
-          </a:xfrm>
-          <a:prstGeom prst="rect">
-            <a:avLst/>
-          </a:prstGeom>
-        </p:spPr>
-        <p:style>
-          <a:lnRef idx="2">
-            <a:schemeClr val="accent1">
-              <a:shade val="50000"/>
-            </a:schemeClr>
-          </a:lnRef>
-          <a:fillRef idx="1">
-            <a:schemeClr val="accent1"/>
-          </a:fillRef>
-          <a:effectRef idx="0">
-            <a:schemeClr val="accent1"/>
-          </a:effectRef>
-          <a:fontRef idx="minor">
-            <a:schemeClr val="lt1"/>
-          </a:fontRef>
-        </p:style>
-        <p:txBody>
-          <a:bodyPr rtlCol="0" anchor="ctr"/>
-          <a:lstStyle/>
-          <a:p>
-            <a:pPr algn="ctr"/>
-            <a:r>
-              <a:rPr lang="en-US" dirty="0" smtClean="0"/>
-              <a:t>Upstream</a:t>
-            </a:r>
-            <a:endParaRPr lang="en-US" dirty="0"/>
-          </a:p>
-        </p:txBody>
-      </p:sp>
-      <p:sp>
-        <p:nvSpPr>
-          <p:cNvPr id="7" name="TextBox 6"/>
-          <p:cNvSpPr txBox="1"/>
-          <p:nvPr/>
-        </p:nvSpPr>
-        <p:spPr>
-          <a:xfrm>
-            <a:off x="4953000" y="1752600"/>
-            <a:ext cx="2931508" cy="307777"/>
-          </a:xfrm>
-          <a:prstGeom prst="rect">
-            <a:avLst/>
-          </a:prstGeom>
-          <a:noFill/>
-        </p:spPr>
-        <p:txBody>
-          <a:bodyPr wrap="none" rtlCol="0">
-            <a:spAutoFit/>
-          </a:bodyPr>
-          <a:lstStyle/>
-          <a:p>
-            <a:r>
-              <a:rPr lang="en-US" sz="1400" dirty="0" smtClean="0"/>
-              <a:t>UWPCE-</a:t>
-            </a:r>
-            <a:r>
-              <a:rPr lang="en-US" sz="1400" dirty="0" err="1" smtClean="0"/>
-              <a:t>PythonCert</a:t>
-            </a:r>
-            <a:r>
-              <a:rPr lang="en-US" sz="1400" dirty="0" smtClean="0"/>
-              <a:t>/IntroPython2015</a:t>
-            </a:r>
-          </a:p>
-        </p:txBody>
-      </p:sp>
-      <p:sp>
-        <p:nvSpPr>
-          <p:cNvPr id="21" name="TextBox 20"/>
-          <p:cNvSpPr txBox="1"/>
-          <p:nvPr/>
-        </p:nvSpPr>
-        <p:spPr>
-          <a:xfrm>
-            <a:off x="3581400" y="0"/>
-            <a:ext cx="1000210" cy="461665"/>
-          </a:xfrm>
-          <a:prstGeom prst="rect">
-            <a:avLst/>
-          </a:prstGeom>
-          <a:noFill/>
-        </p:spPr>
-        <p:txBody>
-          <a:bodyPr wrap="none" rtlCol="0">
-            <a:spAutoFit/>
-          </a:bodyPr>
-          <a:lstStyle/>
-          <a:p>
-            <a:r>
-              <a:rPr lang="en-US" sz="2400" dirty="0" smtClean="0"/>
-              <a:t>Merge</a:t>
-            </a:r>
-          </a:p>
-        </p:txBody>
-      </p:sp>
-      <p:sp>
-        <p:nvSpPr>
-          <p:cNvPr id="13" name="Rectangle 12"/>
-          <p:cNvSpPr/>
-          <p:nvPr/>
-        </p:nvSpPr>
-        <p:spPr>
-          <a:xfrm>
-            <a:off x="1447800" y="1752600"/>
-            <a:ext cx="2124299" cy="307777"/>
+            <a:off x="609600" y="792301"/>
+            <a:ext cx="3489097" cy="307777"/>
           </a:xfrm>
           <a:prstGeom prst="rect">
             <a:avLst/>
@@ -6936,252 +6588,26 @@
           <a:lstStyle/>
           <a:p>
             <a:r>
+              <a:rPr lang="en-US" sz="1400" dirty="0" smtClean="0"/>
+              <a:t>Modify .</a:t>
+            </a:r>
+            <a:r>
               <a:rPr lang="en-US" sz="1400" dirty="0" err="1" smtClean="0"/>
-              <a:t>tycobass</a:t>
+              <a:t>gitconfig</a:t>
             </a:r>
             <a:r>
               <a:rPr lang="en-US" sz="1400" dirty="0" smtClean="0"/>
-              <a:t>/IntroPython2015</a:t>
+              <a:t> to add </a:t>
+            </a:r>
+            <a:r>
+              <a:rPr lang="en-US" sz="1400" dirty="0" err="1" smtClean="0"/>
+              <a:t>WinMerge</a:t>
+            </a:r>
+            <a:r>
+              <a:rPr lang="en-US" sz="1400" dirty="0" smtClean="0"/>
+              <a:t> capability</a:t>
             </a:r>
             <a:endParaRPr lang="en-US" sz="1400" dirty="0"/>
-          </a:p>
-        </p:txBody>
-      </p:sp>
-      <p:sp>
-        <p:nvSpPr>
-          <p:cNvPr id="10" name="Rectangle 9"/>
-          <p:cNvSpPr/>
-          <p:nvPr/>
-        </p:nvSpPr>
-        <p:spPr>
-          <a:xfrm>
-            <a:off x="228600" y="2133600"/>
-            <a:ext cx="8534400" cy="4339650"/>
-          </a:xfrm>
-          <a:prstGeom prst="rect">
-            <a:avLst/>
-          </a:prstGeom>
-        </p:spPr>
-        <p:txBody>
-          <a:bodyPr wrap="square">
-            <a:spAutoFit/>
-          </a:bodyPr>
-          <a:lstStyle/>
-          <a:p>
-            <a:r>
-              <a:rPr lang="en-US" sz="1200" dirty="0" err="1" smtClean="0"/>
-              <a:t>Eric@Eric</a:t>
-            </a:r>
-            <a:r>
-              <a:rPr lang="en-US" sz="1200" dirty="0" smtClean="0"/>
-              <a:t>-PC MINGW32 /c/</a:t>
-            </a:r>
-            <a:r>
-              <a:rPr lang="en-US" sz="1200" dirty="0" err="1" smtClean="0"/>
-              <a:t>work_area</a:t>
-            </a:r>
-            <a:r>
-              <a:rPr lang="en-US" sz="1200" dirty="0" smtClean="0"/>
-              <a:t>/Python/IntroPython2015/students/</a:t>
-            </a:r>
-            <a:r>
-              <a:rPr lang="en-US" sz="1200" dirty="0" err="1" smtClean="0"/>
-              <a:t>eric_v</a:t>
-            </a:r>
-            <a:r>
-              <a:rPr lang="en-US" sz="1200" dirty="0" smtClean="0"/>
-              <a:t>/Session_06 (master)</a:t>
-            </a:r>
-          </a:p>
-          <a:p>
-            <a:r>
-              <a:rPr lang="en-US" sz="1200" dirty="0" smtClean="0"/>
-              <a:t>$ </a:t>
-            </a:r>
-            <a:r>
-              <a:rPr lang="en-US" sz="1200" dirty="0" err="1" smtClean="0"/>
-              <a:t>git</a:t>
-            </a:r>
-            <a:r>
-              <a:rPr lang="en-US" sz="1200" dirty="0" smtClean="0"/>
-              <a:t> push origin master</a:t>
-            </a:r>
-          </a:p>
-          <a:p>
-            <a:r>
-              <a:rPr lang="en-US" sz="1200" dirty="0" smtClean="0"/>
-              <a:t>To https://github.com/tycobass/IntroPython2015.git</a:t>
-            </a:r>
-          </a:p>
-          <a:p>
-            <a:r>
-              <a:rPr lang="en-US" sz="1200" dirty="0" smtClean="0"/>
-              <a:t> ! [rejected]        master -&gt; master (fetch first)</a:t>
-            </a:r>
-          </a:p>
-          <a:p>
-            <a:r>
-              <a:rPr lang="en-US" sz="1200" dirty="0" smtClean="0"/>
-              <a:t>error: failed to push some refs to 'https://github.com/tycobass/IntroPython2015.git'</a:t>
-            </a:r>
-          </a:p>
-          <a:p>
-            <a:r>
-              <a:rPr lang="en-US" sz="1200" dirty="0" smtClean="0"/>
-              <a:t>hint: Updates were rejected because the remote contains work that you do</a:t>
-            </a:r>
-          </a:p>
-          <a:p>
-            <a:r>
-              <a:rPr lang="en-US" sz="1200" dirty="0" smtClean="0"/>
-              <a:t>hint: not have locally. This is usually caused by another repository pushing</a:t>
-            </a:r>
-          </a:p>
-          <a:p>
-            <a:r>
-              <a:rPr lang="en-US" sz="1200" dirty="0" smtClean="0"/>
-              <a:t>hint: to the same ref. You may want to first integrate the remote changes</a:t>
-            </a:r>
-          </a:p>
-          <a:p>
-            <a:r>
-              <a:rPr lang="en-US" sz="1200" dirty="0" smtClean="0"/>
-              <a:t>hint: (e.g., '</a:t>
-            </a:r>
-            <a:r>
-              <a:rPr lang="en-US" sz="1200" dirty="0" err="1" smtClean="0"/>
-              <a:t>git</a:t>
-            </a:r>
-            <a:r>
-              <a:rPr lang="en-US" sz="1200" dirty="0" smtClean="0"/>
-              <a:t> pull ...') before pushing again.</a:t>
-            </a:r>
-          </a:p>
-          <a:p>
-            <a:r>
-              <a:rPr lang="en-US" sz="1200" dirty="0" smtClean="0"/>
-              <a:t>hint: See the 'Note about fast-forwards' in '</a:t>
-            </a:r>
-            <a:r>
-              <a:rPr lang="en-US" sz="1200" dirty="0" err="1" smtClean="0"/>
-              <a:t>git</a:t>
-            </a:r>
-            <a:r>
-              <a:rPr lang="en-US" sz="1200" dirty="0" smtClean="0"/>
-              <a:t> push --help' for details.</a:t>
-            </a:r>
-          </a:p>
-          <a:p>
-            <a:endParaRPr lang="en-US" sz="1200" dirty="0" smtClean="0"/>
-          </a:p>
-          <a:p>
-            <a:r>
-              <a:rPr lang="en-US" sz="1200" dirty="0" err="1" smtClean="0"/>
-              <a:t>Eric@Eric</a:t>
-            </a:r>
-            <a:r>
-              <a:rPr lang="en-US" sz="1200" dirty="0" smtClean="0"/>
-              <a:t>-PC MINGW32 /c/</a:t>
-            </a:r>
-            <a:r>
-              <a:rPr lang="en-US" sz="1200" dirty="0" err="1" smtClean="0"/>
-              <a:t>work_area</a:t>
-            </a:r>
-            <a:r>
-              <a:rPr lang="en-US" sz="1200" dirty="0" smtClean="0"/>
-              <a:t>/Python/IntroPython2015/students/</a:t>
-            </a:r>
-            <a:r>
-              <a:rPr lang="en-US" sz="1200" dirty="0" err="1" smtClean="0"/>
-              <a:t>eric_v</a:t>
-            </a:r>
-            <a:r>
-              <a:rPr lang="en-US" sz="1200" dirty="0" smtClean="0"/>
-              <a:t>/Session_06 (master)</a:t>
-            </a:r>
-          </a:p>
-          <a:p>
-            <a:r>
-              <a:rPr lang="en-US" sz="1200" dirty="0" smtClean="0"/>
-              <a:t>$ </a:t>
-            </a:r>
-            <a:r>
-              <a:rPr lang="en-US" sz="1200" dirty="0" err="1" smtClean="0"/>
-              <a:t>git</a:t>
-            </a:r>
-            <a:r>
-              <a:rPr lang="en-US" sz="1200" dirty="0" smtClean="0"/>
-              <a:t> pull origin master</a:t>
-            </a:r>
-          </a:p>
-          <a:p>
-            <a:r>
-              <a:rPr lang="en-US" sz="1200" dirty="0" smtClean="0"/>
-              <a:t>remote: Counting objects: 6, done.</a:t>
-            </a:r>
-          </a:p>
-          <a:p>
-            <a:r>
-              <a:rPr lang="en-US" sz="1200" dirty="0" smtClean="0"/>
-              <a:t>remote: Compressing objects: 100% (6/6), done.</a:t>
-            </a:r>
-          </a:p>
-          <a:p>
-            <a:r>
-              <a:rPr lang="en-US" sz="1200" dirty="0" smtClean="0"/>
-              <a:t>remote: Total 6 (delta 0), reused 0 (delta 0), pack-reused 0</a:t>
-            </a:r>
-          </a:p>
-          <a:p>
-            <a:r>
-              <a:rPr lang="en-US" sz="1200" dirty="0" smtClean="0"/>
-              <a:t>Unpacking objects: 100% (6/6), done.</a:t>
-            </a:r>
-          </a:p>
-          <a:p>
-            <a:r>
-              <a:rPr lang="en-US" sz="1200" dirty="0" smtClean="0"/>
-              <a:t>From https://github.com/tycobass/IntroPython2015</a:t>
-            </a:r>
-          </a:p>
-          <a:p>
-            <a:r>
-              <a:rPr lang="en-US" sz="1200" dirty="0" smtClean="0"/>
-              <a:t> * branch            master     -&gt; FETCH_HEAD</a:t>
-            </a:r>
-          </a:p>
-          <a:p>
-            <a:r>
-              <a:rPr lang="en-US" sz="1200" dirty="0" smtClean="0"/>
-              <a:t>   2622716..18b7ca3  master     -&gt; origin/master</a:t>
-            </a:r>
-          </a:p>
-          <a:p>
-            <a:r>
-              <a:rPr lang="en-US" sz="1200" dirty="0" smtClean="0"/>
-              <a:t>Merge made by the 'recursive' strategy.</a:t>
-            </a:r>
-          </a:p>
-          <a:p>
-            <a:r>
-              <a:rPr lang="en-US" sz="1200" dirty="0" smtClean="0"/>
-              <a:t> students/</a:t>
-            </a:r>
-            <a:r>
-              <a:rPr lang="en-US" sz="1200" dirty="0" err="1" smtClean="0"/>
-              <a:t>eric_v</a:t>
-            </a:r>
-            <a:r>
-              <a:rPr lang="en-US" sz="1200" dirty="0" smtClean="0"/>
-              <a:t>/Session_06/fun_with_functions.py | 14 ++++++--------</a:t>
-            </a:r>
-          </a:p>
-          <a:p>
-            <a:r>
-              <a:rPr lang="en-US" sz="1200" dirty="0" smtClean="0"/>
-              <a:t> 1 file changed, 6 insertions(+), 8 deletions(-)</a:t>
-            </a:r>
-            <a:endParaRPr lang="en-US" sz="1200" dirty="0"/>
           </a:p>
         </p:txBody>
       </p:sp>
@@ -7471,7 +6897,15 @@
           <a:p>
             <a:r>
               <a:rPr lang="en-US" sz="2400" dirty="0" smtClean="0"/>
-              <a:t>Configuration Buildup (create clone on local machine from fork)</a:t>
+              <a:t>Configuration Buildup (create </a:t>
+            </a:r>
+            <a:r>
+              <a:rPr lang="en-US" sz="2400" dirty="0" smtClean="0"/>
+              <a:t>clone on local machine </a:t>
+            </a:r>
+            <a:r>
+              <a:rPr lang="en-US" sz="2400" dirty="0" smtClean="0"/>
+              <a:t>from fork)</a:t>
             </a:r>
           </a:p>
         </p:txBody>
@@ -8067,7 +7501,11 @@
           <a:p>
             <a:r>
               <a:rPr lang="en-US" sz="2000" dirty="0" smtClean="0"/>
-              <a:t>Configuration Buildup (create clone on </a:t>
+              <a:t>Configuration Buildup (create </a:t>
+            </a:r>
+            <a:r>
+              <a:rPr lang="en-US" sz="2000" dirty="0" smtClean="0"/>
+              <a:t>clone on </a:t>
             </a:r>
             <a:r>
               <a:rPr lang="en-US" sz="2000" dirty="0" err="1" smtClean="0"/>
@@ -8075,8 +7513,17 @@
             </a:r>
             <a:r>
               <a:rPr lang="en-US" sz="2000" dirty="0" smtClean="0"/>
-              <a:t> system from fork )</a:t>
-            </a:r>
+              <a:t> system </a:t>
+            </a:r>
+            <a:r>
+              <a:rPr lang="en-US" sz="2000" dirty="0" smtClean="0"/>
+              <a:t>from </a:t>
+            </a:r>
+            <a:r>
+              <a:rPr lang="en-US" sz="2000" dirty="0" smtClean="0"/>
+              <a:t>fork )</a:t>
+            </a:r>
+            <a:endParaRPr lang="en-US" sz="2000" dirty="0" smtClean="0"/>
           </a:p>
         </p:txBody>
       </p:sp>
@@ -9037,8 +8484,13 @@
           <a:p>
             <a:r>
               <a:rPr lang="en-US" sz="2400" dirty="0" smtClean="0"/>
-              <a:t>Configuration Buildup continued (define user information)</a:t>
-            </a:r>
+              <a:t>Configuration </a:t>
+            </a:r>
+            <a:r>
+              <a:rPr lang="en-US" sz="2400" dirty="0" smtClean="0"/>
+              <a:t>Buildup continued (define user information)</a:t>
+            </a:r>
+            <a:endParaRPr lang="en-US" sz="2400" dirty="0" smtClean="0"/>
           </a:p>
         </p:txBody>
       </p:sp>
@@ -9302,7 +8754,15 @@
             </a:r>
             <a:r>
               <a:rPr lang="en-US" sz="1600" dirty="0" smtClean="0"/>
-              <a:t> “&lt;</a:t>
+              <a:t> </a:t>
+            </a:r>
+            <a:r>
+              <a:rPr lang="en-US" sz="1600" dirty="0" smtClean="0"/>
+              <a:t>“</a:t>
+            </a:r>
+            <a:r>
+              <a:rPr lang="en-US" sz="1600" dirty="0" smtClean="0"/>
+              <a:t>&lt;</a:t>
             </a:r>
             <a:r>
               <a:rPr lang="en-US" sz="1600" dirty="0" err="1" smtClean="0"/>
@@ -9310,7 +8770,11 @@
             </a:r>
             <a:r>
               <a:rPr lang="en-US" sz="1600" dirty="0" smtClean="0"/>
-              <a:t>&gt;@</a:t>
+              <a:t>&gt;</a:t>
+            </a:r>
+            <a:r>
+              <a:rPr lang="en-US" sz="1600" dirty="0" smtClean="0"/>
+              <a:t>@</a:t>
             </a:r>
             <a:r>
               <a:rPr lang="en-US" sz="1600" dirty="0" err="1" smtClean="0"/>
@@ -9340,8 +8804,17 @@
             </a:r>
             <a:r>
               <a:rPr lang="en-US" sz="1600" dirty="0" smtClean="0"/>
-              <a:t> --global user.name “students name”</a:t>
-            </a:r>
+              <a:t> --global user.name </a:t>
+            </a:r>
+            <a:r>
+              <a:rPr lang="en-US" sz="1600" dirty="0" smtClean="0"/>
+              <a:t>“</a:t>
+            </a:r>
+            <a:r>
+              <a:rPr lang="en-US" sz="1600" dirty="0" smtClean="0"/>
+              <a:t>students name”</a:t>
+            </a:r>
+            <a:endParaRPr lang="en-US" sz="1600" dirty="0" smtClean="0"/>
           </a:p>
           <a:p>
             <a:r>
@@ -9549,6 +9022,7 @@
               <a:rPr lang="en-US" sz="2400" dirty="0" smtClean="0"/>
               <a:t>Communication Pathways</a:t>
             </a:r>
+            <a:endParaRPr lang="en-US" sz="2400" dirty="0" smtClean="0"/>
           </a:p>
         </p:txBody>
       </p:sp>
@@ -10546,8 +10020,13 @@
           <a:p>
             <a:r>
               <a:rPr lang="en-US" dirty="0" smtClean="0"/>
-              <a:t>Update Clone2 with upstream changes</a:t>
-            </a:r>
+              <a:t>Update Clone2 with upstream </a:t>
+            </a:r>
+            <a:r>
+              <a:rPr lang="en-US" dirty="0" smtClean="0"/>
+              <a:t>changes</a:t>
+            </a:r>
+            <a:endParaRPr lang="en-US" dirty="0" smtClean="0"/>
           </a:p>
           <a:p>
             <a:r>
@@ -11279,8 +10758,21 @@
           <a:p>
             <a:r>
               <a:rPr lang="en-US" sz="2400" dirty="0" smtClean="0"/>
-              <a:t>Update Clone2 with changes from Origin</a:t>
-            </a:r>
+              <a:t>Update </a:t>
+            </a:r>
+            <a:r>
+              <a:rPr lang="en-US" sz="2400" dirty="0" smtClean="0"/>
+              <a:t>Clone2 </a:t>
+            </a:r>
+            <a:r>
+              <a:rPr lang="en-US" sz="2400" dirty="0" smtClean="0"/>
+              <a:t>with changes from </a:t>
+            </a:r>
+            <a:r>
+              <a:rPr lang="en-US" sz="2400" dirty="0" smtClean="0"/>
+              <a:t>Origin</a:t>
+            </a:r>
+            <a:endParaRPr lang="en-US" sz="2400" dirty="0" smtClean="0"/>
           </a:p>
         </p:txBody>
       </p:sp>
@@ -11521,7 +11013,11 @@
           <a:p>
             <a:r>
               <a:rPr lang="en-US" u="sng" dirty="0" smtClean="0"/>
-              <a:t>Pull the changes</a:t>
+              <a:t>Pull </a:t>
+            </a:r>
+            <a:r>
+              <a:rPr lang="en-US" u="sng" dirty="0" smtClean="0"/>
+              <a:t>the changes</a:t>
             </a:r>
           </a:p>
           <a:p>
@@ -11535,7 +11031,15 @@
             </a:r>
             <a:r>
               <a:rPr lang="en-US" dirty="0" smtClean="0"/>
-              <a:t> pull origin master </a:t>
+              <a:t> </a:t>
+            </a:r>
+            <a:r>
+              <a:rPr lang="en-US" dirty="0" smtClean="0"/>
+              <a:t>pull </a:t>
+            </a:r>
+            <a:r>
+              <a:rPr lang="en-US" dirty="0" smtClean="0"/>
+              <a:t>origin master </a:t>
             </a:r>
             <a:endParaRPr lang="en-US" dirty="0"/>
           </a:p>
